--- a/presentation/Mobility over Air Quality Index (MAQI).pptx
+++ b/presentation/Mobility over Air Quality Index (MAQI).pptx
@@ -1,35 +1,36 @@
 
 <file path=ppt/presentation.xml><?xml version="1.0" encoding="utf-8"?>
-<p:presentation xmlns:a="http://schemas.openxmlformats.org/drawingml/2006/main" xmlns:r="http://schemas.openxmlformats.org/officeDocument/2006/relationships" xmlns:mc="http://schemas.openxmlformats.org/markup-compatibility/2006" xmlns:mv="urn:schemas-microsoft-com:mac:vml" xmlns:p="http://schemas.openxmlformats.org/presentationml/2006/main" xmlns:c="http://schemas.openxmlformats.org/drawingml/2006/chart" xmlns:dgm="http://schemas.openxmlformats.org/drawingml/2006/diagram" xmlns:o="urn:schemas-microsoft-com:office:office" xmlns:v="urn:schemas-microsoft-com:vml" xmlns:pvml="urn:schemas-microsoft-com:office:powerpoint" xmlns:com="http://schemas.openxmlformats.org/drawingml/2006/compatibility" xmlns:p14="http://schemas.microsoft.com/office/powerpoint/2010/main" xmlns:p15="http://schemas.microsoft.com/office/powerpoint/2012/main" xmlns:ahyp="http://schemas.microsoft.com/office/drawing/2018/hyperlinkcolor" autoCompressPictures="0" embedTrueTypeFonts="1" strictFirstAndLastChars="0" saveSubsetFonts="1">
+<p:presentation xmlns:a="http://schemas.openxmlformats.org/drawingml/2006/main" xmlns:r="http://schemas.openxmlformats.org/officeDocument/2006/relationships" xmlns:p="http://schemas.openxmlformats.org/presentationml/2006/main" strictFirstAndLastChars="0" embedTrueTypeFonts="1" saveSubsetFonts="1" autoCompressPictures="0">
   <p:sldMasterIdLst>
-    <p:sldMasterId id="2147483659" r:id="rId3"/>
+    <p:sldMasterId id="2147483659" r:id="rId1"/>
   </p:sldMasterIdLst>
   <p:notesMasterIdLst>
-    <p:notesMasterId r:id="rId4"/>
+    <p:notesMasterId r:id="rId11"/>
   </p:notesMasterIdLst>
   <p:sldIdLst>
-    <p:sldId id="256" r:id="rId5"/>
-    <p:sldId id="257" r:id="rId6"/>
-    <p:sldId id="258" r:id="rId7"/>
-    <p:sldId id="259" r:id="rId8"/>
-    <p:sldId id="260" r:id="rId9"/>
-    <p:sldId id="261" r:id="rId10"/>
-    <p:sldId id="262" r:id="rId11"/>
-    <p:sldId id="263" r:id="rId12"/>
+    <p:sldId id="256" r:id="rId2"/>
+    <p:sldId id="257" r:id="rId3"/>
+    <p:sldId id="258" r:id="rId4"/>
+    <p:sldId id="259" r:id="rId5"/>
+    <p:sldId id="260" r:id="rId6"/>
+    <p:sldId id="261" r:id="rId7"/>
+    <p:sldId id="264" r:id="rId8"/>
+    <p:sldId id="262" r:id="rId9"/>
+    <p:sldId id="263" r:id="rId10"/>
   </p:sldIdLst>
-  <p:sldSz cy="5143500" cx="9144000"/>
+  <p:sldSz cx="9144000" cy="5143500" type="screen16x9"/>
   <p:notesSz cx="6858000" cy="9144000"/>
   <p:embeddedFontLst>
     <p:embeddedFont>
-      <p:font typeface="Montserrat"/>
-      <p:regular r:id="rId13"/>
-      <p:bold r:id="rId14"/>
-      <p:italic r:id="rId15"/>
-      <p:boldItalic r:id="rId16"/>
+      <p:font typeface="Montserrat" panose="00000500000000000000" pitchFamily="50" charset="0"/>
+      <p:regular r:id="rId12"/>
+      <p:bold r:id="rId13"/>
+      <p:italic r:id="rId14"/>
+      <p:boldItalic r:id="rId15"/>
     </p:embeddedFont>
   </p:embeddedFontLst>
   <p:defaultTextStyle>
-    <a:defPPr lvl="0" marR="0" rtl="0" algn="l">
+    <a:defPPr marR="0" lvl="0" algn="l" rtl="0">
       <a:lnSpc>
         <a:spcPct val="100000"/>
       </a:lnSpc>
@@ -40,7 +41,7 @@
         <a:spcPts val="0"/>
       </a:spcAft>
     </a:defPPr>
-    <a:lvl1pPr lvl="0" marR="0" rtl="0" algn="l">
+    <a:lvl1pPr marR="0" lvl="0" algn="l" rtl="0">
       <a:lnSpc>
         <a:spcPct val="100000"/>
       </a:lnSpc>
@@ -54,7 +55,7 @@
         <a:srgbClr val="000000"/>
       </a:buClr>
       <a:buFont typeface="Arial"/>
-      <a:defRPr b="0" i="0" sz="1400" u="none" cap="none" strike="noStrike">
+      <a:defRPr sz="1400" b="0" i="0" u="none" strike="noStrike" cap="none">
         <a:solidFill>
           <a:srgbClr val="000000"/>
         </a:solidFill>
@@ -64,7 +65,7 @@
         <a:sym typeface="Arial"/>
       </a:defRPr>
     </a:lvl1pPr>
-    <a:lvl2pPr lvl="1" marR="0" rtl="0" algn="l">
+    <a:lvl2pPr marR="0" lvl="1" algn="l" rtl="0">
       <a:lnSpc>
         <a:spcPct val="100000"/>
       </a:lnSpc>
@@ -78,7 +79,7 @@
         <a:srgbClr val="000000"/>
       </a:buClr>
       <a:buFont typeface="Arial"/>
-      <a:defRPr b="0" i="0" sz="1400" u="none" cap="none" strike="noStrike">
+      <a:defRPr sz="1400" b="0" i="0" u="none" strike="noStrike" cap="none">
         <a:solidFill>
           <a:srgbClr val="000000"/>
         </a:solidFill>
@@ -88,7 +89,7 @@
         <a:sym typeface="Arial"/>
       </a:defRPr>
     </a:lvl2pPr>
-    <a:lvl3pPr lvl="2" marR="0" rtl="0" algn="l">
+    <a:lvl3pPr marR="0" lvl="2" algn="l" rtl="0">
       <a:lnSpc>
         <a:spcPct val="100000"/>
       </a:lnSpc>
@@ -102,7 +103,7 @@
         <a:srgbClr val="000000"/>
       </a:buClr>
       <a:buFont typeface="Arial"/>
-      <a:defRPr b="0" i="0" sz="1400" u="none" cap="none" strike="noStrike">
+      <a:defRPr sz="1400" b="0" i="0" u="none" strike="noStrike" cap="none">
         <a:solidFill>
           <a:srgbClr val="000000"/>
         </a:solidFill>
@@ -112,7 +113,7 @@
         <a:sym typeface="Arial"/>
       </a:defRPr>
     </a:lvl3pPr>
-    <a:lvl4pPr lvl="3" marR="0" rtl="0" algn="l">
+    <a:lvl4pPr marR="0" lvl="3" algn="l" rtl="0">
       <a:lnSpc>
         <a:spcPct val="100000"/>
       </a:lnSpc>
@@ -126,7 +127,7 @@
         <a:srgbClr val="000000"/>
       </a:buClr>
       <a:buFont typeface="Arial"/>
-      <a:defRPr b="0" i="0" sz="1400" u="none" cap="none" strike="noStrike">
+      <a:defRPr sz="1400" b="0" i="0" u="none" strike="noStrike" cap="none">
         <a:solidFill>
           <a:srgbClr val="000000"/>
         </a:solidFill>
@@ -136,7 +137,7 @@
         <a:sym typeface="Arial"/>
       </a:defRPr>
     </a:lvl4pPr>
-    <a:lvl5pPr lvl="4" marR="0" rtl="0" algn="l">
+    <a:lvl5pPr marR="0" lvl="4" algn="l" rtl="0">
       <a:lnSpc>
         <a:spcPct val="100000"/>
       </a:lnSpc>
@@ -150,7 +151,7 @@
         <a:srgbClr val="000000"/>
       </a:buClr>
       <a:buFont typeface="Arial"/>
-      <a:defRPr b="0" i="0" sz="1400" u="none" cap="none" strike="noStrike">
+      <a:defRPr sz="1400" b="0" i="0" u="none" strike="noStrike" cap="none">
         <a:solidFill>
           <a:srgbClr val="000000"/>
         </a:solidFill>
@@ -160,7 +161,7 @@
         <a:sym typeface="Arial"/>
       </a:defRPr>
     </a:lvl5pPr>
-    <a:lvl6pPr lvl="5" marR="0" rtl="0" algn="l">
+    <a:lvl6pPr marR="0" lvl="5" algn="l" rtl="0">
       <a:lnSpc>
         <a:spcPct val="100000"/>
       </a:lnSpc>
@@ -174,7 +175,7 @@
         <a:srgbClr val="000000"/>
       </a:buClr>
       <a:buFont typeface="Arial"/>
-      <a:defRPr b="0" i="0" sz="1400" u="none" cap="none" strike="noStrike">
+      <a:defRPr sz="1400" b="0" i="0" u="none" strike="noStrike" cap="none">
         <a:solidFill>
           <a:srgbClr val="000000"/>
         </a:solidFill>
@@ -184,7 +185,7 @@
         <a:sym typeface="Arial"/>
       </a:defRPr>
     </a:lvl6pPr>
-    <a:lvl7pPr lvl="6" marR="0" rtl="0" algn="l">
+    <a:lvl7pPr marR="0" lvl="6" algn="l" rtl="0">
       <a:lnSpc>
         <a:spcPct val="100000"/>
       </a:lnSpc>
@@ -198,7 +199,7 @@
         <a:srgbClr val="000000"/>
       </a:buClr>
       <a:buFont typeface="Arial"/>
-      <a:defRPr b="0" i="0" sz="1400" u="none" cap="none" strike="noStrike">
+      <a:defRPr sz="1400" b="0" i="0" u="none" strike="noStrike" cap="none">
         <a:solidFill>
           <a:srgbClr val="000000"/>
         </a:solidFill>
@@ -208,7 +209,7 @@
         <a:sym typeface="Arial"/>
       </a:defRPr>
     </a:lvl7pPr>
-    <a:lvl8pPr lvl="7" marR="0" rtl="0" algn="l">
+    <a:lvl8pPr marR="0" lvl="7" algn="l" rtl="0">
       <a:lnSpc>
         <a:spcPct val="100000"/>
       </a:lnSpc>
@@ -222,7 +223,7 @@
         <a:srgbClr val="000000"/>
       </a:buClr>
       <a:buFont typeface="Arial"/>
-      <a:defRPr b="0" i="0" sz="1400" u="none" cap="none" strike="noStrike">
+      <a:defRPr sz="1400" b="0" i="0" u="none" strike="noStrike" cap="none">
         <a:solidFill>
           <a:srgbClr val="000000"/>
         </a:solidFill>
@@ -232,7 +233,7 @@
         <a:sym typeface="Arial"/>
       </a:defRPr>
     </a:lvl8pPr>
-    <a:lvl9pPr lvl="8" marR="0" rtl="0" algn="l">
+    <a:lvl9pPr marR="0" lvl="8" algn="l" rtl="0">
       <a:lnSpc>
         <a:spcPct val="100000"/>
       </a:lnSpc>
@@ -246,7 +247,7 @@
         <a:srgbClr val="000000"/>
       </a:buClr>
       <a:buFont typeface="Arial"/>
-      <a:defRPr b="0" i="0" sz="1400" u="none" cap="none" strike="noStrike">
+      <a:defRPr sz="1400" b="0" i="0" u="none" strike="noStrike" cap="none">
         <a:solidFill>
           <a:srgbClr val="000000"/>
         </a:solidFill>
@@ -257,15 +258,25 @@
       </a:defRPr>
     </a:lvl9pPr>
   </p:defaultTextStyle>
+  <p:extLst>
+    <p:ext uri="{EFAFB233-063F-42B5-8137-9DF3F51BA10A}">
+      <p15:sldGuideLst xmlns:p15="http://schemas.microsoft.com/office/powerpoint/2012/main"/>
+    </p:ext>
+  </p:extLst>
 </p:presentation>
 </file>
 
 <file path=ppt/notesMasters/notesMaster1.xml><?xml version="1.0" encoding="utf-8"?>
-<p:notesMaster xmlns:a="http://schemas.openxmlformats.org/drawingml/2006/main" xmlns:r="http://schemas.openxmlformats.org/officeDocument/2006/relationships" xmlns:mc="http://schemas.openxmlformats.org/markup-compatibility/2006" xmlns:mv="urn:schemas-microsoft-com:mac:vml" xmlns:p="http://schemas.openxmlformats.org/presentationml/2006/main" xmlns:c="http://schemas.openxmlformats.org/drawingml/2006/chart" xmlns:dgm="http://schemas.openxmlformats.org/drawingml/2006/diagram" xmlns:o="urn:schemas-microsoft-com:office:office" xmlns:v="urn:schemas-microsoft-com:vml" xmlns:pvml="urn:schemas-microsoft-com:office:powerpoint" xmlns:com="http://schemas.openxmlformats.org/drawingml/2006/compatibility" xmlns:p14="http://schemas.microsoft.com/office/powerpoint/2010/main" xmlns:p15="http://schemas.microsoft.com/office/powerpoint/2012/main" xmlns:ahyp="http://schemas.microsoft.com/office/drawing/2018/hyperlinkcolor">
+<p:notesMaster xmlns:a="http://schemas.openxmlformats.org/drawingml/2006/main" xmlns:r="http://schemas.openxmlformats.org/officeDocument/2006/relationships" xmlns:p="http://schemas.openxmlformats.org/presentationml/2006/main">
   <p:cSld>
+    <p:bg>
+      <p:bgRef idx="1001">
+        <a:schemeClr val="bg1"/>
+      </p:bgRef>
+    </p:bg>
     <p:spTree>
       <p:nvGrpSpPr>
-        <p:cNvPr id="2" name="Shape 2"/>
+        <p:cNvPr id="1" name="Shape 2"/>
         <p:cNvGrpSpPr/>
         <p:nvPr/>
       </p:nvGrpSpPr>
@@ -280,9 +291,11 @@
       <p:sp>
         <p:nvSpPr>
           <p:cNvPr id="3" name="Google Shape;3;n"/>
-          <p:cNvSpPr/>
+          <p:cNvSpPr>
+            <a:spLocks noGrp="1" noRot="1" noChangeAspect="1"/>
+          </p:cNvSpPr>
           <p:nvPr>
-            <p:ph idx="2" type="sldImg"/>
+            <p:ph type="sldImg" idx="2"/>
           </p:nvPr>
         </p:nvSpPr>
         <p:spPr>
@@ -291,9 +304,13 @@
             <a:ext cx="6096075" cy="3429000"/>
           </a:xfrm>
           <a:custGeom>
-            <a:rect b="b" l="l" r="r" t="t"/>
+            <a:avLst/>
+            <a:gdLst/>
+            <a:ahLst/>
+            <a:cxnLst/>
+            <a:rect l="l" t="t" r="r" b="b"/>
             <a:pathLst>
-              <a:path extrusionOk="0" h="120000" w="120000">
+              <a:path w="120000" h="120000" extrusionOk="0">
                 <a:moveTo>
                   <a:pt x="0" y="0"/>
                 </a:moveTo>
@@ -311,23 +328,25 @@
             </a:pathLst>
           </a:custGeom>
           <a:noFill/>
-          <a:ln cap="flat" cmpd="sng" w="9525">
+          <a:ln w="9525" cap="flat" cmpd="sng">
             <a:solidFill>
               <a:srgbClr val="000000"/>
             </a:solidFill>
             <a:prstDash val="solid"/>
             <a:round/>
-            <a:headEnd len="sm" w="sm" type="none"/>
-            <a:tailEnd len="sm" w="sm" type="none"/>
+            <a:headEnd type="none" w="sm" len="sm"/>
+            <a:tailEnd type="none" w="sm" len="sm"/>
           </a:ln>
         </p:spPr>
       </p:sp>
       <p:sp>
         <p:nvSpPr>
           <p:cNvPr id="4" name="Google Shape;4;n"/>
-          <p:cNvSpPr txBox="1"/>
+          <p:cNvSpPr txBox="1">
+            <a:spLocks noGrp="1"/>
+          </p:cNvSpPr>
           <p:nvPr>
-            <p:ph idx="1" type="body"/>
+            <p:ph type="body" idx="1"/>
           </p:nvPr>
         </p:nvSpPr>
         <p:spPr>
@@ -344,11 +363,11 @@
           </a:ln>
         </p:spPr>
         <p:txBody>
-          <a:bodyPr anchorCtr="0" anchor="t" bIns="91425" lIns="91425" spcFirstLastPara="1" rIns="91425" wrap="square" tIns="91425">
+          <a:bodyPr spcFirstLastPara="1" wrap="square" lIns="91425" tIns="91425" rIns="91425" bIns="91425" anchor="t" anchorCtr="0">
             <a:noAutofit/>
           </a:bodyPr>
           <a:lstStyle>
-            <a:lvl1pPr indent="-298450" lvl="0" marL="457200">
+            <a:lvl1pPr marL="457200" lvl="0" indent="-298450">
               <a:spcBef>
                 <a:spcPts val="0"/>
               </a:spcBef>
@@ -359,7 +378,7 @@
               <a:buChar char="●"/>
               <a:defRPr sz="1100"/>
             </a:lvl1pPr>
-            <a:lvl2pPr indent="-298450" lvl="1" marL="914400">
+            <a:lvl2pPr marL="914400" lvl="1" indent="-298450">
               <a:spcBef>
                 <a:spcPts val="0"/>
               </a:spcBef>
@@ -370,7 +389,7 @@
               <a:buChar char="○"/>
               <a:defRPr sz="1100"/>
             </a:lvl2pPr>
-            <a:lvl3pPr indent="-298450" lvl="2" marL="1371600">
+            <a:lvl3pPr marL="1371600" lvl="2" indent="-298450">
               <a:spcBef>
                 <a:spcPts val="0"/>
               </a:spcBef>
@@ -381,7 +400,7 @@
               <a:buChar char="■"/>
               <a:defRPr sz="1100"/>
             </a:lvl3pPr>
-            <a:lvl4pPr indent="-298450" lvl="3" marL="1828800">
+            <a:lvl4pPr marL="1828800" lvl="3" indent="-298450">
               <a:spcBef>
                 <a:spcPts val="0"/>
               </a:spcBef>
@@ -392,7 +411,7 @@
               <a:buChar char="●"/>
               <a:defRPr sz="1100"/>
             </a:lvl4pPr>
-            <a:lvl5pPr indent="-298450" lvl="4" marL="2286000">
+            <a:lvl5pPr marL="2286000" lvl="4" indent="-298450">
               <a:spcBef>
                 <a:spcPts val="0"/>
               </a:spcBef>
@@ -403,7 +422,7 @@
               <a:buChar char="○"/>
               <a:defRPr sz="1100"/>
             </a:lvl5pPr>
-            <a:lvl6pPr indent="-298450" lvl="5" marL="2743200">
+            <a:lvl6pPr marL="2743200" lvl="5" indent="-298450">
               <a:spcBef>
                 <a:spcPts val="0"/>
               </a:spcBef>
@@ -414,7 +433,7 @@
               <a:buChar char="■"/>
               <a:defRPr sz="1100"/>
             </a:lvl6pPr>
-            <a:lvl7pPr indent="-298450" lvl="6" marL="3200400">
+            <a:lvl7pPr marL="3200400" lvl="6" indent="-298450">
               <a:spcBef>
                 <a:spcPts val="0"/>
               </a:spcBef>
@@ -425,7 +444,7 @@
               <a:buChar char="●"/>
               <a:defRPr sz="1100"/>
             </a:lvl7pPr>
-            <a:lvl8pPr indent="-298450" lvl="7" marL="3657600">
+            <a:lvl8pPr marL="3657600" lvl="7" indent="-298450">
               <a:spcBef>
                 <a:spcPts val="0"/>
               </a:spcBef>
@@ -436,7 +455,7 @@
               <a:buChar char="○"/>
               <a:defRPr sz="1100"/>
             </a:lvl8pPr>
-            <a:lvl9pPr indent="-298450" lvl="8" marL="4114800">
+            <a:lvl9pPr marL="4114800" lvl="8" indent="-298450">
               <a:spcBef>
                 <a:spcPts val="0"/>
               </a:spcBef>
@@ -448,14 +467,16 @@
               <a:defRPr sz="1100"/>
             </a:lvl9pPr>
           </a:lstStyle>
-          <a:p/>
+          <a:p>
+            <a:endParaRPr/>
+          </a:p>
         </p:txBody>
       </p:sp>
     </p:spTree>
   </p:cSld>
-  <p:clrMap accent1="accent1" accent2="accent2" accent3="accent3" accent4="accent4" accent5="accent5" accent6="accent6" bg1="lt1" bg2="dk2" tx1="dk1" tx2="lt2" folHlink="folHlink" hlink="hlink"/>
+  <p:clrMap bg1="lt1" tx1="dk1" bg2="dk2" tx2="lt2" accent1="accent1" accent2="accent2" accent3="accent3" accent4="accent4" accent5="accent5" accent6="accent6" hlink="hlink" folHlink="folHlink"/>
   <p:notesStyle>
-    <a:defPPr lvl="0" marR="0" rtl="0" algn="l">
+    <a:defPPr marR="0" lvl="0" algn="l" rtl="0">
       <a:lnSpc>
         <a:spcPct val="100000"/>
       </a:lnSpc>
@@ -466,7 +487,7 @@
         <a:spcPts val="0"/>
       </a:spcAft>
     </a:defPPr>
-    <a:lvl1pPr lvl="0" marR="0" rtl="0" algn="l">
+    <a:lvl1pPr marR="0" lvl="0" algn="l" rtl="0">
       <a:lnSpc>
         <a:spcPct val="100000"/>
       </a:lnSpc>
@@ -480,7 +501,7 @@
         <a:srgbClr val="000000"/>
       </a:buClr>
       <a:buFont typeface="Arial"/>
-      <a:defRPr b="0" i="0" sz="1400" u="none" cap="none" strike="noStrike">
+      <a:defRPr sz="1400" b="0" i="0" u="none" strike="noStrike" cap="none">
         <a:solidFill>
           <a:srgbClr val="000000"/>
         </a:solidFill>
@@ -490,7 +511,7 @@
         <a:sym typeface="Arial"/>
       </a:defRPr>
     </a:lvl1pPr>
-    <a:lvl2pPr lvl="1" marR="0" rtl="0" algn="l">
+    <a:lvl2pPr marR="0" lvl="1" algn="l" rtl="0">
       <a:lnSpc>
         <a:spcPct val="100000"/>
       </a:lnSpc>
@@ -504,7 +525,7 @@
         <a:srgbClr val="000000"/>
       </a:buClr>
       <a:buFont typeface="Arial"/>
-      <a:defRPr b="0" i="0" sz="1400" u="none" cap="none" strike="noStrike">
+      <a:defRPr sz="1400" b="0" i="0" u="none" strike="noStrike" cap="none">
         <a:solidFill>
           <a:srgbClr val="000000"/>
         </a:solidFill>
@@ -514,7 +535,7 @@
         <a:sym typeface="Arial"/>
       </a:defRPr>
     </a:lvl2pPr>
-    <a:lvl3pPr lvl="2" marR="0" rtl="0" algn="l">
+    <a:lvl3pPr marR="0" lvl="2" algn="l" rtl="0">
       <a:lnSpc>
         <a:spcPct val="100000"/>
       </a:lnSpc>
@@ -528,7 +549,7 @@
         <a:srgbClr val="000000"/>
       </a:buClr>
       <a:buFont typeface="Arial"/>
-      <a:defRPr b="0" i="0" sz="1400" u="none" cap="none" strike="noStrike">
+      <a:defRPr sz="1400" b="0" i="0" u="none" strike="noStrike" cap="none">
         <a:solidFill>
           <a:srgbClr val="000000"/>
         </a:solidFill>
@@ -538,7 +559,7 @@
         <a:sym typeface="Arial"/>
       </a:defRPr>
     </a:lvl3pPr>
-    <a:lvl4pPr lvl="3" marR="0" rtl="0" algn="l">
+    <a:lvl4pPr marR="0" lvl="3" algn="l" rtl="0">
       <a:lnSpc>
         <a:spcPct val="100000"/>
       </a:lnSpc>
@@ -552,7 +573,7 @@
         <a:srgbClr val="000000"/>
       </a:buClr>
       <a:buFont typeface="Arial"/>
-      <a:defRPr b="0" i="0" sz="1400" u="none" cap="none" strike="noStrike">
+      <a:defRPr sz="1400" b="0" i="0" u="none" strike="noStrike" cap="none">
         <a:solidFill>
           <a:srgbClr val="000000"/>
         </a:solidFill>
@@ -562,7 +583,7 @@
         <a:sym typeface="Arial"/>
       </a:defRPr>
     </a:lvl4pPr>
-    <a:lvl5pPr lvl="4" marR="0" rtl="0" algn="l">
+    <a:lvl5pPr marR="0" lvl="4" algn="l" rtl="0">
       <a:lnSpc>
         <a:spcPct val="100000"/>
       </a:lnSpc>
@@ -576,7 +597,7 @@
         <a:srgbClr val="000000"/>
       </a:buClr>
       <a:buFont typeface="Arial"/>
-      <a:defRPr b="0" i="0" sz="1400" u="none" cap="none" strike="noStrike">
+      <a:defRPr sz="1400" b="0" i="0" u="none" strike="noStrike" cap="none">
         <a:solidFill>
           <a:srgbClr val="000000"/>
         </a:solidFill>
@@ -586,7 +607,7 @@
         <a:sym typeface="Arial"/>
       </a:defRPr>
     </a:lvl5pPr>
-    <a:lvl6pPr lvl="5" marR="0" rtl="0" algn="l">
+    <a:lvl6pPr marR="0" lvl="5" algn="l" rtl="0">
       <a:lnSpc>
         <a:spcPct val="100000"/>
       </a:lnSpc>
@@ -600,7 +621,7 @@
         <a:srgbClr val="000000"/>
       </a:buClr>
       <a:buFont typeface="Arial"/>
-      <a:defRPr b="0" i="0" sz="1400" u="none" cap="none" strike="noStrike">
+      <a:defRPr sz="1400" b="0" i="0" u="none" strike="noStrike" cap="none">
         <a:solidFill>
           <a:srgbClr val="000000"/>
         </a:solidFill>
@@ -610,7 +631,7 @@
         <a:sym typeface="Arial"/>
       </a:defRPr>
     </a:lvl6pPr>
-    <a:lvl7pPr lvl="6" marR="0" rtl="0" algn="l">
+    <a:lvl7pPr marR="0" lvl="6" algn="l" rtl="0">
       <a:lnSpc>
         <a:spcPct val="100000"/>
       </a:lnSpc>
@@ -624,7 +645,7 @@
         <a:srgbClr val="000000"/>
       </a:buClr>
       <a:buFont typeface="Arial"/>
-      <a:defRPr b="0" i="0" sz="1400" u="none" cap="none" strike="noStrike">
+      <a:defRPr sz="1400" b="0" i="0" u="none" strike="noStrike" cap="none">
         <a:solidFill>
           <a:srgbClr val="000000"/>
         </a:solidFill>
@@ -634,7 +655,7 @@
         <a:sym typeface="Arial"/>
       </a:defRPr>
     </a:lvl7pPr>
-    <a:lvl8pPr lvl="7" marR="0" rtl="0" algn="l">
+    <a:lvl8pPr marR="0" lvl="7" algn="l" rtl="0">
       <a:lnSpc>
         <a:spcPct val="100000"/>
       </a:lnSpc>
@@ -648,7 +669,7 @@
         <a:srgbClr val="000000"/>
       </a:buClr>
       <a:buFont typeface="Arial"/>
-      <a:defRPr b="0" i="0" sz="1400" u="none" cap="none" strike="noStrike">
+      <a:defRPr sz="1400" b="0" i="0" u="none" strike="noStrike" cap="none">
         <a:solidFill>
           <a:srgbClr val="000000"/>
         </a:solidFill>
@@ -658,7 +679,7 @@
         <a:sym typeface="Arial"/>
       </a:defRPr>
     </a:lvl8pPr>
-    <a:lvl9pPr lvl="8" marR="0" rtl="0" algn="l">
+    <a:lvl9pPr marR="0" lvl="8" algn="l" rtl="0">
       <a:lnSpc>
         <a:spcPct val="100000"/>
       </a:lnSpc>
@@ -672,7 +693,7 @@
         <a:srgbClr val="000000"/>
       </a:buClr>
       <a:buFont typeface="Arial"/>
-      <a:defRPr b="0" i="0" sz="1400" u="none" cap="none" strike="noStrike">
+      <a:defRPr sz="1400" b="0" i="0" u="none" strike="noStrike" cap="none">
         <a:solidFill>
           <a:srgbClr val="000000"/>
         </a:solidFill>
@@ -687,11 +708,11 @@
 </file>
 
 <file path=ppt/notesSlides/notesSlide1.xml><?xml version="1.0" encoding="utf-8"?>
-<p:notes xmlns:a="http://schemas.openxmlformats.org/drawingml/2006/main" xmlns:r="http://schemas.openxmlformats.org/officeDocument/2006/relationships" xmlns:mc="http://schemas.openxmlformats.org/markup-compatibility/2006" xmlns:mv="urn:schemas-microsoft-com:mac:vml" xmlns:p="http://schemas.openxmlformats.org/presentationml/2006/main" xmlns:c="http://schemas.openxmlformats.org/drawingml/2006/chart" xmlns:dgm="http://schemas.openxmlformats.org/drawingml/2006/diagram" xmlns:o="urn:schemas-microsoft-com:office:office" xmlns:v="urn:schemas-microsoft-com:vml" xmlns:pvml="urn:schemas-microsoft-com:office:powerpoint" xmlns:com="http://schemas.openxmlformats.org/drawingml/2006/compatibility" xmlns:p14="http://schemas.microsoft.com/office/powerpoint/2010/main" xmlns:p15="http://schemas.microsoft.com/office/powerpoint/2012/main" xmlns:ahyp="http://schemas.microsoft.com/office/drawing/2018/hyperlinkcolor" showMasterPhAnim="0" showMasterSp="0">
+<p:notes xmlns:a="http://schemas.openxmlformats.org/drawingml/2006/main" xmlns:r="http://schemas.openxmlformats.org/officeDocument/2006/relationships" xmlns:p="http://schemas.openxmlformats.org/presentationml/2006/main" showMasterSp="0" showMasterPhAnim="0">
   <p:cSld>
     <p:spTree>
       <p:nvGrpSpPr>
-        <p:cNvPr id="50" name="Shape 50"/>
+        <p:cNvPr id="1" name="Shape 50"/>
         <p:cNvGrpSpPr/>
         <p:nvPr/>
       </p:nvGrpSpPr>
@@ -706,20 +727,26 @@
       <p:sp>
         <p:nvSpPr>
           <p:cNvPr id="51" name="Google Shape;51;ge23af78bc6_0_0:notes"/>
-          <p:cNvSpPr/>
+          <p:cNvSpPr>
+            <a:spLocks noGrp="1" noRot="1" noChangeAspect="1"/>
+          </p:cNvSpPr>
           <p:nvPr>
-            <p:ph idx="2" type="sldImg"/>
+            <p:ph type="sldImg" idx="2"/>
           </p:nvPr>
         </p:nvSpPr>
         <p:spPr>
           <a:xfrm>
-            <a:off x="381300" y="685800"/>
+            <a:off x="381000" y="685800"/>
             <a:ext cx="6096000" cy="3429000"/>
           </a:xfrm>
           <a:custGeom>
-            <a:rect b="b" l="l" r="r" t="t"/>
+            <a:avLst/>
+            <a:gdLst/>
+            <a:ahLst/>
+            <a:cxnLst/>
+            <a:rect l="l" t="t" r="r" b="b"/>
             <a:pathLst>
-              <a:path extrusionOk="0" h="120000" w="120000">
+              <a:path w="120000" h="120000" extrusionOk="0">
                 <a:moveTo>
                   <a:pt x="0" y="0"/>
                 </a:moveTo>
@@ -741,9 +768,11 @@
       <p:sp>
         <p:nvSpPr>
           <p:cNvPr id="52" name="Google Shape;52;ge23af78bc6_0_0:notes"/>
-          <p:cNvSpPr txBox="1"/>
+          <p:cNvSpPr txBox="1">
+            <a:spLocks noGrp="1"/>
+          </p:cNvSpPr>
           <p:nvPr>
-            <p:ph idx="1" type="body"/>
+            <p:ph type="body" idx="1"/>
           </p:nvPr>
         </p:nvSpPr>
         <p:spPr>
@@ -756,12 +785,12 @@
           </a:prstGeom>
         </p:spPr>
         <p:txBody>
-          <a:bodyPr anchorCtr="0" anchor="t" bIns="91425" lIns="91425" spcFirstLastPara="1" rIns="91425" wrap="square" tIns="91425">
+          <a:bodyPr spcFirstLastPara="1" wrap="square" lIns="91425" tIns="91425" rIns="91425" bIns="91425" anchor="t" anchorCtr="0">
             <a:noAutofit/>
           </a:bodyPr>
           <a:lstStyle/>
           <a:p>
-            <a:pPr indent="0" lvl="0" marL="0" rtl="0" algn="l">
+            <a:pPr marL="0" lvl="0" indent="0" algn="l" rtl="0">
               <a:spcBef>
                 <a:spcPts val="0"/>
               </a:spcBef>
@@ -770,9 +799,6 @@
               </a:spcAft>
               <a:buNone/>
             </a:pPr>
-            <a:r>
-              <a:t/>
-            </a:r>
             <a:endParaRPr/>
           </a:p>
         </p:txBody>
@@ -786,11 +812,11 @@
 </file>
 
 <file path=ppt/notesSlides/notesSlide2.xml><?xml version="1.0" encoding="utf-8"?>
-<p:notes xmlns:a="http://schemas.openxmlformats.org/drawingml/2006/main" xmlns:r="http://schemas.openxmlformats.org/officeDocument/2006/relationships" xmlns:mc="http://schemas.openxmlformats.org/markup-compatibility/2006" xmlns:mv="urn:schemas-microsoft-com:mac:vml" xmlns:p="http://schemas.openxmlformats.org/presentationml/2006/main" xmlns:c="http://schemas.openxmlformats.org/drawingml/2006/chart" xmlns:dgm="http://schemas.openxmlformats.org/drawingml/2006/diagram" xmlns:o="urn:schemas-microsoft-com:office:office" xmlns:v="urn:schemas-microsoft-com:vml" xmlns:pvml="urn:schemas-microsoft-com:office:powerpoint" xmlns:com="http://schemas.openxmlformats.org/drawingml/2006/compatibility" xmlns:p14="http://schemas.microsoft.com/office/powerpoint/2010/main" xmlns:p15="http://schemas.microsoft.com/office/powerpoint/2012/main" xmlns:ahyp="http://schemas.microsoft.com/office/drawing/2018/hyperlinkcolor" showMasterPhAnim="0" showMasterSp="0">
+<p:notes xmlns:a="http://schemas.openxmlformats.org/drawingml/2006/main" xmlns:r="http://schemas.openxmlformats.org/officeDocument/2006/relationships" xmlns:p="http://schemas.openxmlformats.org/presentationml/2006/main" showMasterSp="0" showMasterPhAnim="0">
   <p:cSld>
     <p:spTree>
       <p:nvGrpSpPr>
-        <p:cNvPr id="72" name="Shape 72"/>
+        <p:cNvPr id="1" name="Shape 72"/>
         <p:cNvGrpSpPr/>
         <p:nvPr/>
       </p:nvGrpSpPr>
@@ -805,20 +831,26 @@
       <p:sp>
         <p:nvSpPr>
           <p:cNvPr id="73" name="Google Shape;73;ge15b7aad40_1_0:notes"/>
-          <p:cNvSpPr/>
+          <p:cNvSpPr>
+            <a:spLocks noGrp="1" noRot="1" noChangeAspect="1"/>
+          </p:cNvSpPr>
           <p:nvPr>
-            <p:ph idx="2" type="sldImg"/>
+            <p:ph type="sldImg" idx="2"/>
           </p:nvPr>
         </p:nvSpPr>
         <p:spPr>
           <a:xfrm>
-            <a:off x="381300" y="685800"/>
+            <a:off x="381000" y="685800"/>
             <a:ext cx="6096000" cy="3429000"/>
           </a:xfrm>
           <a:custGeom>
-            <a:rect b="b" l="l" r="r" t="t"/>
+            <a:avLst/>
+            <a:gdLst/>
+            <a:ahLst/>
+            <a:cxnLst/>
+            <a:rect l="l" t="t" r="r" b="b"/>
             <a:pathLst>
-              <a:path extrusionOk="0" h="120000" w="120000">
+              <a:path w="120000" h="120000" extrusionOk="0">
                 <a:moveTo>
                   <a:pt x="0" y="0"/>
                 </a:moveTo>
@@ -840,9 +872,11 @@
       <p:sp>
         <p:nvSpPr>
           <p:cNvPr id="74" name="Google Shape;74;ge15b7aad40_1_0:notes"/>
-          <p:cNvSpPr txBox="1"/>
+          <p:cNvSpPr txBox="1">
+            <a:spLocks noGrp="1"/>
+          </p:cNvSpPr>
           <p:nvPr>
-            <p:ph idx="1" type="body"/>
+            <p:ph type="body" idx="1"/>
           </p:nvPr>
         </p:nvSpPr>
         <p:spPr>
@@ -855,12 +889,12 @@
           </a:prstGeom>
         </p:spPr>
         <p:txBody>
-          <a:bodyPr anchorCtr="0" anchor="t" bIns="91425" lIns="91425" spcFirstLastPara="1" rIns="91425" wrap="square" tIns="91425">
+          <a:bodyPr spcFirstLastPara="1" wrap="square" lIns="91425" tIns="91425" rIns="91425" bIns="91425" anchor="t" anchorCtr="0">
             <a:noAutofit/>
           </a:bodyPr>
           <a:lstStyle/>
           <a:p>
-            <a:pPr indent="0" lvl="0" marL="0" rtl="0" algn="l">
+            <a:pPr marL="0" lvl="0" indent="0" algn="l" rtl="0">
               <a:spcBef>
                 <a:spcPts val="0"/>
               </a:spcBef>
@@ -869,9 +903,6 @@
               </a:spcAft>
               <a:buNone/>
             </a:pPr>
-            <a:r>
-              <a:t/>
-            </a:r>
             <a:endParaRPr/>
           </a:p>
         </p:txBody>
@@ -885,11 +916,11 @@
 </file>
 
 <file path=ppt/notesSlides/notesSlide3.xml><?xml version="1.0" encoding="utf-8"?>
-<p:notes xmlns:a="http://schemas.openxmlformats.org/drawingml/2006/main" xmlns:r="http://schemas.openxmlformats.org/officeDocument/2006/relationships" xmlns:mc="http://schemas.openxmlformats.org/markup-compatibility/2006" xmlns:mv="urn:schemas-microsoft-com:mac:vml" xmlns:p="http://schemas.openxmlformats.org/presentationml/2006/main" xmlns:c="http://schemas.openxmlformats.org/drawingml/2006/chart" xmlns:dgm="http://schemas.openxmlformats.org/drawingml/2006/diagram" xmlns:o="urn:schemas-microsoft-com:office:office" xmlns:v="urn:schemas-microsoft-com:vml" xmlns:pvml="urn:schemas-microsoft-com:office:powerpoint" xmlns:com="http://schemas.openxmlformats.org/drawingml/2006/compatibility" xmlns:p14="http://schemas.microsoft.com/office/powerpoint/2010/main" xmlns:p15="http://schemas.microsoft.com/office/powerpoint/2012/main" xmlns:ahyp="http://schemas.microsoft.com/office/drawing/2018/hyperlinkcolor" showMasterPhAnim="0" showMasterSp="0">
+<p:notes xmlns:a="http://schemas.openxmlformats.org/drawingml/2006/main" xmlns:r="http://schemas.openxmlformats.org/officeDocument/2006/relationships" xmlns:p="http://schemas.openxmlformats.org/presentationml/2006/main" showMasterSp="0" showMasterPhAnim="0">
   <p:cSld>
     <p:spTree>
       <p:nvGrpSpPr>
-        <p:cNvPr id="83" name="Shape 83"/>
+        <p:cNvPr id="1" name="Shape 83"/>
         <p:cNvGrpSpPr/>
         <p:nvPr/>
       </p:nvGrpSpPr>
@@ -904,20 +935,26 @@
       <p:sp>
         <p:nvSpPr>
           <p:cNvPr id="84" name="Google Shape;84;ge15b7aad40_1_74:notes"/>
-          <p:cNvSpPr/>
+          <p:cNvSpPr>
+            <a:spLocks noGrp="1" noRot="1" noChangeAspect="1"/>
+          </p:cNvSpPr>
           <p:nvPr>
-            <p:ph idx="2" type="sldImg"/>
+            <p:ph type="sldImg" idx="2"/>
           </p:nvPr>
         </p:nvSpPr>
         <p:spPr>
           <a:xfrm>
-            <a:off x="381300" y="685800"/>
+            <a:off x="381000" y="685800"/>
             <a:ext cx="6096000" cy="3429000"/>
           </a:xfrm>
           <a:custGeom>
-            <a:rect b="b" l="l" r="r" t="t"/>
+            <a:avLst/>
+            <a:gdLst/>
+            <a:ahLst/>
+            <a:cxnLst/>
+            <a:rect l="l" t="t" r="r" b="b"/>
             <a:pathLst>
-              <a:path extrusionOk="0" h="120000" w="120000">
+              <a:path w="120000" h="120000" extrusionOk="0">
                 <a:moveTo>
                   <a:pt x="0" y="0"/>
                 </a:moveTo>
@@ -939,9 +976,11 @@
       <p:sp>
         <p:nvSpPr>
           <p:cNvPr id="85" name="Google Shape;85;ge15b7aad40_1_74:notes"/>
-          <p:cNvSpPr txBox="1"/>
+          <p:cNvSpPr txBox="1">
+            <a:spLocks noGrp="1"/>
+          </p:cNvSpPr>
           <p:nvPr>
-            <p:ph idx="1" type="body"/>
+            <p:ph type="body" idx="1"/>
           </p:nvPr>
         </p:nvSpPr>
         <p:spPr>
@@ -954,12 +993,12 @@
           </a:prstGeom>
         </p:spPr>
         <p:txBody>
-          <a:bodyPr anchorCtr="0" anchor="t" bIns="91425" lIns="91425" spcFirstLastPara="1" rIns="91425" wrap="square" tIns="91425">
+          <a:bodyPr spcFirstLastPara="1" wrap="square" lIns="91425" tIns="91425" rIns="91425" bIns="91425" anchor="t" anchorCtr="0">
             <a:noAutofit/>
           </a:bodyPr>
           <a:lstStyle/>
           <a:p>
-            <a:pPr indent="0" lvl="0" marL="0" rtl="0" algn="l">
+            <a:pPr marL="0" lvl="0" indent="0" algn="l" rtl="0">
               <a:spcBef>
                 <a:spcPts val="0"/>
               </a:spcBef>
@@ -968,9 +1007,6 @@
               </a:spcAft>
               <a:buNone/>
             </a:pPr>
-            <a:r>
-              <a:t/>
-            </a:r>
             <a:endParaRPr/>
           </a:p>
         </p:txBody>
@@ -984,11 +1020,11 @@
 </file>
 
 <file path=ppt/notesSlides/notesSlide4.xml><?xml version="1.0" encoding="utf-8"?>
-<p:notes xmlns:a="http://schemas.openxmlformats.org/drawingml/2006/main" xmlns:r="http://schemas.openxmlformats.org/officeDocument/2006/relationships" xmlns:mc="http://schemas.openxmlformats.org/markup-compatibility/2006" xmlns:mv="urn:schemas-microsoft-com:mac:vml" xmlns:p="http://schemas.openxmlformats.org/presentationml/2006/main" xmlns:c="http://schemas.openxmlformats.org/drawingml/2006/chart" xmlns:dgm="http://schemas.openxmlformats.org/drawingml/2006/diagram" xmlns:o="urn:schemas-microsoft-com:office:office" xmlns:v="urn:schemas-microsoft-com:vml" xmlns:pvml="urn:schemas-microsoft-com:office:powerpoint" xmlns:com="http://schemas.openxmlformats.org/drawingml/2006/compatibility" xmlns:p14="http://schemas.microsoft.com/office/powerpoint/2010/main" xmlns:p15="http://schemas.microsoft.com/office/powerpoint/2012/main" xmlns:ahyp="http://schemas.microsoft.com/office/drawing/2018/hyperlinkcolor" showMasterPhAnim="0" showMasterSp="0">
+<p:notes xmlns:a="http://schemas.openxmlformats.org/drawingml/2006/main" xmlns:r="http://schemas.openxmlformats.org/officeDocument/2006/relationships" xmlns:p="http://schemas.openxmlformats.org/presentationml/2006/main" showMasterSp="0" showMasterPhAnim="0">
   <p:cSld>
     <p:spTree>
       <p:nvGrpSpPr>
-        <p:cNvPr id="98" name="Shape 98"/>
+        <p:cNvPr id="1" name="Shape 98"/>
         <p:cNvGrpSpPr/>
         <p:nvPr/>
       </p:nvGrpSpPr>
@@ -1003,20 +1039,26 @@
       <p:sp>
         <p:nvSpPr>
           <p:cNvPr id="99" name="Google Shape;99;ge15b7aad40_1_94:notes"/>
-          <p:cNvSpPr/>
+          <p:cNvSpPr>
+            <a:spLocks noGrp="1" noRot="1" noChangeAspect="1"/>
+          </p:cNvSpPr>
           <p:nvPr>
-            <p:ph idx="2" type="sldImg"/>
+            <p:ph type="sldImg" idx="2"/>
           </p:nvPr>
         </p:nvSpPr>
         <p:spPr>
           <a:xfrm>
-            <a:off x="381300" y="685800"/>
+            <a:off x="381000" y="685800"/>
             <a:ext cx="6096000" cy="3429000"/>
           </a:xfrm>
           <a:custGeom>
-            <a:rect b="b" l="l" r="r" t="t"/>
+            <a:avLst/>
+            <a:gdLst/>
+            <a:ahLst/>
+            <a:cxnLst/>
+            <a:rect l="l" t="t" r="r" b="b"/>
             <a:pathLst>
-              <a:path extrusionOk="0" h="120000" w="120000">
+              <a:path w="120000" h="120000" extrusionOk="0">
                 <a:moveTo>
                   <a:pt x="0" y="0"/>
                 </a:moveTo>
@@ -1038,9 +1080,11 @@
       <p:sp>
         <p:nvSpPr>
           <p:cNvPr id="100" name="Google Shape;100;ge15b7aad40_1_94:notes"/>
-          <p:cNvSpPr txBox="1"/>
+          <p:cNvSpPr txBox="1">
+            <a:spLocks noGrp="1"/>
+          </p:cNvSpPr>
           <p:nvPr>
-            <p:ph idx="1" type="body"/>
+            <p:ph type="body" idx="1"/>
           </p:nvPr>
         </p:nvSpPr>
         <p:spPr>
@@ -1053,12 +1097,12 @@
           </a:prstGeom>
         </p:spPr>
         <p:txBody>
-          <a:bodyPr anchorCtr="0" anchor="t" bIns="91425" lIns="91425" spcFirstLastPara="1" rIns="91425" wrap="square" tIns="91425">
+          <a:bodyPr spcFirstLastPara="1" wrap="square" lIns="91425" tIns="91425" rIns="91425" bIns="91425" anchor="t" anchorCtr="0">
             <a:noAutofit/>
           </a:bodyPr>
           <a:lstStyle/>
           <a:p>
-            <a:pPr indent="0" lvl="0" marL="0" rtl="0" algn="l">
+            <a:pPr marL="0" lvl="0" indent="0" algn="l" rtl="0">
               <a:spcBef>
                 <a:spcPts val="0"/>
               </a:spcBef>
@@ -1067,9 +1111,6 @@
               </a:spcAft>
               <a:buNone/>
             </a:pPr>
-            <a:r>
-              <a:t/>
-            </a:r>
             <a:endParaRPr/>
           </a:p>
         </p:txBody>
@@ -1083,11 +1124,11 @@
 </file>
 
 <file path=ppt/notesSlides/notesSlide5.xml><?xml version="1.0" encoding="utf-8"?>
-<p:notes xmlns:a="http://schemas.openxmlformats.org/drawingml/2006/main" xmlns:r="http://schemas.openxmlformats.org/officeDocument/2006/relationships" xmlns:mc="http://schemas.openxmlformats.org/markup-compatibility/2006" xmlns:mv="urn:schemas-microsoft-com:mac:vml" xmlns:p="http://schemas.openxmlformats.org/presentationml/2006/main" xmlns:c="http://schemas.openxmlformats.org/drawingml/2006/chart" xmlns:dgm="http://schemas.openxmlformats.org/drawingml/2006/diagram" xmlns:o="urn:schemas-microsoft-com:office:office" xmlns:v="urn:schemas-microsoft-com:vml" xmlns:pvml="urn:schemas-microsoft-com:office:powerpoint" xmlns:com="http://schemas.openxmlformats.org/drawingml/2006/compatibility" xmlns:p14="http://schemas.microsoft.com/office/powerpoint/2010/main" xmlns:p15="http://schemas.microsoft.com/office/powerpoint/2012/main" xmlns:ahyp="http://schemas.microsoft.com/office/drawing/2018/hyperlinkcolor" showMasterPhAnim="0" showMasterSp="0">
+<p:notes xmlns:a="http://schemas.openxmlformats.org/drawingml/2006/main" xmlns:r="http://schemas.openxmlformats.org/officeDocument/2006/relationships" xmlns:p="http://schemas.openxmlformats.org/presentationml/2006/main" showMasterSp="0" showMasterPhAnim="0">
   <p:cSld>
     <p:spTree>
       <p:nvGrpSpPr>
-        <p:cNvPr id="110" name="Shape 110"/>
+        <p:cNvPr id="1" name="Shape 110"/>
         <p:cNvGrpSpPr/>
         <p:nvPr/>
       </p:nvGrpSpPr>
@@ -1102,20 +1143,26 @@
       <p:sp>
         <p:nvSpPr>
           <p:cNvPr id="111" name="Google Shape;111;ge15b7aad40_1_114:notes"/>
-          <p:cNvSpPr/>
+          <p:cNvSpPr>
+            <a:spLocks noGrp="1" noRot="1" noChangeAspect="1"/>
+          </p:cNvSpPr>
           <p:nvPr>
-            <p:ph idx="2" type="sldImg"/>
+            <p:ph type="sldImg" idx="2"/>
           </p:nvPr>
         </p:nvSpPr>
         <p:spPr>
           <a:xfrm>
-            <a:off x="381300" y="685800"/>
+            <a:off x="381000" y="685800"/>
             <a:ext cx="6096000" cy="3429000"/>
           </a:xfrm>
           <a:custGeom>
-            <a:rect b="b" l="l" r="r" t="t"/>
+            <a:avLst/>
+            <a:gdLst/>
+            <a:ahLst/>
+            <a:cxnLst/>
+            <a:rect l="l" t="t" r="r" b="b"/>
             <a:pathLst>
-              <a:path extrusionOk="0" h="120000" w="120000">
+              <a:path w="120000" h="120000" extrusionOk="0">
                 <a:moveTo>
                   <a:pt x="0" y="0"/>
                 </a:moveTo>
@@ -1137,9 +1184,11 @@
       <p:sp>
         <p:nvSpPr>
           <p:cNvPr id="112" name="Google Shape;112;ge15b7aad40_1_114:notes"/>
-          <p:cNvSpPr txBox="1"/>
+          <p:cNvSpPr txBox="1">
+            <a:spLocks noGrp="1"/>
+          </p:cNvSpPr>
           <p:nvPr>
-            <p:ph idx="1" type="body"/>
+            <p:ph type="body" idx="1"/>
           </p:nvPr>
         </p:nvSpPr>
         <p:spPr>
@@ -1152,12 +1201,12 @@
           </a:prstGeom>
         </p:spPr>
         <p:txBody>
-          <a:bodyPr anchorCtr="0" anchor="t" bIns="91425" lIns="91425" spcFirstLastPara="1" rIns="91425" wrap="square" tIns="91425">
+          <a:bodyPr spcFirstLastPara="1" wrap="square" lIns="91425" tIns="91425" rIns="91425" bIns="91425" anchor="t" anchorCtr="0">
             <a:noAutofit/>
           </a:bodyPr>
           <a:lstStyle/>
           <a:p>
-            <a:pPr indent="0" lvl="0" marL="0" rtl="0" algn="l">
+            <a:pPr marL="0" lvl="0" indent="0" algn="l" rtl="0">
               <a:spcBef>
                 <a:spcPts val="0"/>
               </a:spcBef>
@@ -1166,9 +1215,6 @@
               </a:spcAft>
               <a:buNone/>
             </a:pPr>
-            <a:r>
-              <a:t/>
-            </a:r>
             <a:endParaRPr/>
           </a:p>
         </p:txBody>
@@ -1182,11 +1228,11 @@
 </file>
 
 <file path=ppt/notesSlides/notesSlide6.xml><?xml version="1.0" encoding="utf-8"?>
-<p:notes xmlns:a="http://schemas.openxmlformats.org/drawingml/2006/main" xmlns:r="http://schemas.openxmlformats.org/officeDocument/2006/relationships" xmlns:mc="http://schemas.openxmlformats.org/markup-compatibility/2006" xmlns:mv="urn:schemas-microsoft-com:mac:vml" xmlns:p="http://schemas.openxmlformats.org/presentationml/2006/main" xmlns:c="http://schemas.openxmlformats.org/drawingml/2006/chart" xmlns:dgm="http://schemas.openxmlformats.org/drawingml/2006/diagram" xmlns:o="urn:schemas-microsoft-com:office:office" xmlns:v="urn:schemas-microsoft-com:vml" xmlns:pvml="urn:schemas-microsoft-com:office:powerpoint" xmlns:com="http://schemas.openxmlformats.org/drawingml/2006/compatibility" xmlns:p14="http://schemas.microsoft.com/office/powerpoint/2010/main" xmlns:p15="http://schemas.microsoft.com/office/powerpoint/2012/main" xmlns:ahyp="http://schemas.microsoft.com/office/drawing/2018/hyperlinkcolor" showMasterPhAnim="0" showMasterSp="0">
+<p:notes xmlns:a="http://schemas.openxmlformats.org/drawingml/2006/main" xmlns:r="http://schemas.openxmlformats.org/officeDocument/2006/relationships" xmlns:p="http://schemas.openxmlformats.org/presentationml/2006/main" showMasterSp="0" showMasterPhAnim="0">
   <p:cSld>
     <p:spTree>
       <p:nvGrpSpPr>
-        <p:cNvPr id="127" name="Shape 127"/>
+        <p:cNvPr id="1" name="Shape 127"/>
         <p:cNvGrpSpPr/>
         <p:nvPr/>
       </p:nvGrpSpPr>
@@ -1201,20 +1247,26 @@
       <p:sp>
         <p:nvSpPr>
           <p:cNvPr id="128" name="Google Shape;128;ge15b7aad40_1_137:notes"/>
-          <p:cNvSpPr/>
+          <p:cNvSpPr>
+            <a:spLocks noGrp="1" noRot="1" noChangeAspect="1"/>
+          </p:cNvSpPr>
           <p:nvPr>
-            <p:ph idx="2" type="sldImg"/>
+            <p:ph type="sldImg" idx="2"/>
           </p:nvPr>
         </p:nvSpPr>
         <p:spPr>
           <a:xfrm>
-            <a:off x="381300" y="685800"/>
+            <a:off x="381000" y="685800"/>
             <a:ext cx="6096000" cy="3429000"/>
           </a:xfrm>
           <a:custGeom>
-            <a:rect b="b" l="l" r="r" t="t"/>
+            <a:avLst/>
+            <a:gdLst/>
+            <a:ahLst/>
+            <a:cxnLst/>
+            <a:rect l="l" t="t" r="r" b="b"/>
             <a:pathLst>
-              <a:path extrusionOk="0" h="120000" w="120000">
+              <a:path w="120000" h="120000" extrusionOk="0">
                 <a:moveTo>
                   <a:pt x="0" y="0"/>
                 </a:moveTo>
@@ -1236,9 +1288,11 @@
       <p:sp>
         <p:nvSpPr>
           <p:cNvPr id="129" name="Google Shape;129;ge15b7aad40_1_137:notes"/>
-          <p:cNvSpPr txBox="1"/>
+          <p:cNvSpPr txBox="1">
+            <a:spLocks noGrp="1"/>
+          </p:cNvSpPr>
           <p:nvPr>
-            <p:ph idx="1" type="body"/>
+            <p:ph type="body" idx="1"/>
           </p:nvPr>
         </p:nvSpPr>
         <p:spPr>
@@ -1251,12 +1305,12 @@
           </a:prstGeom>
         </p:spPr>
         <p:txBody>
-          <a:bodyPr anchorCtr="0" anchor="t" bIns="91425" lIns="91425" spcFirstLastPara="1" rIns="91425" wrap="square" tIns="91425">
+          <a:bodyPr spcFirstLastPara="1" wrap="square" lIns="91425" tIns="91425" rIns="91425" bIns="91425" anchor="t" anchorCtr="0">
             <a:noAutofit/>
           </a:bodyPr>
           <a:lstStyle/>
           <a:p>
-            <a:pPr indent="0" lvl="0" marL="0" rtl="0" algn="l">
+            <a:pPr marL="0" lvl="0" indent="0" algn="l" rtl="0">
               <a:spcBef>
                 <a:spcPts val="0"/>
               </a:spcBef>
@@ -1265,9 +1319,6 @@
               </a:spcAft>
               <a:buNone/>
             </a:pPr>
-            <a:r>
-              <a:t/>
-            </a:r>
             <a:endParaRPr/>
           </a:p>
         </p:txBody>
@@ -1281,11 +1332,11 @@
 </file>
 
 <file path=ppt/notesSlides/notesSlide7.xml><?xml version="1.0" encoding="utf-8"?>
-<p:notes xmlns:a="http://schemas.openxmlformats.org/drawingml/2006/main" xmlns:r="http://schemas.openxmlformats.org/officeDocument/2006/relationships" xmlns:mc="http://schemas.openxmlformats.org/markup-compatibility/2006" xmlns:mv="urn:schemas-microsoft-com:mac:vml" xmlns:p="http://schemas.openxmlformats.org/presentationml/2006/main" xmlns:c="http://schemas.openxmlformats.org/drawingml/2006/chart" xmlns:dgm="http://schemas.openxmlformats.org/drawingml/2006/diagram" xmlns:o="urn:schemas-microsoft-com:office:office" xmlns:v="urn:schemas-microsoft-com:vml" xmlns:pvml="urn:schemas-microsoft-com:office:powerpoint" xmlns:com="http://schemas.openxmlformats.org/drawingml/2006/compatibility" xmlns:p14="http://schemas.microsoft.com/office/powerpoint/2010/main" xmlns:p15="http://schemas.microsoft.com/office/powerpoint/2012/main" xmlns:ahyp="http://schemas.microsoft.com/office/drawing/2018/hyperlinkcolor" showMasterPhAnim="0" showMasterSp="0">
+<p:notes xmlns:a="http://schemas.openxmlformats.org/drawingml/2006/main" xmlns:r="http://schemas.openxmlformats.org/officeDocument/2006/relationships" xmlns:p="http://schemas.openxmlformats.org/presentationml/2006/main" showMasterSp="0" showMasterPhAnim="0">
   <p:cSld>
     <p:spTree>
       <p:nvGrpSpPr>
-        <p:cNvPr id="140" name="Shape 140"/>
+        <p:cNvPr id="1" name="Shape 127"/>
         <p:cNvGrpSpPr/>
         <p:nvPr/>
       </p:nvGrpSpPr>
@@ -1299,21 +1350,27 @@
       </p:grpSpPr>
       <p:sp>
         <p:nvSpPr>
-          <p:cNvPr id="141" name="Google Shape;141;ge15b7aad40_1_30:notes"/>
-          <p:cNvSpPr/>
+          <p:cNvPr id="128" name="Google Shape;128;ge15b7aad40_1_137:notes"/>
+          <p:cNvSpPr>
+            <a:spLocks noGrp="1" noRot="1" noChangeAspect="1"/>
+          </p:cNvSpPr>
           <p:nvPr>
-            <p:ph idx="2" type="sldImg"/>
+            <p:ph type="sldImg" idx="2"/>
           </p:nvPr>
         </p:nvSpPr>
         <p:spPr>
           <a:xfrm>
-            <a:off x="381300" y="685800"/>
+            <a:off x="381000" y="685800"/>
             <a:ext cx="6096000" cy="3429000"/>
           </a:xfrm>
           <a:custGeom>
-            <a:rect b="b" l="l" r="r" t="t"/>
+            <a:avLst/>
+            <a:gdLst/>
+            <a:ahLst/>
+            <a:cxnLst/>
+            <a:rect l="l" t="t" r="r" b="b"/>
             <a:pathLst>
-              <a:path extrusionOk="0" h="120000" w="120000">
+              <a:path w="120000" h="120000" extrusionOk="0">
                 <a:moveTo>
                   <a:pt x="0" y="0"/>
                 </a:moveTo>
@@ -1334,10 +1391,12 @@
       </p:sp>
       <p:sp>
         <p:nvSpPr>
-          <p:cNvPr id="142" name="Google Shape;142;ge15b7aad40_1_30:notes"/>
-          <p:cNvSpPr txBox="1"/>
+          <p:cNvPr id="129" name="Google Shape;129;ge15b7aad40_1_137:notes"/>
+          <p:cNvSpPr txBox="1">
+            <a:spLocks noGrp="1"/>
+          </p:cNvSpPr>
           <p:nvPr>
-            <p:ph idx="1" type="body"/>
+            <p:ph type="body" idx="1"/>
           </p:nvPr>
         </p:nvSpPr>
         <p:spPr>
@@ -1350,12 +1409,12 @@
           </a:prstGeom>
         </p:spPr>
         <p:txBody>
-          <a:bodyPr anchorCtr="0" anchor="t" bIns="91425" lIns="91425" spcFirstLastPara="1" rIns="91425" wrap="square" tIns="91425">
+          <a:bodyPr spcFirstLastPara="1" wrap="square" lIns="91425" tIns="91425" rIns="91425" bIns="91425" anchor="t" anchorCtr="0">
             <a:noAutofit/>
           </a:bodyPr>
           <a:lstStyle/>
           <a:p>
-            <a:pPr indent="0" lvl="0" marL="0" rtl="0" algn="l">
+            <a:pPr marL="0" lvl="0" indent="0" algn="l" rtl="0">
               <a:spcBef>
                 <a:spcPts val="0"/>
               </a:spcBef>
@@ -1364,14 +1423,16 @@
               </a:spcAft>
               <a:buNone/>
             </a:pPr>
-            <a:r>
-              <a:t/>
-            </a:r>
             <a:endParaRPr/>
           </a:p>
         </p:txBody>
       </p:sp>
     </p:spTree>
+    <p:extLst>
+      <p:ext uri="{BB962C8B-B14F-4D97-AF65-F5344CB8AC3E}">
+        <p14:creationId xmlns:p14="http://schemas.microsoft.com/office/powerpoint/2010/main" val="1990336697"/>
+      </p:ext>
+    </p:extLst>
   </p:cSld>
   <p:clrMapOvr>
     <a:masterClrMapping/>
@@ -1380,11 +1441,11 @@
 </file>
 
 <file path=ppt/notesSlides/notesSlide8.xml><?xml version="1.0" encoding="utf-8"?>
-<p:notes xmlns:a="http://schemas.openxmlformats.org/drawingml/2006/main" xmlns:r="http://schemas.openxmlformats.org/officeDocument/2006/relationships" xmlns:mc="http://schemas.openxmlformats.org/markup-compatibility/2006" xmlns:mv="urn:schemas-microsoft-com:mac:vml" xmlns:p="http://schemas.openxmlformats.org/presentationml/2006/main" xmlns:c="http://schemas.openxmlformats.org/drawingml/2006/chart" xmlns:dgm="http://schemas.openxmlformats.org/drawingml/2006/diagram" xmlns:o="urn:schemas-microsoft-com:office:office" xmlns:v="urn:schemas-microsoft-com:vml" xmlns:pvml="urn:schemas-microsoft-com:office:powerpoint" xmlns:com="http://schemas.openxmlformats.org/drawingml/2006/compatibility" xmlns:p14="http://schemas.microsoft.com/office/powerpoint/2010/main" xmlns:p15="http://schemas.microsoft.com/office/powerpoint/2012/main" xmlns:ahyp="http://schemas.microsoft.com/office/drawing/2018/hyperlinkcolor" showMasterPhAnim="0" showMasterSp="0">
+<p:notes xmlns:a="http://schemas.openxmlformats.org/drawingml/2006/main" xmlns:r="http://schemas.openxmlformats.org/officeDocument/2006/relationships" xmlns:p="http://schemas.openxmlformats.org/presentationml/2006/main" showMasterSp="0" showMasterPhAnim="0">
   <p:cSld>
     <p:spTree>
       <p:nvGrpSpPr>
-        <p:cNvPr id="155" name="Shape 155"/>
+        <p:cNvPr id="1" name="Shape 140"/>
         <p:cNvGrpSpPr/>
         <p:nvPr/>
       </p:nvGrpSpPr>
@@ -1398,21 +1459,27 @@
       </p:grpSpPr>
       <p:sp>
         <p:nvSpPr>
-          <p:cNvPr id="156" name="Google Shape;156;ge15b7aad40_1_20:notes"/>
-          <p:cNvSpPr/>
+          <p:cNvPr id="141" name="Google Shape;141;ge15b7aad40_1_30:notes"/>
+          <p:cNvSpPr>
+            <a:spLocks noGrp="1" noRot="1" noChangeAspect="1"/>
+          </p:cNvSpPr>
           <p:nvPr>
-            <p:ph idx="2" type="sldImg"/>
+            <p:ph type="sldImg" idx="2"/>
           </p:nvPr>
         </p:nvSpPr>
         <p:spPr>
           <a:xfrm>
-            <a:off x="381300" y="685800"/>
+            <a:off x="381000" y="685800"/>
             <a:ext cx="6096000" cy="3429000"/>
           </a:xfrm>
           <a:custGeom>
-            <a:rect b="b" l="l" r="r" t="t"/>
+            <a:avLst/>
+            <a:gdLst/>
+            <a:ahLst/>
+            <a:cxnLst/>
+            <a:rect l="l" t="t" r="r" b="b"/>
             <a:pathLst>
-              <a:path extrusionOk="0" h="120000" w="120000">
+              <a:path w="120000" h="120000" extrusionOk="0">
                 <a:moveTo>
                   <a:pt x="0" y="0"/>
                 </a:moveTo>
@@ -1433,10 +1500,12 @@
       </p:sp>
       <p:sp>
         <p:nvSpPr>
-          <p:cNvPr id="157" name="Google Shape;157;ge15b7aad40_1_20:notes"/>
-          <p:cNvSpPr txBox="1"/>
+          <p:cNvPr id="142" name="Google Shape;142;ge15b7aad40_1_30:notes"/>
+          <p:cNvSpPr txBox="1">
+            <a:spLocks noGrp="1"/>
+          </p:cNvSpPr>
           <p:nvPr>
-            <p:ph idx="1" type="body"/>
+            <p:ph type="body" idx="1"/>
           </p:nvPr>
         </p:nvSpPr>
         <p:spPr>
@@ -1449,12 +1518,12 @@
           </a:prstGeom>
         </p:spPr>
         <p:txBody>
-          <a:bodyPr anchorCtr="0" anchor="t" bIns="91425" lIns="91425" spcFirstLastPara="1" rIns="91425" wrap="square" tIns="91425">
+          <a:bodyPr spcFirstLastPara="1" wrap="square" lIns="91425" tIns="91425" rIns="91425" bIns="91425" anchor="t" anchorCtr="0">
             <a:noAutofit/>
           </a:bodyPr>
           <a:lstStyle/>
           <a:p>
-            <a:pPr indent="0" lvl="0" marL="0" rtl="0" algn="l">
+            <a:pPr marL="0" lvl="0" indent="0" algn="l" rtl="0">
               <a:spcBef>
                 <a:spcPts val="0"/>
               </a:spcBef>
@@ -1463,9 +1532,110 @@
               </a:spcAft>
               <a:buNone/>
             </a:pPr>
-            <a:r>
-              <a:t/>
-            </a:r>
+            <a:endParaRPr/>
+          </a:p>
+        </p:txBody>
+      </p:sp>
+    </p:spTree>
+  </p:cSld>
+  <p:clrMapOvr>
+    <a:masterClrMapping/>
+  </p:clrMapOvr>
+</p:notes>
+</file>
+
+<file path=ppt/notesSlides/notesSlide9.xml><?xml version="1.0" encoding="utf-8"?>
+<p:notes xmlns:a="http://schemas.openxmlformats.org/drawingml/2006/main" xmlns:r="http://schemas.openxmlformats.org/officeDocument/2006/relationships" xmlns:p="http://schemas.openxmlformats.org/presentationml/2006/main" showMasterSp="0" showMasterPhAnim="0">
+  <p:cSld>
+    <p:spTree>
+      <p:nvGrpSpPr>
+        <p:cNvPr id="1" name="Shape 155"/>
+        <p:cNvGrpSpPr/>
+        <p:nvPr/>
+      </p:nvGrpSpPr>
+      <p:grpSpPr>
+        <a:xfrm>
+          <a:off x="0" y="0"/>
+          <a:ext cx="0" cy="0"/>
+          <a:chOff x="0" y="0"/>
+          <a:chExt cx="0" cy="0"/>
+        </a:xfrm>
+      </p:grpSpPr>
+      <p:sp>
+        <p:nvSpPr>
+          <p:cNvPr id="156" name="Google Shape;156;ge15b7aad40_1_20:notes"/>
+          <p:cNvSpPr>
+            <a:spLocks noGrp="1" noRot="1" noChangeAspect="1"/>
+          </p:cNvSpPr>
+          <p:nvPr>
+            <p:ph type="sldImg" idx="2"/>
+          </p:nvPr>
+        </p:nvSpPr>
+        <p:spPr>
+          <a:xfrm>
+            <a:off x="381000" y="685800"/>
+            <a:ext cx="6096000" cy="3429000"/>
+          </a:xfrm>
+          <a:custGeom>
+            <a:avLst/>
+            <a:gdLst/>
+            <a:ahLst/>
+            <a:cxnLst/>
+            <a:rect l="l" t="t" r="r" b="b"/>
+            <a:pathLst>
+              <a:path w="120000" h="120000" extrusionOk="0">
+                <a:moveTo>
+                  <a:pt x="0" y="0"/>
+                </a:moveTo>
+                <a:lnTo>
+                  <a:pt x="120000" y="0"/>
+                </a:lnTo>
+                <a:lnTo>
+                  <a:pt x="120000" y="120000"/>
+                </a:lnTo>
+                <a:lnTo>
+                  <a:pt x="0" y="120000"/>
+                </a:lnTo>
+                <a:close/>
+              </a:path>
+            </a:pathLst>
+          </a:custGeom>
+        </p:spPr>
+      </p:sp>
+      <p:sp>
+        <p:nvSpPr>
+          <p:cNvPr id="157" name="Google Shape;157;ge15b7aad40_1_20:notes"/>
+          <p:cNvSpPr txBox="1">
+            <a:spLocks noGrp="1"/>
+          </p:cNvSpPr>
+          <p:nvPr>
+            <p:ph type="body" idx="1"/>
+          </p:nvPr>
+        </p:nvSpPr>
+        <p:spPr>
+          <a:xfrm>
+            <a:off x="685800" y="4343400"/>
+            <a:ext cx="5486400" cy="4114800"/>
+          </a:xfrm>
+          <a:prstGeom prst="rect">
+            <a:avLst/>
+          </a:prstGeom>
+        </p:spPr>
+        <p:txBody>
+          <a:bodyPr spcFirstLastPara="1" wrap="square" lIns="91425" tIns="91425" rIns="91425" bIns="91425" anchor="t" anchorCtr="0">
+            <a:noAutofit/>
+          </a:bodyPr>
+          <a:lstStyle/>
+          <a:p>
+            <a:pPr marL="0" lvl="0" indent="0" algn="l" rtl="0">
+              <a:spcBef>
+                <a:spcPts val="0"/>
+              </a:spcBef>
+              <a:spcAft>
+                <a:spcPts val="0"/>
+              </a:spcAft>
+              <a:buNone/>
+            </a:pPr>
             <a:endParaRPr/>
           </a:p>
         </p:txBody>
@@ -1479,11 +1649,11 @@
 </file>
 
 <file path=ppt/slideLayouts/slideLayout1.xml><?xml version="1.0" encoding="utf-8"?>
-<p:sldLayout xmlns:a="http://schemas.openxmlformats.org/drawingml/2006/main" xmlns:r="http://schemas.openxmlformats.org/officeDocument/2006/relationships" xmlns:mc="http://schemas.openxmlformats.org/markup-compatibility/2006" xmlns:mv="urn:schemas-microsoft-com:mac:vml" xmlns:p="http://schemas.openxmlformats.org/presentationml/2006/main" xmlns:c="http://schemas.openxmlformats.org/drawingml/2006/chart" xmlns:dgm="http://schemas.openxmlformats.org/drawingml/2006/diagram" xmlns:o="urn:schemas-microsoft-com:office:office" xmlns:v="urn:schemas-microsoft-com:vml" xmlns:pvml="urn:schemas-microsoft-com:office:powerpoint" xmlns:com="http://schemas.openxmlformats.org/drawingml/2006/compatibility" xmlns:p14="http://schemas.microsoft.com/office/powerpoint/2010/main" xmlns:p15="http://schemas.microsoft.com/office/powerpoint/2012/main" xmlns:ahyp="http://schemas.microsoft.com/office/drawing/2018/hyperlinkcolor" matchingName="Title slide" type="title">
+<p:sldLayout xmlns:a="http://schemas.openxmlformats.org/drawingml/2006/main" xmlns:r="http://schemas.openxmlformats.org/officeDocument/2006/relationships" xmlns:p="http://schemas.openxmlformats.org/presentationml/2006/main" matchingName="Title slide" type="title">
   <p:cSld name="TITLE">
     <p:spTree>
       <p:nvGrpSpPr>
-        <p:cNvPr id="9" name="Shape 9"/>
+        <p:cNvPr id="1" name="Shape 9"/>
         <p:cNvGrpSpPr/>
         <p:nvPr/>
       </p:nvGrpSpPr>
@@ -1498,7 +1668,9 @@
       <p:sp>
         <p:nvSpPr>
           <p:cNvPr id="10" name="Google Shape;10;p2"/>
-          <p:cNvSpPr txBox="1"/>
+          <p:cNvSpPr txBox="1">
+            <a:spLocks noGrp="1"/>
+          </p:cNvSpPr>
           <p:nvPr>
             <p:ph type="ctrTitle"/>
           </p:nvPr>
@@ -1513,7 +1685,7 @@
           </a:prstGeom>
         </p:spPr>
         <p:txBody>
-          <a:bodyPr anchorCtr="0" anchor="b" bIns="91425" lIns="91425" spcFirstLastPara="1" rIns="91425" wrap="square" tIns="91425">
+          <a:bodyPr spcFirstLastPara="1" wrap="square" lIns="91425" tIns="91425" rIns="91425" bIns="91425" anchor="b" anchorCtr="0">
             <a:normAutofit/>
           </a:bodyPr>
           <a:lstStyle>
@@ -1617,15 +1789,19 @@
               <a:defRPr sz="5200"/>
             </a:lvl9pPr>
           </a:lstStyle>
-          <a:p/>
+          <a:p>
+            <a:endParaRPr/>
+          </a:p>
         </p:txBody>
       </p:sp>
       <p:sp>
         <p:nvSpPr>
           <p:cNvPr id="11" name="Google Shape;11;p2"/>
-          <p:cNvSpPr txBox="1"/>
+          <p:cNvSpPr txBox="1">
+            <a:spLocks noGrp="1"/>
+          </p:cNvSpPr>
           <p:nvPr>
-            <p:ph idx="1" type="subTitle"/>
+            <p:ph type="subTitle" idx="1"/>
           </p:nvPr>
         </p:nvSpPr>
         <p:spPr>
@@ -1638,7 +1814,7 @@
           </a:prstGeom>
         </p:spPr>
         <p:txBody>
-          <a:bodyPr anchorCtr="0" anchor="t" bIns="91425" lIns="91425" spcFirstLastPara="1" rIns="91425" wrap="square" tIns="91425">
+          <a:bodyPr spcFirstLastPara="1" wrap="square" lIns="91425" tIns="91425" rIns="91425" bIns="91425" anchor="t" anchorCtr="0">
             <a:normAutofit/>
           </a:bodyPr>
           <a:lstStyle>
@@ -1769,15 +1945,19 @@
               <a:defRPr sz="2800"/>
             </a:lvl9pPr>
           </a:lstStyle>
-          <a:p/>
+          <a:p>
+            <a:endParaRPr/>
+          </a:p>
         </p:txBody>
       </p:sp>
       <p:sp>
         <p:nvSpPr>
           <p:cNvPr id="12" name="Google Shape;12;p2"/>
-          <p:cNvSpPr txBox="1"/>
+          <p:cNvSpPr txBox="1">
+            <a:spLocks noGrp="1"/>
+          </p:cNvSpPr>
           <p:nvPr>
-            <p:ph idx="12" type="sldNum"/>
+            <p:ph type="sldNum" idx="12"/>
           </p:nvPr>
         </p:nvSpPr>
         <p:spPr>
@@ -1790,7 +1970,7 @@
           </a:prstGeom>
         </p:spPr>
         <p:txBody>
-          <a:bodyPr anchorCtr="0" anchor="ctr" bIns="91425" lIns="91425" spcFirstLastPara="1" rIns="91425" wrap="square" tIns="91425">
+          <a:bodyPr spcFirstLastPara="1" wrap="square" lIns="91425" tIns="91425" rIns="91425" bIns="91425" anchor="ctr" anchorCtr="0">
             <a:normAutofit/>
           </a:bodyPr>
           <a:lstStyle>
@@ -1832,7 +2012,7 @@
             </a:lvl9pPr>
           </a:lstStyle>
           <a:p>
-            <a:pPr indent="0" lvl="0" marL="0" rtl="0" algn="r">
+            <a:pPr marL="0" lvl="0" indent="0" algn="r" rtl="0">
               <a:spcBef>
                 <a:spcPts val="0"/>
               </a:spcBef>
@@ -1858,11 +2038,11 @@
 </file>
 
 <file path=ppt/slideLayouts/slideLayout10.xml><?xml version="1.0" encoding="utf-8"?>
-<p:sldLayout xmlns:a="http://schemas.openxmlformats.org/drawingml/2006/main" xmlns:r="http://schemas.openxmlformats.org/officeDocument/2006/relationships" xmlns:mc="http://schemas.openxmlformats.org/markup-compatibility/2006" xmlns:mv="urn:schemas-microsoft-com:mac:vml" xmlns:p="http://schemas.openxmlformats.org/presentationml/2006/main" xmlns:c="http://schemas.openxmlformats.org/drawingml/2006/chart" xmlns:dgm="http://schemas.openxmlformats.org/drawingml/2006/diagram" xmlns:o="urn:schemas-microsoft-com:office:office" xmlns:v="urn:schemas-microsoft-com:vml" xmlns:pvml="urn:schemas-microsoft-com:office:powerpoint" xmlns:com="http://schemas.openxmlformats.org/drawingml/2006/compatibility" xmlns:p14="http://schemas.microsoft.com/office/powerpoint/2010/main" xmlns:p15="http://schemas.microsoft.com/office/powerpoint/2012/main" xmlns:ahyp="http://schemas.microsoft.com/office/drawing/2018/hyperlinkcolor" matchingName="Big number">
+<p:sldLayout xmlns:a="http://schemas.openxmlformats.org/drawingml/2006/main" xmlns:r="http://schemas.openxmlformats.org/officeDocument/2006/relationships" xmlns:p="http://schemas.openxmlformats.org/presentationml/2006/main" matchingName="Big number">
   <p:cSld name="BIG_NUMBER">
     <p:spTree>
       <p:nvGrpSpPr>
-        <p:cNvPr id="44" name="Shape 44"/>
+        <p:cNvPr id="1" name="Shape 44"/>
         <p:cNvGrpSpPr/>
         <p:nvPr/>
       </p:nvGrpSpPr>
@@ -1877,9 +2057,11 @@
       <p:sp>
         <p:nvSpPr>
           <p:cNvPr id="45" name="Google Shape;45;p11"/>
-          <p:cNvSpPr txBox="1"/>
+          <p:cNvSpPr txBox="1">
+            <a:spLocks noGrp="1"/>
+          </p:cNvSpPr>
           <p:nvPr>
-            <p:ph hasCustomPrompt="1" type="title"/>
+            <p:ph type="title" hasCustomPrompt="1"/>
           </p:nvPr>
         </p:nvSpPr>
         <p:spPr>
@@ -1892,7 +2074,7 @@
           </a:prstGeom>
         </p:spPr>
         <p:txBody>
-          <a:bodyPr anchorCtr="0" anchor="b" bIns="91425" lIns="91425" spcFirstLastPara="1" rIns="91425" wrap="square" tIns="91425">
+          <a:bodyPr spcFirstLastPara="1" wrap="square" lIns="91425" tIns="91425" rIns="91425" bIns="91425" anchor="b" anchorCtr="0">
             <a:normAutofit/>
           </a:bodyPr>
           <a:lstStyle>
@@ -2006,9 +2188,11 @@
       <p:sp>
         <p:nvSpPr>
           <p:cNvPr id="46" name="Google Shape;46;p11"/>
-          <p:cNvSpPr txBox="1"/>
+          <p:cNvSpPr txBox="1">
+            <a:spLocks noGrp="1"/>
+          </p:cNvSpPr>
           <p:nvPr>
-            <p:ph idx="1" type="body"/>
+            <p:ph type="body" idx="1"/>
           </p:nvPr>
         </p:nvSpPr>
         <p:spPr>
@@ -2021,11 +2205,11 @@
           </a:prstGeom>
         </p:spPr>
         <p:txBody>
-          <a:bodyPr anchorCtr="0" anchor="t" bIns="91425" lIns="91425" spcFirstLastPara="1" rIns="91425" wrap="square" tIns="91425">
+          <a:bodyPr spcFirstLastPara="1" wrap="square" lIns="91425" tIns="91425" rIns="91425" bIns="91425" anchor="t" anchorCtr="0">
             <a:normAutofit/>
           </a:bodyPr>
           <a:lstStyle>
-            <a:lvl1pPr indent="-342900" lvl="0" marL="457200" algn="ctr">
+            <a:lvl1pPr marL="457200" lvl="0" indent="-342900" algn="ctr">
               <a:spcBef>
                 <a:spcPts val="0"/>
               </a:spcBef>
@@ -2036,7 +2220,7 @@
               <a:buChar char="●"/>
               <a:defRPr/>
             </a:lvl1pPr>
-            <a:lvl2pPr indent="-317500" lvl="1" marL="914400" algn="ctr">
+            <a:lvl2pPr marL="914400" lvl="1" indent="-317500" algn="ctr">
               <a:spcBef>
                 <a:spcPts val="0"/>
               </a:spcBef>
@@ -2047,7 +2231,7 @@
               <a:buChar char="○"/>
               <a:defRPr/>
             </a:lvl2pPr>
-            <a:lvl3pPr indent="-317500" lvl="2" marL="1371600" algn="ctr">
+            <a:lvl3pPr marL="1371600" lvl="2" indent="-317500" algn="ctr">
               <a:spcBef>
                 <a:spcPts val="0"/>
               </a:spcBef>
@@ -2058,7 +2242,7 @@
               <a:buChar char="■"/>
               <a:defRPr/>
             </a:lvl3pPr>
-            <a:lvl4pPr indent="-317500" lvl="3" marL="1828800" algn="ctr">
+            <a:lvl4pPr marL="1828800" lvl="3" indent="-317500" algn="ctr">
               <a:spcBef>
                 <a:spcPts val="0"/>
               </a:spcBef>
@@ -2069,7 +2253,7 @@
               <a:buChar char="●"/>
               <a:defRPr/>
             </a:lvl4pPr>
-            <a:lvl5pPr indent="-317500" lvl="4" marL="2286000" algn="ctr">
+            <a:lvl5pPr marL="2286000" lvl="4" indent="-317500" algn="ctr">
               <a:spcBef>
                 <a:spcPts val="0"/>
               </a:spcBef>
@@ -2080,7 +2264,7 @@
               <a:buChar char="○"/>
               <a:defRPr/>
             </a:lvl5pPr>
-            <a:lvl6pPr indent="-317500" lvl="5" marL="2743200" algn="ctr">
+            <a:lvl6pPr marL="2743200" lvl="5" indent="-317500" algn="ctr">
               <a:spcBef>
                 <a:spcPts val="0"/>
               </a:spcBef>
@@ -2091,7 +2275,7 @@
               <a:buChar char="■"/>
               <a:defRPr/>
             </a:lvl6pPr>
-            <a:lvl7pPr indent="-317500" lvl="6" marL="3200400" algn="ctr">
+            <a:lvl7pPr marL="3200400" lvl="6" indent="-317500" algn="ctr">
               <a:spcBef>
                 <a:spcPts val="0"/>
               </a:spcBef>
@@ -2102,7 +2286,7 @@
               <a:buChar char="●"/>
               <a:defRPr/>
             </a:lvl7pPr>
-            <a:lvl8pPr indent="-317500" lvl="7" marL="3657600" algn="ctr">
+            <a:lvl8pPr marL="3657600" lvl="7" indent="-317500" algn="ctr">
               <a:spcBef>
                 <a:spcPts val="0"/>
               </a:spcBef>
@@ -2113,7 +2297,7 @@
               <a:buChar char="○"/>
               <a:defRPr/>
             </a:lvl8pPr>
-            <a:lvl9pPr indent="-317500" lvl="8" marL="4114800" algn="ctr">
+            <a:lvl9pPr marL="4114800" lvl="8" indent="-317500" algn="ctr">
               <a:spcBef>
                 <a:spcPts val="0"/>
               </a:spcBef>
@@ -2125,15 +2309,19 @@
               <a:defRPr/>
             </a:lvl9pPr>
           </a:lstStyle>
-          <a:p/>
+          <a:p>
+            <a:endParaRPr/>
+          </a:p>
         </p:txBody>
       </p:sp>
       <p:sp>
         <p:nvSpPr>
           <p:cNvPr id="47" name="Google Shape;47;p11"/>
-          <p:cNvSpPr txBox="1"/>
+          <p:cNvSpPr txBox="1">
+            <a:spLocks noGrp="1"/>
+          </p:cNvSpPr>
           <p:nvPr>
-            <p:ph idx="12" type="sldNum"/>
+            <p:ph type="sldNum" idx="12"/>
           </p:nvPr>
         </p:nvSpPr>
         <p:spPr>
@@ -2146,7 +2334,7 @@
           </a:prstGeom>
         </p:spPr>
         <p:txBody>
-          <a:bodyPr anchorCtr="0" anchor="ctr" bIns="91425" lIns="91425" spcFirstLastPara="1" rIns="91425" wrap="square" tIns="91425">
+          <a:bodyPr spcFirstLastPara="1" wrap="square" lIns="91425" tIns="91425" rIns="91425" bIns="91425" anchor="ctr" anchorCtr="0">
             <a:normAutofit/>
           </a:bodyPr>
           <a:lstStyle>
@@ -2188,7 +2376,7 @@
             </a:lvl9pPr>
           </a:lstStyle>
           <a:p>
-            <a:pPr indent="0" lvl="0" marL="0" rtl="0" algn="r">
+            <a:pPr marL="0" lvl="0" indent="0" algn="r" rtl="0">
               <a:spcBef>
                 <a:spcPts val="0"/>
               </a:spcBef>
@@ -2214,11 +2402,11 @@
 </file>
 
 <file path=ppt/slideLayouts/slideLayout11.xml><?xml version="1.0" encoding="utf-8"?>
-<p:sldLayout xmlns:a="http://schemas.openxmlformats.org/drawingml/2006/main" xmlns:r="http://schemas.openxmlformats.org/officeDocument/2006/relationships" xmlns:mc="http://schemas.openxmlformats.org/markup-compatibility/2006" xmlns:mv="urn:schemas-microsoft-com:mac:vml" xmlns:p="http://schemas.openxmlformats.org/presentationml/2006/main" xmlns:c="http://schemas.openxmlformats.org/drawingml/2006/chart" xmlns:dgm="http://schemas.openxmlformats.org/drawingml/2006/diagram" xmlns:o="urn:schemas-microsoft-com:office:office" xmlns:v="urn:schemas-microsoft-com:vml" xmlns:pvml="urn:schemas-microsoft-com:office:powerpoint" xmlns:com="http://schemas.openxmlformats.org/drawingml/2006/compatibility" xmlns:p14="http://schemas.microsoft.com/office/powerpoint/2010/main" xmlns:p15="http://schemas.microsoft.com/office/powerpoint/2012/main" xmlns:ahyp="http://schemas.microsoft.com/office/drawing/2018/hyperlinkcolor" matchingName="Blank" type="blank">
+<p:sldLayout xmlns:a="http://schemas.openxmlformats.org/drawingml/2006/main" xmlns:r="http://schemas.openxmlformats.org/officeDocument/2006/relationships" xmlns:p="http://schemas.openxmlformats.org/presentationml/2006/main" matchingName="Blank" type="blank">
   <p:cSld name="BLANK">
     <p:spTree>
       <p:nvGrpSpPr>
-        <p:cNvPr id="48" name="Shape 48"/>
+        <p:cNvPr id="1" name="Shape 48"/>
         <p:cNvGrpSpPr/>
         <p:nvPr/>
       </p:nvGrpSpPr>
@@ -2233,9 +2421,11 @@
       <p:sp>
         <p:nvSpPr>
           <p:cNvPr id="49" name="Google Shape;49;p12"/>
-          <p:cNvSpPr txBox="1"/>
+          <p:cNvSpPr txBox="1">
+            <a:spLocks noGrp="1"/>
+          </p:cNvSpPr>
           <p:nvPr>
-            <p:ph idx="12" type="sldNum"/>
+            <p:ph type="sldNum" idx="12"/>
           </p:nvPr>
         </p:nvSpPr>
         <p:spPr>
@@ -2248,7 +2438,7 @@
           </a:prstGeom>
         </p:spPr>
         <p:txBody>
-          <a:bodyPr anchorCtr="0" anchor="ctr" bIns="91425" lIns="91425" spcFirstLastPara="1" rIns="91425" wrap="square" tIns="91425">
+          <a:bodyPr spcFirstLastPara="1" wrap="square" lIns="91425" tIns="91425" rIns="91425" bIns="91425" anchor="ctr" anchorCtr="0">
             <a:normAutofit/>
           </a:bodyPr>
           <a:lstStyle>
@@ -2290,7 +2480,7 @@
             </a:lvl9pPr>
           </a:lstStyle>
           <a:p>
-            <a:pPr indent="0" lvl="0" marL="0" rtl="0" algn="r">
+            <a:pPr marL="0" lvl="0" indent="0" algn="r" rtl="0">
               <a:spcBef>
                 <a:spcPts val="0"/>
               </a:spcBef>
@@ -2316,11 +2506,11 @@
 </file>
 
 <file path=ppt/slideLayouts/slideLayout2.xml><?xml version="1.0" encoding="utf-8"?>
-<p:sldLayout xmlns:a="http://schemas.openxmlformats.org/drawingml/2006/main" xmlns:r="http://schemas.openxmlformats.org/officeDocument/2006/relationships" xmlns:mc="http://schemas.openxmlformats.org/markup-compatibility/2006" xmlns:mv="urn:schemas-microsoft-com:mac:vml" xmlns:p="http://schemas.openxmlformats.org/presentationml/2006/main" xmlns:c="http://schemas.openxmlformats.org/drawingml/2006/chart" xmlns:dgm="http://schemas.openxmlformats.org/drawingml/2006/diagram" xmlns:o="urn:schemas-microsoft-com:office:office" xmlns:v="urn:schemas-microsoft-com:vml" xmlns:pvml="urn:schemas-microsoft-com:office:powerpoint" xmlns:com="http://schemas.openxmlformats.org/drawingml/2006/compatibility" xmlns:p14="http://schemas.microsoft.com/office/powerpoint/2010/main" xmlns:p15="http://schemas.microsoft.com/office/powerpoint/2012/main" xmlns:ahyp="http://schemas.microsoft.com/office/drawing/2018/hyperlinkcolor" matchingName="Section header" type="secHead">
+<p:sldLayout xmlns:a="http://schemas.openxmlformats.org/drawingml/2006/main" xmlns:r="http://schemas.openxmlformats.org/officeDocument/2006/relationships" xmlns:p="http://schemas.openxmlformats.org/presentationml/2006/main" matchingName="Section header" type="secHead">
   <p:cSld name="SECTION_HEADER">
     <p:spTree>
       <p:nvGrpSpPr>
-        <p:cNvPr id="13" name="Shape 13"/>
+        <p:cNvPr id="1" name="Shape 13"/>
         <p:cNvGrpSpPr/>
         <p:nvPr/>
       </p:nvGrpSpPr>
@@ -2335,7 +2525,9 @@
       <p:sp>
         <p:nvSpPr>
           <p:cNvPr id="14" name="Google Shape;14;p3"/>
-          <p:cNvSpPr txBox="1"/>
+          <p:cNvSpPr txBox="1">
+            <a:spLocks noGrp="1"/>
+          </p:cNvSpPr>
           <p:nvPr>
             <p:ph type="title"/>
           </p:nvPr>
@@ -2350,7 +2542,7 @@
           </a:prstGeom>
         </p:spPr>
         <p:txBody>
-          <a:bodyPr anchorCtr="0" anchor="ctr" bIns="91425" lIns="91425" spcFirstLastPara="1" rIns="91425" wrap="square" tIns="91425">
+          <a:bodyPr spcFirstLastPara="1" wrap="square" lIns="91425" tIns="91425" rIns="91425" bIns="91425" anchor="ctr" anchorCtr="0">
             <a:normAutofit/>
           </a:bodyPr>
           <a:lstStyle>
@@ -2454,15 +2646,19 @@
               <a:defRPr sz="3600"/>
             </a:lvl9pPr>
           </a:lstStyle>
-          <a:p/>
+          <a:p>
+            <a:endParaRPr/>
+          </a:p>
         </p:txBody>
       </p:sp>
       <p:sp>
         <p:nvSpPr>
           <p:cNvPr id="15" name="Google Shape;15;p3"/>
-          <p:cNvSpPr txBox="1"/>
+          <p:cNvSpPr txBox="1">
+            <a:spLocks noGrp="1"/>
+          </p:cNvSpPr>
           <p:nvPr>
-            <p:ph idx="12" type="sldNum"/>
+            <p:ph type="sldNum" idx="12"/>
           </p:nvPr>
         </p:nvSpPr>
         <p:spPr>
@@ -2475,7 +2671,7 @@
           </a:prstGeom>
         </p:spPr>
         <p:txBody>
-          <a:bodyPr anchorCtr="0" anchor="ctr" bIns="91425" lIns="91425" spcFirstLastPara="1" rIns="91425" wrap="square" tIns="91425">
+          <a:bodyPr spcFirstLastPara="1" wrap="square" lIns="91425" tIns="91425" rIns="91425" bIns="91425" anchor="ctr" anchorCtr="0">
             <a:normAutofit/>
           </a:bodyPr>
           <a:lstStyle>
@@ -2517,7 +2713,7 @@
             </a:lvl9pPr>
           </a:lstStyle>
           <a:p>
-            <a:pPr indent="0" lvl="0" marL="0" rtl="0" algn="r">
+            <a:pPr marL="0" lvl="0" indent="0" algn="r" rtl="0">
               <a:spcBef>
                 <a:spcPts val="0"/>
               </a:spcBef>
@@ -2543,11 +2739,11 @@
 </file>
 
 <file path=ppt/slideLayouts/slideLayout3.xml><?xml version="1.0" encoding="utf-8"?>
-<p:sldLayout xmlns:a="http://schemas.openxmlformats.org/drawingml/2006/main" xmlns:r="http://schemas.openxmlformats.org/officeDocument/2006/relationships" xmlns:mc="http://schemas.openxmlformats.org/markup-compatibility/2006" xmlns:mv="urn:schemas-microsoft-com:mac:vml" xmlns:p="http://schemas.openxmlformats.org/presentationml/2006/main" xmlns:c="http://schemas.openxmlformats.org/drawingml/2006/chart" xmlns:dgm="http://schemas.openxmlformats.org/drawingml/2006/diagram" xmlns:o="urn:schemas-microsoft-com:office:office" xmlns:v="urn:schemas-microsoft-com:vml" xmlns:pvml="urn:schemas-microsoft-com:office:powerpoint" xmlns:com="http://schemas.openxmlformats.org/drawingml/2006/compatibility" xmlns:p14="http://schemas.microsoft.com/office/powerpoint/2010/main" xmlns:p15="http://schemas.microsoft.com/office/powerpoint/2012/main" xmlns:ahyp="http://schemas.microsoft.com/office/drawing/2018/hyperlinkcolor" matchingName="Title and body" type="tx">
+<p:sldLayout xmlns:a="http://schemas.openxmlformats.org/drawingml/2006/main" xmlns:r="http://schemas.openxmlformats.org/officeDocument/2006/relationships" xmlns:p="http://schemas.openxmlformats.org/presentationml/2006/main" matchingName="Title and body" type="tx">
   <p:cSld name="TITLE_AND_BODY">
     <p:spTree>
       <p:nvGrpSpPr>
-        <p:cNvPr id="16" name="Shape 16"/>
+        <p:cNvPr id="1" name="Shape 16"/>
         <p:cNvGrpSpPr/>
         <p:nvPr/>
       </p:nvGrpSpPr>
@@ -2562,7 +2758,9 @@
       <p:sp>
         <p:nvSpPr>
           <p:cNvPr id="17" name="Google Shape;17;p4"/>
-          <p:cNvSpPr txBox="1"/>
+          <p:cNvSpPr txBox="1">
+            <a:spLocks noGrp="1"/>
+          </p:cNvSpPr>
           <p:nvPr>
             <p:ph type="title"/>
           </p:nvPr>
@@ -2577,7 +2775,7 @@
           </a:prstGeom>
         </p:spPr>
         <p:txBody>
-          <a:bodyPr anchorCtr="0" anchor="t" bIns="91425" lIns="91425" spcFirstLastPara="1" rIns="91425" wrap="square" tIns="91425">
+          <a:bodyPr spcFirstLastPara="1" wrap="square" lIns="91425" tIns="91425" rIns="91425" bIns="91425" anchor="t" anchorCtr="0">
             <a:normAutofit/>
           </a:bodyPr>
           <a:lstStyle>
@@ -2681,15 +2879,19 @@
               <a:defRPr/>
             </a:lvl9pPr>
           </a:lstStyle>
-          <a:p/>
+          <a:p>
+            <a:endParaRPr/>
+          </a:p>
         </p:txBody>
       </p:sp>
       <p:sp>
         <p:nvSpPr>
           <p:cNvPr id="18" name="Google Shape;18;p4"/>
-          <p:cNvSpPr txBox="1"/>
+          <p:cNvSpPr txBox="1">
+            <a:spLocks noGrp="1"/>
+          </p:cNvSpPr>
           <p:nvPr>
-            <p:ph idx="1" type="body"/>
+            <p:ph type="body" idx="1"/>
           </p:nvPr>
         </p:nvSpPr>
         <p:spPr>
@@ -2702,11 +2904,11 @@
           </a:prstGeom>
         </p:spPr>
         <p:txBody>
-          <a:bodyPr anchorCtr="0" anchor="t" bIns="91425" lIns="91425" spcFirstLastPara="1" rIns="91425" wrap="square" tIns="91425">
+          <a:bodyPr spcFirstLastPara="1" wrap="square" lIns="91425" tIns="91425" rIns="91425" bIns="91425" anchor="t" anchorCtr="0">
             <a:normAutofit/>
           </a:bodyPr>
           <a:lstStyle>
-            <a:lvl1pPr indent="-342900" lvl="0" marL="457200">
+            <a:lvl1pPr marL="457200" lvl="0" indent="-342900">
               <a:spcBef>
                 <a:spcPts val="0"/>
               </a:spcBef>
@@ -2717,7 +2919,7 @@
               <a:buChar char="●"/>
               <a:defRPr/>
             </a:lvl1pPr>
-            <a:lvl2pPr indent="-317500" lvl="1" marL="914400">
+            <a:lvl2pPr marL="914400" lvl="1" indent="-317500">
               <a:spcBef>
                 <a:spcPts val="0"/>
               </a:spcBef>
@@ -2728,7 +2930,7 @@
               <a:buChar char="○"/>
               <a:defRPr/>
             </a:lvl2pPr>
-            <a:lvl3pPr indent="-317500" lvl="2" marL="1371600">
+            <a:lvl3pPr marL="1371600" lvl="2" indent="-317500">
               <a:spcBef>
                 <a:spcPts val="0"/>
               </a:spcBef>
@@ -2739,7 +2941,7 @@
               <a:buChar char="■"/>
               <a:defRPr/>
             </a:lvl3pPr>
-            <a:lvl4pPr indent="-317500" lvl="3" marL="1828800">
+            <a:lvl4pPr marL="1828800" lvl="3" indent="-317500">
               <a:spcBef>
                 <a:spcPts val="0"/>
               </a:spcBef>
@@ -2750,7 +2952,7 @@
               <a:buChar char="●"/>
               <a:defRPr/>
             </a:lvl4pPr>
-            <a:lvl5pPr indent="-317500" lvl="4" marL="2286000">
+            <a:lvl5pPr marL="2286000" lvl="4" indent="-317500">
               <a:spcBef>
                 <a:spcPts val="0"/>
               </a:spcBef>
@@ -2761,7 +2963,7 @@
               <a:buChar char="○"/>
               <a:defRPr/>
             </a:lvl5pPr>
-            <a:lvl6pPr indent="-317500" lvl="5" marL="2743200">
+            <a:lvl6pPr marL="2743200" lvl="5" indent="-317500">
               <a:spcBef>
                 <a:spcPts val="0"/>
               </a:spcBef>
@@ -2772,7 +2974,7 @@
               <a:buChar char="■"/>
               <a:defRPr/>
             </a:lvl6pPr>
-            <a:lvl7pPr indent="-317500" lvl="6" marL="3200400">
+            <a:lvl7pPr marL="3200400" lvl="6" indent="-317500">
               <a:spcBef>
                 <a:spcPts val="0"/>
               </a:spcBef>
@@ -2783,7 +2985,7 @@
               <a:buChar char="●"/>
               <a:defRPr/>
             </a:lvl7pPr>
-            <a:lvl8pPr indent="-317500" lvl="7" marL="3657600">
+            <a:lvl8pPr marL="3657600" lvl="7" indent="-317500">
               <a:spcBef>
                 <a:spcPts val="0"/>
               </a:spcBef>
@@ -2794,7 +2996,7 @@
               <a:buChar char="○"/>
               <a:defRPr/>
             </a:lvl8pPr>
-            <a:lvl9pPr indent="-317500" lvl="8" marL="4114800">
+            <a:lvl9pPr marL="4114800" lvl="8" indent="-317500">
               <a:spcBef>
                 <a:spcPts val="0"/>
               </a:spcBef>
@@ -2806,15 +3008,19 @@
               <a:defRPr/>
             </a:lvl9pPr>
           </a:lstStyle>
-          <a:p/>
+          <a:p>
+            <a:endParaRPr/>
+          </a:p>
         </p:txBody>
       </p:sp>
       <p:sp>
         <p:nvSpPr>
           <p:cNvPr id="19" name="Google Shape;19;p4"/>
-          <p:cNvSpPr txBox="1"/>
+          <p:cNvSpPr txBox="1">
+            <a:spLocks noGrp="1"/>
+          </p:cNvSpPr>
           <p:nvPr>
-            <p:ph idx="12" type="sldNum"/>
+            <p:ph type="sldNum" idx="12"/>
           </p:nvPr>
         </p:nvSpPr>
         <p:spPr>
@@ -2827,7 +3033,7 @@
           </a:prstGeom>
         </p:spPr>
         <p:txBody>
-          <a:bodyPr anchorCtr="0" anchor="ctr" bIns="91425" lIns="91425" spcFirstLastPara="1" rIns="91425" wrap="square" tIns="91425">
+          <a:bodyPr spcFirstLastPara="1" wrap="square" lIns="91425" tIns="91425" rIns="91425" bIns="91425" anchor="ctr" anchorCtr="0">
             <a:normAutofit/>
           </a:bodyPr>
           <a:lstStyle>
@@ -2869,7 +3075,7 @@
             </a:lvl9pPr>
           </a:lstStyle>
           <a:p>
-            <a:pPr indent="0" lvl="0" marL="0" rtl="0" algn="r">
+            <a:pPr marL="0" lvl="0" indent="0" algn="r" rtl="0">
               <a:spcBef>
                 <a:spcPts val="0"/>
               </a:spcBef>
@@ -2895,11 +3101,11 @@
 </file>
 
 <file path=ppt/slideLayouts/slideLayout4.xml><?xml version="1.0" encoding="utf-8"?>
-<p:sldLayout xmlns:a="http://schemas.openxmlformats.org/drawingml/2006/main" xmlns:r="http://schemas.openxmlformats.org/officeDocument/2006/relationships" xmlns:mc="http://schemas.openxmlformats.org/markup-compatibility/2006" xmlns:mv="urn:schemas-microsoft-com:mac:vml" xmlns:p="http://schemas.openxmlformats.org/presentationml/2006/main" xmlns:c="http://schemas.openxmlformats.org/drawingml/2006/chart" xmlns:dgm="http://schemas.openxmlformats.org/drawingml/2006/diagram" xmlns:o="urn:schemas-microsoft-com:office:office" xmlns:v="urn:schemas-microsoft-com:vml" xmlns:pvml="urn:schemas-microsoft-com:office:powerpoint" xmlns:com="http://schemas.openxmlformats.org/drawingml/2006/compatibility" xmlns:p14="http://schemas.microsoft.com/office/powerpoint/2010/main" xmlns:p15="http://schemas.microsoft.com/office/powerpoint/2012/main" xmlns:ahyp="http://schemas.microsoft.com/office/drawing/2018/hyperlinkcolor" matchingName="Title and two columns" type="twoColTx">
+<p:sldLayout xmlns:a="http://schemas.openxmlformats.org/drawingml/2006/main" xmlns:r="http://schemas.openxmlformats.org/officeDocument/2006/relationships" xmlns:p="http://schemas.openxmlformats.org/presentationml/2006/main" matchingName="Title and two columns" type="twoColTx">
   <p:cSld name="TITLE_AND_TWO_COLUMNS">
     <p:spTree>
       <p:nvGrpSpPr>
-        <p:cNvPr id="20" name="Shape 20"/>
+        <p:cNvPr id="1" name="Shape 20"/>
         <p:cNvGrpSpPr/>
         <p:nvPr/>
       </p:nvGrpSpPr>
@@ -2914,7 +3120,9 @@
       <p:sp>
         <p:nvSpPr>
           <p:cNvPr id="21" name="Google Shape;21;p5"/>
-          <p:cNvSpPr txBox="1"/>
+          <p:cNvSpPr txBox="1">
+            <a:spLocks noGrp="1"/>
+          </p:cNvSpPr>
           <p:nvPr>
             <p:ph type="title"/>
           </p:nvPr>
@@ -2929,7 +3137,7 @@
           </a:prstGeom>
         </p:spPr>
         <p:txBody>
-          <a:bodyPr anchorCtr="0" anchor="t" bIns="91425" lIns="91425" spcFirstLastPara="1" rIns="91425" wrap="square" tIns="91425">
+          <a:bodyPr spcFirstLastPara="1" wrap="square" lIns="91425" tIns="91425" rIns="91425" bIns="91425" anchor="t" anchorCtr="0">
             <a:normAutofit/>
           </a:bodyPr>
           <a:lstStyle>
@@ -3033,15 +3241,19 @@
               <a:defRPr/>
             </a:lvl9pPr>
           </a:lstStyle>
-          <a:p/>
+          <a:p>
+            <a:endParaRPr/>
+          </a:p>
         </p:txBody>
       </p:sp>
       <p:sp>
         <p:nvSpPr>
           <p:cNvPr id="22" name="Google Shape;22;p5"/>
-          <p:cNvSpPr txBox="1"/>
+          <p:cNvSpPr txBox="1">
+            <a:spLocks noGrp="1"/>
+          </p:cNvSpPr>
           <p:nvPr>
-            <p:ph idx="1" type="body"/>
+            <p:ph type="body" idx="1"/>
           </p:nvPr>
         </p:nvSpPr>
         <p:spPr>
@@ -3054,11 +3266,11 @@
           </a:prstGeom>
         </p:spPr>
         <p:txBody>
-          <a:bodyPr anchorCtr="0" anchor="t" bIns="91425" lIns="91425" spcFirstLastPara="1" rIns="91425" wrap="square" tIns="91425">
+          <a:bodyPr spcFirstLastPara="1" wrap="square" lIns="91425" tIns="91425" rIns="91425" bIns="91425" anchor="t" anchorCtr="0">
             <a:normAutofit/>
           </a:bodyPr>
           <a:lstStyle>
-            <a:lvl1pPr indent="-317500" lvl="0" marL="457200">
+            <a:lvl1pPr marL="457200" lvl="0" indent="-317500">
               <a:spcBef>
                 <a:spcPts val="0"/>
               </a:spcBef>
@@ -3069,7 +3281,7 @@
               <a:buChar char="●"/>
               <a:defRPr sz="1400"/>
             </a:lvl1pPr>
-            <a:lvl2pPr indent="-304800" lvl="1" marL="914400">
+            <a:lvl2pPr marL="914400" lvl="1" indent="-304800">
               <a:spcBef>
                 <a:spcPts val="0"/>
               </a:spcBef>
@@ -3080,7 +3292,7 @@
               <a:buChar char="○"/>
               <a:defRPr sz="1200"/>
             </a:lvl2pPr>
-            <a:lvl3pPr indent="-304800" lvl="2" marL="1371600">
+            <a:lvl3pPr marL="1371600" lvl="2" indent="-304800">
               <a:spcBef>
                 <a:spcPts val="0"/>
               </a:spcBef>
@@ -3091,7 +3303,7 @@
               <a:buChar char="■"/>
               <a:defRPr sz="1200"/>
             </a:lvl3pPr>
-            <a:lvl4pPr indent="-304800" lvl="3" marL="1828800">
+            <a:lvl4pPr marL="1828800" lvl="3" indent="-304800">
               <a:spcBef>
                 <a:spcPts val="0"/>
               </a:spcBef>
@@ -3102,7 +3314,7 @@
               <a:buChar char="●"/>
               <a:defRPr sz="1200"/>
             </a:lvl4pPr>
-            <a:lvl5pPr indent="-304800" lvl="4" marL="2286000">
+            <a:lvl5pPr marL="2286000" lvl="4" indent="-304800">
               <a:spcBef>
                 <a:spcPts val="0"/>
               </a:spcBef>
@@ -3113,7 +3325,7 @@
               <a:buChar char="○"/>
               <a:defRPr sz="1200"/>
             </a:lvl5pPr>
-            <a:lvl6pPr indent="-304800" lvl="5" marL="2743200">
+            <a:lvl6pPr marL="2743200" lvl="5" indent="-304800">
               <a:spcBef>
                 <a:spcPts val="0"/>
               </a:spcBef>
@@ -3124,7 +3336,7 @@
               <a:buChar char="■"/>
               <a:defRPr sz="1200"/>
             </a:lvl6pPr>
-            <a:lvl7pPr indent="-304800" lvl="6" marL="3200400">
+            <a:lvl7pPr marL="3200400" lvl="6" indent="-304800">
               <a:spcBef>
                 <a:spcPts val="0"/>
               </a:spcBef>
@@ -3135,7 +3347,7 @@
               <a:buChar char="●"/>
               <a:defRPr sz="1200"/>
             </a:lvl7pPr>
-            <a:lvl8pPr indent="-304800" lvl="7" marL="3657600">
+            <a:lvl8pPr marL="3657600" lvl="7" indent="-304800">
               <a:spcBef>
                 <a:spcPts val="0"/>
               </a:spcBef>
@@ -3146,7 +3358,7 @@
               <a:buChar char="○"/>
               <a:defRPr sz="1200"/>
             </a:lvl8pPr>
-            <a:lvl9pPr indent="-304800" lvl="8" marL="4114800">
+            <a:lvl9pPr marL="4114800" lvl="8" indent="-304800">
               <a:spcBef>
                 <a:spcPts val="0"/>
               </a:spcBef>
@@ -3158,15 +3370,19 @@
               <a:defRPr sz="1200"/>
             </a:lvl9pPr>
           </a:lstStyle>
-          <a:p/>
+          <a:p>
+            <a:endParaRPr/>
+          </a:p>
         </p:txBody>
       </p:sp>
       <p:sp>
         <p:nvSpPr>
           <p:cNvPr id="23" name="Google Shape;23;p5"/>
-          <p:cNvSpPr txBox="1"/>
+          <p:cNvSpPr txBox="1">
+            <a:spLocks noGrp="1"/>
+          </p:cNvSpPr>
           <p:nvPr>
-            <p:ph idx="2" type="body"/>
+            <p:ph type="body" idx="2"/>
           </p:nvPr>
         </p:nvSpPr>
         <p:spPr>
@@ -3179,11 +3395,11 @@
           </a:prstGeom>
         </p:spPr>
         <p:txBody>
-          <a:bodyPr anchorCtr="0" anchor="t" bIns="91425" lIns="91425" spcFirstLastPara="1" rIns="91425" wrap="square" tIns="91425">
+          <a:bodyPr spcFirstLastPara="1" wrap="square" lIns="91425" tIns="91425" rIns="91425" bIns="91425" anchor="t" anchorCtr="0">
             <a:normAutofit/>
           </a:bodyPr>
           <a:lstStyle>
-            <a:lvl1pPr indent="-317500" lvl="0" marL="457200">
+            <a:lvl1pPr marL="457200" lvl="0" indent="-317500">
               <a:spcBef>
                 <a:spcPts val="0"/>
               </a:spcBef>
@@ -3194,7 +3410,7 @@
               <a:buChar char="●"/>
               <a:defRPr sz="1400"/>
             </a:lvl1pPr>
-            <a:lvl2pPr indent="-304800" lvl="1" marL="914400">
+            <a:lvl2pPr marL="914400" lvl="1" indent="-304800">
               <a:spcBef>
                 <a:spcPts val="0"/>
               </a:spcBef>
@@ -3205,7 +3421,7 @@
               <a:buChar char="○"/>
               <a:defRPr sz="1200"/>
             </a:lvl2pPr>
-            <a:lvl3pPr indent="-304800" lvl="2" marL="1371600">
+            <a:lvl3pPr marL="1371600" lvl="2" indent="-304800">
               <a:spcBef>
                 <a:spcPts val="0"/>
               </a:spcBef>
@@ -3216,7 +3432,7 @@
               <a:buChar char="■"/>
               <a:defRPr sz="1200"/>
             </a:lvl3pPr>
-            <a:lvl4pPr indent="-304800" lvl="3" marL="1828800">
+            <a:lvl4pPr marL="1828800" lvl="3" indent="-304800">
               <a:spcBef>
                 <a:spcPts val="0"/>
               </a:spcBef>
@@ -3227,7 +3443,7 @@
               <a:buChar char="●"/>
               <a:defRPr sz="1200"/>
             </a:lvl4pPr>
-            <a:lvl5pPr indent="-304800" lvl="4" marL="2286000">
+            <a:lvl5pPr marL="2286000" lvl="4" indent="-304800">
               <a:spcBef>
                 <a:spcPts val="0"/>
               </a:spcBef>
@@ -3238,7 +3454,7 @@
               <a:buChar char="○"/>
               <a:defRPr sz="1200"/>
             </a:lvl5pPr>
-            <a:lvl6pPr indent="-304800" lvl="5" marL="2743200">
+            <a:lvl6pPr marL="2743200" lvl="5" indent="-304800">
               <a:spcBef>
                 <a:spcPts val="0"/>
               </a:spcBef>
@@ -3249,7 +3465,7 @@
               <a:buChar char="■"/>
               <a:defRPr sz="1200"/>
             </a:lvl6pPr>
-            <a:lvl7pPr indent="-304800" lvl="6" marL="3200400">
+            <a:lvl7pPr marL="3200400" lvl="6" indent="-304800">
               <a:spcBef>
                 <a:spcPts val="0"/>
               </a:spcBef>
@@ -3260,7 +3476,7 @@
               <a:buChar char="●"/>
               <a:defRPr sz="1200"/>
             </a:lvl7pPr>
-            <a:lvl8pPr indent="-304800" lvl="7" marL="3657600">
+            <a:lvl8pPr marL="3657600" lvl="7" indent="-304800">
               <a:spcBef>
                 <a:spcPts val="0"/>
               </a:spcBef>
@@ -3271,7 +3487,7 @@
               <a:buChar char="○"/>
               <a:defRPr sz="1200"/>
             </a:lvl8pPr>
-            <a:lvl9pPr indent="-304800" lvl="8" marL="4114800">
+            <a:lvl9pPr marL="4114800" lvl="8" indent="-304800">
               <a:spcBef>
                 <a:spcPts val="0"/>
               </a:spcBef>
@@ -3283,15 +3499,19 @@
               <a:defRPr sz="1200"/>
             </a:lvl9pPr>
           </a:lstStyle>
-          <a:p/>
+          <a:p>
+            <a:endParaRPr/>
+          </a:p>
         </p:txBody>
       </p:sp>
       <p:sp>
         <p:nvSpPr>
           <p:cNvPr id="24" name="Google Shape;24;p5"/>
-          <p:cNvSpPr txBox="1"/>
+          <p:cNvSpPr txBox="1">
+            <a:spLocks noGrp="1"/>
+          </p:cNvSpPr>
           <p:nvPr>
-            <p:ph idx="12" type="sldNum"/>
+            <p:ph type="sldNum" idx="12"/>
           </p:nvPr>
         </p:nvSpPr>
         <p:spPr>
@@ -3304,7 +3524,7 @@
           </a:prstGeom>
         </p:spPr>
         <p:txBody>
-          <a:bodyPr anchorCtr="0" anchor="ctr" bIns="91425" lIns="91425" spcFirstLastPara="1" rIns="91425" wrap="square" tIns="91425">
+          <a:bodyPr spcFirstLastPara="1" wrap="square" lIns="91425" tIns="91425" rIns="91425" bIns="91425" anchor="ctr" anchorCtr="0">
             <a:normAutofit/>
           </a:bodyPr>
           <a:lstStyle>
@@ -3346,7 +3566,7 @@
             </a:lvl9pPr>
           </a:lstStyle>
           <a:p>
-            <a:pPr indent="0" lvl="0" marL="0" rtl="0" algn="r">
+            <a:pPr marL="0" lvl="0" indent="0" algn="r" rtl="0">
               <a:spcBef>
                 <a:spcPts val="0"/>
               </a:spcBef>
@@ -3372,11 +3592,11 @@
 </file>
 
 <file path=ppt/slideLayouts/slideLayout5.xml><?xml version="1.0" encoding="utf-8"?>
-<p:sldLayout xmlns:a="http://schemas.openxmlformats.org/drawingml/2006/main" xmlns:r="http://schemas.openxmlformats.org/officeDocument/2006/relationships" xmlns:mc="http://schemas.openxmlformats.org/markup-compatibility/2006" xmlns:mv="urn:schemas-microsoft-com:mac:vml" xmlns:p="http://schemas.openxmlformats.org/presentationml/2006/main" xmlns:c="http://schemas.openxmlformats.org/drawingml/2006/chart" xmlns:dgm="http://schemas.openxmlformats.org/drawingml/2006/diagram" xmlns:o="urn:schemas-microsoft-com:office:office" xmlns:v="urn:schemas-microsoft-com:vml" xmlns:pvml="urn:schemas-microsoft-com:office:powerpoint" xmlns:com="http://schemas.openxmlformats.org/drawingml/2006/compatibility" xmlns:p14="http://schemas.microsoft.com/office/powerpoint/2010/main" xmlns:p15="http://schemas.microsoft.com/office/powerpoint/2012/main" xmlns:ahyp="http://schemas.microsoft.com/office/drawing/2018/hyperlinkcolor" matchingName="Title only" type="titleOnly">
+<p:sldLayout xmlns:a="http://schemas.openxmlformats.org/drawingml/2006/main" xmlns:r="http://schemas.openxmlformats.org/officeDocument/2006/relationships" xmlns:p="http://schemas.openxmlformats.org/presentationml/2006/main" matchingName="Title only" type="titleOnly">
   <p:cSld name="TITLE_ONLY">
     <p:spTree>
       <p:nvGrpSpPr>
-        <p:cNvPr id="25" name="Shape 25"/>
+        <p:cNvPr id="1" name="Shape 25"/>
         <p:cNvGrpSpPr/>
         <p:nvPr/>
       </p:nvGrpSpPr>
@@ -3391,7 +3611,9 @@
       <p:sp>
         <p:nvSpPr>
           <p:cNvPr id="26" name="Google Shape;26;p6"/>
-          <p:cNvSpPr txBox="1"/>
+          <p:cNvSpPr txBox="1">
+            <a:spLocks noGrp="1"/>
+          </p:cNvSpPr>
           <p:nvPr>
             <p:ph type="title"/>
           </p:nvPr>
@@ -3406,7 +3628,7 @@
           </a:prstGeom>
         </p:spPr>
         <p:txBody>
-          <a:bodyPr anchorCtr="0" anchor="t" bIns="91425" lIns="91425" spcFirstLastPara="1" rIns="91425" wrap="square" tIns="91425">
+          <a:bodyPr spcFirstLastPara="1" wrap="square" lIns="91425" tIns="91425" rIns="91425" bIns="91425" anchor="t" anchorCtr="0">
             <a:normAutofit/>
           </a:bodyPr>
           <a:lstStyle>
@@ -3510,15 +3732,19 @@
               <a:defRPr/>
             </a:lvl9pPr>
           </a:lstStyle>
-          <a:p/>
+          <a:p>
+            <a:endParaRPr/>
+          </a:p>
         </p:txBody>
       </p:sp>
       <p:sp>
         <p:nvSpPr>
           <p:cNvPr id="27" name="Google Shape;27;p6"/>
-          <p:cNvSpPr txBox="1"/>
+          <p:cNvSpPr txBox="1">
+            <a:spLocks noGrp="1"/>
+          </p:cNvSpPr>
           <p:nvPr>
-            <p:ph idx="12" type="sldNum"/>
+            <p:ph type="sldNum" idx="12"/>
           </p:nvPr>
         </p:nvSpPr>
         <p:spPr>
@@ -3531,7 +3757,7 @@
           </a:prstGeom>
         </p:spPr>
         <p:txBody>
-          <a:bodyPr anchorCtr="0" anchor="ctr" bIns="91425" lIns="91425" spcFirstLastPara="1" rIns="91425" wrap="square" tIns="91425">
+          <a:bodyPr spcFirstLastPara="1" wrap="square" lIns="91425" tIns="91425" rIns="91425" bIns="91425" anchor="ctr" anchorCtr="0">
             <a:normAutofit/>
           </a:bodyPr>
           <a:lstStyle>
@@ -3573,7 +3799,7 @@
             </a:lvl9pPr>
           </a:lstStyle>
           <a:p>
-            <a:pPr indent="0" lvl="0" marL="0" rtl="0" algn="r">
+            <a:pPr marL="0" lvl="0" indent="0" algn="r" rtl="0">
               <a:spcBef>
                 <a:spcPts val="0"/>
               </a:spcBef>
@@ -3599,11 +3825,11 @@
 </file>
 
 <file path=ppt/slideLayouts/slideLayout6.xml><?xml version="1.0" encoding="utf-8"?>
-<p:sldLayout xmlns:a="http://schemas.openxmlformats.org/drawingml/2006/main" xmlns:r="http://schemas.openxmlformats.org/officeDocument/2006/relationships" xmlns:mc="http://schemas.openxmlformats.org/markup-compatibility/2006" xmlns:mv="urn:schemas-microsoft-com:mac:vml" xmlns:p="http://schemas.openxmlformats.org/presentationml/2006/main" xmlns:c="http://schemas.openxmlformats.org/drawingml/2006/chart" xmlns:dgm="http://schemas.openxmlformats.org/drawingml/2006/diagram" xmlns:o="urn:schemas-microsoft-com:office:office" xmlns:v="urn:schemas-microsoft-com:vml" xmlns:pvml="urn:schemas-microsoft-com:office:powerpoint" xmlns:com="http://schemas.openxmlformats.org/drawingml/2006/compatibility" xmlns:p14="http://schemas.microsoft.com/office/powerpoint/2010/main" xmlns:p15="http://schemas.microsoft.com/office/powerpoint/2012/main" xmlns:ahyp="http://schemas.microsoft.com/office/drawing/2018/hyperlinkcolor" matchingName="One column text">
+<p:sldLayout xmlns:a="http://schemas.openxmlformats.org/drawingml/2006/main" xmlns:r="http://schemas.openxmlformats.org/officeDocument/2006/relationships" xmlns:p="http://schemas.openxmlformats.org/presentationml/2006/main" matchingName="One column text">
   <p:cSld name="ONE_COLUMN_TEXT">
     <p:spTree>
       <p:nvGrpSpPr>
-        <p:cNvPr id="28" name="Shape 28"/>
+        <p:cNvPr id="1" name="Shape 28"/>
         <p:cNvGrpSpPr/>
         <p:nvPr/>
       </p:nvGrpSpPr>
@@ -3618,7 +3844,9 @@
       <p:sp>
         <p:nvSpPr>
           <p:cNvPr id="29" name="Google Shape;29;p7"/>
-          <p:cNvSpPr txBox="1"/>
+          <p:cNvSpPr txBox="1">
+            <a:spLocks noGrp="1"/>
+          </p:cNvSpPr>
           <p:nvPr>
             <p:ph type="title"/>
           </p:nvPr>
@@ -3633,7 +3861,7 @@
           </a:prstGeom>
         </p:spPr>
         <p:txBody>
-          <a:bodyPr anchorCtr="0" anchor="b" bIns="91425" lIns="91425" spcFirstLastPara="1" rIns="91425" wrap="square" tIns="91425">
+          <a:bodyPr spcFirstLastPara="1" wrap="square" lIns="91425" tIns="91425" rIns="91425" bIns="91425" anchor="b" anchorCtr="0">
             <a:normAutofit/>
           </a:bodyPr>
           <a:lstStyle>
@@ -3737,15 +3965,19 @@
               <a:defRPr sz="2400"/>
             </a:lvl9pPr>
           </a:lstStyle>
-          <a:p/>
+          <a:p>
+            <a:endParaRPr/>
+          </a:p>
         </p:txBody>
       </p:sp>
       <p:sp>
         <p:nvSpPr>
           <p:cNvPr id="30" name="Google Shape;30;p7"/>
-          <p:cNvSpPr txBox="1"/>
+          <p:cNvSpPr txBox="1">
+            <a:spLocks noGrp="1"/>
+          </p:cNvSpPr>
           <p:nvPr>
-            <p:ph idx="1" type="body"/>
+            <p:ph type="body" idx="1"/>
           </p:nvPr>
         </p:nvSpPr>
         <p:spPr>
@@ -3758,11 +3990,11 @@
           </a:prstGeom>
         </p:spPr>
         <p:txBody>
-          <a:bodyPr anchorCtr="0" anchor="t" bIns="91425" lIns="91425" spcFirstLastPara="1" rIns="91425" wrap="square" tIns="91425">
+          <a:bodyPr spcFirstLastPara="1" wrap="square" lIns="91425" tIns="91425" rIns="91425" bIns="91425" anchor="t" anchorCtr="0">
             <a:normAutofit/>
           </a:bodyPr>
           <a:lstStyle>
-            <a:lvl1pPr indent="-304800" lvl="0" marL="457200">
+            <a:lvl1pPr marL="457200" lvl="0" indent="-304800">
               <a:spcBef>
                 <a:spcPts val="0"/>
               </a:spcBef>
@@ -3773,7 +4005,7 @@
               <a:buChar char="●"/>
               <a:defRPr sz="1200"/>
             </a:lvl1pPr>
-            <a:lvl2pPr indent="-304800" lvl="1" marL="914400">
+            <a:lvl2pPr marL="914400" lvl="1" indent="-304800">
               <a:spcBef>
                 <a:spcPts val="0"/>
               </a:spcBef>
@@ -3784,7 +4016,7 @@
               <a:buChar char="○"/>
               <a:defRPr sz="1200"/>
             </a:lvl2pPr>
-            <a:lvl3pPr indent="-304800" lvl="2" marL="1371600">
+            <a:lvl3pPr marL="1371600" lvl="2" indent="-304800">
               <a:spcBef>
                 <a:spcPts val="0"/>
               </a:spcBef>
@@ -3795,7 +4027,7 @@
               <a:buChar char="■"/>
               <a:defRPr sz="1200"/>
             </a:lvl3pPr>
-            <a:lvl4pPr indent="-304800" lvl="3" marL="1828800">
+            <a:lvl4pPr marL="1828800" lvl="3" indent="-304800">
               <a:spcBef>
                 <a:spcPts val="0"/>
               </a:spcBef>
@@ -3806,7 +4038,7 @@
               <a:buChar char="●"/>
               <a:defRPr sz="1200"/>
             </a:lvl4pPr>
-            <a:lvl5pPr indent="-304800" lvl="4" marL="2286000">
+            <a:lvl5pPr marL="2286000" lvl="4" indent="-304800">
               <a:spcBef>
                 <a:spcPts val="0"/>
               </a:spcBef>
@@ -3817,7 +4049,7 @@
               <a:buChar char="○"/>
               <a:defRPr sz="1200"/>
             </a:lvl5pPr>
-            <a:lvl6pPr indent="-304800" lvl="5" marL="2743200">
+            <a:lvl6pPr marL="2743200" lvl="5" indent="-304800">
               <a:spcBef>
                 <a:spcPts val="0"/>
               </a:spcBef>
@@ -3828,7 +4060,7 @@
               <a:buChar char="■"/>
               <a:defRPr sz="1200"/>
             </a:lvl6pPr>
-            <a:lvl7pPr indent="-304800" lvl="6" marL="3200400">
+            <a:lvl7pPr marL="3200400" lvl="6" indent="-304800">
               <a:spcBef>
                 <a:spcPts val="0"/>
               </a:spcBef>
@@ -3839,7 +4071,7 @@
               <a:buChar char="●"/>
               <a:defRPr sz="1200"/>
             </a:lvl7pPr>
-            <a:lvl8pPr indent="-304800" lvl="7" marL="3657600">
+            <a:lvl8pPr marL="3657600" lvl="7" indent="-304800">
               <a:spcBef>
                 <a:spcPts val="0"/>
               </a:spcBef>
@@ -3850,7 +4082,7 @@
               <a:buChar char="○"/>
               <a:defRPr sz="1200"/>
             </a:lvl8pPr>
-            <a:lvl9pPr indent="-304800" lvl="8" marL="4114800">
+            <a:lvl9pPr marL="4114800" lvl="8" indent="-304800">
               <a:spcBef>
                 <a:spcPts val="0"/>
               </a:spcBef>
@@ -3862,15 +4094,19 @@
               <a:defRPr sz="1200"/>
             </a:lvl9pPr>
           </a:lstStyle>
-          <a:p/>
+          <a:p>
+            <a:endParaRPr/>
+          </a:p>
         </p:txBody>
       </p:sp>
       <p:sp>
         <p:nvSpPr>
           <p:cNvPr id="31" name="Google Shape;31;p7"/>
-          <p:cNvSpPr txBox="1"/>
+          <p:cNvSpPr txBox="1">
+            <a:spLocks noGrp="1"/>
+          </p:cNvSpPr>
           <p:nvPr>
-            <p:ph idx="12" type="sldNum"/>
+            <p:ph type="sldNum" idx="12"/>
           </p:nvPr>
         </p:nvSpPr>
         <p:spPr>
@@ -3883,7 +4119,7 @@
           </a:prstGeom>
         </p:spPr>
         <p:txBody>
-          <a:bodyPr anchorCtr="0" anchor="ctr" bIns="91425" lIns="91425" spcFirstLastPara="1" rIns="91425" wrap="square" tIns="91425">
+          <a:bodyPr spcFirstLastPara="1" wrap="square" lIns="91425" tIns="91425" rIns="91425" bIns="91425" anchor="ctr" anchorCtr="0">
             <a:normAutofit/>
           </a:bodyPr>
           <a:lstStyle>
@@ -3925,7 +4161,7 @@
             </a:lvl9pPr>
           </a:lstStyle>
           <a:p>
-            <a:pPr indent="0" lvl="0" marL="0" rtl="0" algn="r">
+            <a:pPr marL="0" lvl="0" indent="0" algn="r" rtl="0">
               <a:spcBef>
                 <a:spcPts val="0"/>
               </a:spcBef>
@@ -3951,11 +4187,11 @@
 </file>
 
 <file path=ppt/slideLayouts/slideLayout7.xml><?xml version="1.0" encoding="utf-8"?>
-<p:sldLayout xmlns:a="http://schemas.openxmlformats.org/drawingml/2006/main" xmlns:r="http://schemas.openxmlformats.org/officeDocument/2006/relationships" xmlns:mc="http://schemas.openxmlformats.org/markup-compatibility/2006" xmlns:mv="urn:schemas-microsoft-com:mac:vml" xmlns:p="http://schemas.openxmlformats.org/presentationml/2006/main" xmlns:c="http://schemas.openxmlformats.org/drawingml/2006/chart" xmlns:dgm="http://schemas.openxmlformats.org/drawingml/2006/diagram" xmlns:o="urn:schemas-microsoft-com:office:office" xmlns:v="urn:schemas-microsoft-com:vml" xmlns:pvml="urn:schemas-microsoft-com:office:powerpoint" xmlns:com="http://schemas.openxmlformats.org/drawingml/2006/compatibility" xmlns:p14="http://schemas.microsoft.com/office/powerpoint/2010/main" xmlns:p15="http://schemas.microsoft.com/office/powerpoint/2012/main" xmlns:ahyp="http://schemas.microsoft.com/office/drawing/2018/hyperlinkcolor" matchingName="Main point">
+<p:sldLayout xmlns:a="http://schemas.openxmlformats.org/drawingml/2006/main" xmlns:r="http://schemas.openxmlformats.org/officeDocument/2006/relationships" xmlns:p="http://schemas.openxmlformats.org/presentationml/2006/main" matchingName="Main point">
   <p:cSld name="MAIN_POINT">
     <p:spTree>
       <p:nvGrpSpPr>
-        <p:cNvPr id="32" name="Shape 32"/>
+        <p:cNvPr id="1" name="Shape 32"/>
         <p:cNvGrpSpPr/>
         <p:nvPr/>
       </p:nvGrpSpPr>
@@ -3970,7 +4206,9 @@
       <p:sp>
         <p:nvSpPr>
           <p:cNvPr id="33" name="Google Shape;33;p8"/>
-          <p:cNvSpPr txBox="1"/>
+          <p:cNvSpPr txBox="1">
+            <a:spLocks noGrp="1"/>
+          </p:cNvSpPr>
           <p:nvPr>
             <p:ph type="title"/>
           </p:nvPr>
@@ -3985,7 +4223,7 @@
           </a:prstGeom>
         </p:spPr>
         <p:txBody>
-          <a:bodyPr anchorCtr="0" anchor="ctr" bIns="91425" lIns="91425" spcFirstLastPara="1" rIns="91425" wrap="square" tIns="91425">
+          <a:bodyPr spcFirstLastPara="1" wrap="square" lIns="91425" tIns="91425" rIns="91425" bIns="91425" anchor="ctr" anchorCtr="0">
             <a:normAutofit/>
           </a:bodyPr>
           <a:lstStyle>
@@ -4089,15 +4327,19 @@
               <a:defRPr sz="4800"/>
             </a:lvl9pPr>
           </a:lstStyle>
-          <a:p/>
+          <a:p>
+            <a:endParaRPr/>
+          </a:p>
         </p:txBody>
       </p:sp>
       <p:sp>
         <p:nvSpPr>
           <p:cNvPr id="34" name="Google Shape;34;p8"/>
-          <p:cNvSpPr txBox="1"/>
+          <p:cNvSpPr txBox="1">
+            <a:spLocks noGrp="1"/>
+          </p:cNvSpPr>
           <p:nvPr>
-            <p:ph idx="12" type="sldNum"/>
+            <p:ph type="sldNum" idx="12"/>
           </p:nvPr>
         </p:nvSpPr>
         <p:spPr>
@@ -4110,7 +4352,7 @@
           </a:prstGeom>
         </p:spPr>
         <p:txBody>
-          <a:bodyPr anchorCtr="0" anchor="ctr" bIns="91425" lIns="91425" spcFirstLastPara="1" rIns="91425" wrap="square" tIns="91425">
+          <a:bodyPr spcFirstLastPara="1" wrap="square" lIns="91425" tIns="91425" rIns="91425" bIns="91425" anchor="ctr" anchorCtr="0">
             <a:normAutofit/>
           </a:bodyPr>
           <a:lstStyle>
@@ -4152,7 +4394,7 @@
             </a:lvl9pPr>
           </a:lstStyle>
           <a:p>
-            <a:pPr indent="0" lvl="0" marL="0" rtl="0" algn="r">
+            <a:pPr marL="0" lvl="0" indent="0" algn="r" rtl="0">
               <a:spcBef>
                 <a:spcPts val="0"/>
               </a:spcBef>
@@ -4178,11 +4420,11 @@
 </file>
 
 <file path=ppt/slideLayouts/slideLayout8.xml><?xml version="1.0" encoding="utf-8"?>
-<p:sldLayout xmlns:a="http://schemas.openxmlformats.org/drawingml/2006/main" xmlns:r="http://schemas.openxmlformats.org/officeDocument/2006/relationships" xmlns:mc="http://schemas.openxmlformats.org/markup-compatibility/2006" xmlns:mv="urn:schemas-microsoft-com:mac:vml" xmlns:p="http://schemas.openxmlformats.org/presentationml/2006/main" xmlns:c="http://schemas.openxmlformats.org/drawingml/2006/chart" xmlns:dgm="http://schemas.openxmlformats.org/drawingml/2006/diagram" xmlns:o="urn:schemas-microsoft-com:office:office" xmlns:v="urn:schemas-microsoft-com:vml" xmlns:pvml="urn:schemas-microsoft-com:office:powerpoint" xmlns:com="http://schemas.openxmlformats.org/drawingml/2006/compatibility" xmlns:p14="http://schemas.microsoft.com/office/powerpoint/2010/main" xmlns:p15="http://schemas.microsoft.com/office/powerpoint/2012/main" xmlns:ahyp="http://schemas.microsoft.com/office/drawing/2018/hyperlinkcolor" matchingName="Section title and description">
+<p:sldLayout xmlns:a="http://schemas.openxmlformats.org/drawingml/2006/main" xmlns:r="http://schemas.openxmlformats.org/officeDocument/2006/relationships" xmlns:p="http://schemas.openxmlformats.org/presentationml/2006/main" matchingName="Section title and description">
   <p:cSld name="SECTION_TITLE_AND_DESCRIPTION">
     <p:spTree>
       <p:nvGrpSpPr>
-        <p:cNvPr id="35" name="Shape 35"/>
+        <p:cNvPr id="1" name="Shape 35"/>
         <p:cNvGrpSpPr/>
         <p:nvPr/>
       </p:nvGrpSpPr>
@@ -4216,12 +4458,12 @@
           </a:ln>
         </p:spPr>
         <p:txBody>
-          <a:bodyPr anchorCtr="0" anchor="ctr" bIns="91425" lIns="91425" spcFirstLastPara="1" rIns="91425" wrap="square" tIns="91425">
+          <a:bodyPr spcFirstLastPara="1" wrap="square" lIns="91425" tIns="91425" rIns="91425" bIns="91425" anchor="ctr" anchorCtr="0">
             <a:noAutofit/>
           </a:bodyPr>
           <a:lstStyle/>
           <a:p>
-            <a:pPr indent="0" lvl="0" marL="0" rtl="0" algn="l">
+            <a:pPr marL="0" lvl="0" indent="0" algn="l" rtl="0">
               <a:spcBef>
                 <a:spcPts val="0"/>
               </a:spcBef>
@@ -4230,9 +4472,6 @@
               </a:spcAft>
               <a:buNone/>
             </a:pPr>
-            <a:r>
-              <a:t/>
-            </a:r>
             <a:endParaRPr/>
           </a:p>
         </p:txBody>
@@ -4240,7 +4479,9 @@
       <p:sp>
         <p:nvSpPr>
           <p:cNvPr id="37" name="Google Shape;37;p9"/>
-          <p:cNvSpPr txBox="1"/>
+          <p:cNvSpPr txBox="1">
+            <a:spLocks noGrp="1"/>
+          </p:cNvSpPr>
           <p:nvPr>
             <p:ph type="title"/>
           </p:nvPr>
@@ -4255,7 +4496,7 @@
           </a:prstGeom>
         </p:spPr>
         <p:txBody>
-          <a:bodyPr anchorCtr="0" anchor="b" bIns="91425" lIns="91425" spcFirstLastPara="1" rIns="91425" wrap="square" tIns="91425">
+          <a:bodyPr spcFirstLastPara="1" wrap="square" lIns="91425" tIns="91425" rIns="91425" bIns="91425" anchor="b" anchorCtr="0">
             <a:normAutofit/>
           </a:bodyPr>
           <a:lstStyle>
@@ -4359,15 +4600,19 @@
               <a:defRPr sz="4200"/>
             </a:lvl9pPr>
           </a:lstStyle>
-          <a:p/>
+          <a:p>
+            <a:endParaRPr/>
+          </a:p>
         </p:txBody>
       </p:sp>
       <p:sp>
         <p:nvSpPr>
           <p:cNvPr id="38" name="Google Shape;38;p9"/>
-          <p:cNvSpPr txBox="1"/>
+          <p:cNvSpPr txBox="1">
+            <a:spLocks noGrp="1"/>
+          </p:cNvSpPr>
           <p:nvPr>
-            <p:ph idx="1" type="subTitle"/>
+            <p:ph type="subTitle" idx="1"/>
           </p:nvPr>
         </p:nvSpPr>
         <p:spPr>
@@ -4380,7 +4625,7 @@
           </a:prstGeom>
         </p:spPr>
         <p:txBody>
-          <a:bodyPr anchorCtr="0" anchor="t" bIns="91425" lIns="91425" spcFirstLastPara="1" rIns="91425" wrap="square" tIns="91425">
+          <a:bodyPr spcFirstLastPara="1" wrap="square" lIns="91425" tIns="91425" rIns="91425" bIns="91425" anchor="t" anchorCtr="0">
             <a:normAutofit/>
           </a:bodyPr>
           <a:lstStyle>
@@ -4511,15 +4756,19 @@
               <a:defRPr sz="2100"/>
             </a:lvl9pPr>
           </a:lstStyle>
-          <a:p/>
+          <a:p>
+            <a:endParaRPr/>
+          </a:p>
         </p:txBody>
       </p:sp>
       <p:sp>
         <p:nvSpPr>
           <p:cNvPr id="39" name="Google Shape;39;p9"/>
-          <p:cNvSpPr txBox="1"/>
+          <p:cNvSpPr txBox="1">
+            <a:spLocks noGrp="1"/>
+          </p:cNvSpPr>
           <p:nvPr>
-            <p:ph idx="2" type="body"/>
+            <p:ph type="body" idx="2"/>
           </p:nvPr>
         </p:nvSpPr>
         <p:spPr>
@@ -4532,11 +4781,11 @@
           </a:prstGeom>
         </p:spPr>
         <p:txBody>
-          <a:bodyPr anchorCtr="0" anchor="ctr" bIns="91425" lIns="91425" spcFirstLastPara="1" rIns="91425" wrap="square" tIns="91425">
+          <a:bodyPr spcFirstLastPara="1" wrap="square" lIns="91425" tIns="91425" rIns="91425" bIns="91425" anchor="ctr" anchorCtr="0">
             <a:normAutofit/>
           </a:bodyPr>
           <a:lstStyle>
-            <a:lvl1pPr indent="-342900" lvl="0" marL="457200">
+            <a:lvl1pPr marL="457200" lvl="0" indent="-342900">
               <a:spcBef>
                 <a:spcPts val="0"/>
               </a:spcBef>
@@ -4547,7 +4796,7 @@
               <a:buChar char="●"/>
               <a:defRPr/>
             </a:lvl1pPr>
-            <a:lvl2pPr indent="-317500" lvl="1" marL="914400">
+            <a:lvl2pPr marL="914400" lvl="1" indent="-317500">
               <a:spcBef>
                 <a:spcPts val="0"/>
               </a:spcBef>
@@ -4558,7 +4807,7 @@
               <a:buChar char="○"/>
               <a:defRPr/>
             </a:lvl2pPr>
-            <a:lvl3pPr indent="-317500" lvl="2" marL="1371600">
+            <a:lvl3pPr marL="1371600" lvl="2" indent="-317500">
               <a:spcBef>
                 <a:spcPts val="0"/>
               </a:spcBef>
@@ -4569,7 +4818,7 @@
               <a:buChar char="■"/>
               <a:defRPr/>
             </a:lvl3pPr>
-            <a:lvl4pPr indent="-317500" lvl="3" marL="1828800">
+            <a:lvl4pPr marL="1828800" lvl="3" indent="-317500">
               <a:spcBef>
                 <a:spcPts val="0"/>
               </a:spcBef>
@@ -4580,7 +4829,7 @@
               <a:buChar char="●"/>
               <a:defRPr/>
             </a:lvl4pPr>
-            <a:lvl5pPr indent="-317500" lvl="4" marL="2286000">
+            <a:lvl5pPr marL="2286000" lvl="4" indent="-317500">
               <a:spcBef>
                 <a:spcPts val="0"/>
               </a:spcBef>
@@ -4591,7 +4840,7 @@
               <a:buChar char="○"/>
               <a:defRPr/>
             </a:lvl5pPr>
-            <a:lvl6pPr indent="-317500" lvl="5" marL="2743200">
+            <a:lvl6pPr marL="2743200" lvl="5" indent="-317500">
               <a:spcBef>
                 <a:spcPts val="0"/>
               </a:spcBef>
@@ -4602,7 +4851,7 @@
               <a:buChar char="■"/>
               <a:defRPr/>
             </a:lvl6pPr>
-            <a:lvl7pPr indent="-317500" lvl="6" marL="3200400">
+            <a:lvl7pPr marL="3200400" lvl="6" indent="-317500">
               <a:spcBef>
                 <a:spcPts val="0"/>
               </a:spcBef>
@@ -4613,7 +4862,7 @@
               <a:buChar char="●"/>
               <a:defRPr/>
             </a:lvl7pPr>
-            <a:lvl8pPr indent="-317500" lvl="7" marL="3657600">
+            <a:lvl8pPr marL="3657600" lvl="7" indent="-317500">
               <a:spcBef>
                 <a:spcPts val="0"/>
               </a:spcBef>
@@ -4624,7 +4873,7 @@
               <a:buChar char="○"/>
               <a:defRPr/>
             </a:lvl8pPr>
-            <a:lvl9pPr indent="-317500" lvl="8" marL="4114800">
+            <a:lvl9pPr marL="4114800" lvl="8" indent="-317500">
               <a:spcBef>
                 <a:spcPts val="0"/>
               </a:spcBef>
@@ -4636,15 +4885,19 @@
               <a:defRPr/>
             </a:lvl9pPr>
           </a:lstStyle>
-          <a:p/>
+          <a:p>
+            <a:endParaRPr/>
+          </a:p>
         </p:txBody>
       </p:sp>
       <p:sp>
         <p:nvSpPr>
           <p:cNvPr id="40" name="Google Shape;40;p9"/>
-          <p:cNvSpPr txBox="1"/>
+          <p:cNvSpPr txBox="1">
+            <a:spLocks noGrp="1"/>
+          </p:cNvSpPr>
           <p:nvPr>
-            <p:ph idx="12" type="sldNum"/>
+            <p:ph type="sldNum" idx="12"/>
           </p:nvPr>
         </p:nvSpPr>
         <p:spPr>
@@ -4657,7 +4910,7 @@
           </a:prstGeom>
         </p:spPr>
         <p:txBody>
-          <a:bodyPr anchorCtr="0" anchor="ctr" bIns="91425" lIns="91425" spcFirstLastPara="1" rIns="91425" wrap="square" tIns="91425">
+          <a:bodyPr spcFirstLastPara="1" wrap="square" lIns="91425" tIns="91425" rIns="91425" bIns="91425" anchor="ctr" anchorCtr="0">
             <a:normAutofit/>
           </a:bodyPr>
           <a:lstStyle>
@@ -4699,7 +4952,7 @@
             </a:lvl9pPr>
           </a:lstStyle>
           <a:p>
-            <a:pPr indent="0" lvl="0" marL="0" rtl="0" algn="r">
+            <a:pPr marL="0" lvl="0" indent="0" algn="r" rtl="0">
               <a:spcBef>
                 <a:spcPts val="0"/>
               </a:spcBef>
@@ -4725,11 +4978,11 @@
 </file>
 
 <file path=ppt/slideLayouts/slideLayout9.xml><?xml version="1.0" encoding="utf-8"?>
-<p:sldLayout xmlns:a="http://schemas.openxmlformats.org/drawingml/2006/main" xmlns:r="http://schemas.openxmlformats.org/officeDocument/2006/relationships" xmlns:mc="http://schemas.openxmlformats.org/markup-compatibility/2006" xmlns:mv="urn:schemas-microsoft-com:mac:vml" xmlns:p="http://schemas.openxmlformats.org/presentationml/2006/main" xmlns:c="http://schemas.openxmlformats.org/drawingml/2006/chart" xmlns:dgm="http://schemas.openxmlformats.org/drawingml/2006/diagram" xmlns:o="urn:schemas-microsoft-com:office:office" xmlns:v="urn:schemas-microsoft-com:vml" xmlns:pvml="urn:schemas-microsoft-com:office:powerpoint" xmlns:com="http://schemas.openxmlformats.org/drawingml/2006/compatibility" xmlns:p14="http://schemas.microsoft.com/office/powerpoint/2010/main" xmlns:p15="http://schemas.microsoft.com/office/powerpoint/2012/main" xmlns:ahyp="http://schemas.microsoft.com/office/drawing/2018/hyperlinkcolor" matchingName="Caption">
+<p:sldLayout xmlns:a="http://schemas.openxmlformats.org/drawingml/2006/main" xmlns:r="http://schemas.openxmlformats.org/officeDocument/2006/relationships" xmlns:p="http://schemas.openxmlformats.org/presentationml/2006/main" matchingName="Caption">
   <p:cSld name="CAPTION_ONLY">
     <p:spTree>
       <p:nvGrpSpPr>
-        <p:cNvPr id="41" name="Shape 41"/>
+        <p:cNvPr id="1" name="Shape 41"/>
         <p:cNvGrpSpPr/>
         <p:nvPr/>
       </p:nvGrpSpPr>
@@ -4744,9 +4997,11 @@
       <p:sp>
         <p:nvSpPr>
           <p:cNvPr id="42" name="Google Shape;42;p10"/>
-          <p:cNvSpPr txBox="1"/>
+          <p:cNvSpPr txBox="1">
+            <a:spLocks noGrp="1"/>
+          </p:cNvSpPr>
           <p:nvPr>
-            <p:ph idx="1" type="body"/>
+            <p:ph type="body" idx="1"/>
           </p:nvPr>
         </p:nvSpPr>
         <p:spPr>
@@ -4759,11 +5014,11 @@
           </a:prstGeom>
         </p:spPr>
         <p:txBody>
-          <a:bodyPr anchorCtr="0" anchor="ctr" bIns="91425" lIns="91425" spcFirstLastPara="1" rIns="91425" wrap="square" tIns="91425">
+          <a:bodyPr spcFirstLastPara="1" wrap="square" lIns="91425" tIns="91425" rIns="91425" bIns="91425" anchor="ctr" anchorCtr="0">
             <a:normAutofit/>
           </a:bodyPr>
           <a:lstStyle>
-            <a:lvl1pPr indent="-228600" lvl="0" marL="457200">
+            <a:lvl1pPr marL="457200" lvl="0" indent="-228600">
               <a:lnSpc>
                 <a:spcPct val="100000"/>
               </a:lnSpc>
@@ -4778,15 +5033,19 @@
               <a:defRPr/>
             </a:lvl1pPr>
           </a:lstStyle>
-          <a:p/>
+          <a:p>
+            <a:endParaRPr/>
+          </a:p>
         </p:txBody>
       </p:sp>
       <p:sp>
         <p:nvSpPr>
           <p:cNvPr id="43" name="Google Shape;43;p10"/>
-          <p:cNvSpPr txBox="1"/>
+          <p:cNvSpPr txBox="1">
+            <a:spLocks noGrp="1"/>
+          </p:cNvSpPr>
           <p:nvPr>
-            <p:ph idx="12" type="sldNum"/>
+            <p:ph type="sldNum" idx="12"/>
           </p:nvPr>
         </p:nvSpPr>
         <p:spPr>
@@ -4799,7 +5058,7 @@
           </a:prstGeom>
         </p:spPr>
         <p:txBody>
-          <a:bodyPr anchorCtr="0" anchor="ctr" bIns="91425" lIns="91425" spcFirstLastPara="1" rIns="91425" wrap="square" tIns="91425">
+          <a:bodyPr spcFirstLastPara="1" wrap="square" lIns="91425" tIns="91425" rIns="91425" bIns="91425" anchor="ctr" anchorCtr="0">
             <a:normAutofit/>
           </a:bodyPr>
           <a:lstStyle>
@@ -4841,7 +5100,7 @@
             </a:lvl9pPr>
           </a:lstStyle>
           <a:p>
-            <a:pPr indent="0" lvl="0" marL="0" rtl="0" algn="r">
+            <a:pPr marL="0" lvl="0" indent="0" algn="r" rtl="0">
               <a:spcBef>
                 <a:spcPts val="0"/>
               </a:spcBef>
@@ -4867,18 +5126,19 @@
 </file>
 
 <file path=ppt/slideMasters/slideMaster1.xml><?xml version="1.0" encoding="utf-8"?>
-<p:sldMaster xmlns:a="http://schemas.openxmlformats.org/drawingml/2006/main" xmlns:r="http://schemas.openxmlformats.org/officeDocument/2006/relationships" xmlns:mc="http://schemas.openxmlformats.org/markup-compatibility/2006" xmlns:mv="urn:schemas-microsoft-com:mac:vml" xmlns:p="http://schemas.openxmlformats.org/presentationml/2006/main" xmlns:c="http://schemas.openxmlformats.org/drawingml/2006/chart" xmlns:dgm="http://schemas.openxmlformats.org/drawingml/2006/diagram" xmlns:o="urn:schemas-microsoft-com:office:office" xmlns:v="urn:schemas-microsoft-com:vml" xmlns:pvml="urn:schemas-microsoft-com:office:powerpoint" xmlns:com="http://schemas.openxmlformats.org/drawingml/2006/compatibility" xmlns:p14="http://schemas.microsoft.com/office/powerpoint/2010/main" xmlns:p15="http://schemas.microsoft.com/office/powerpoint/2012/main" xmlns:ahyp="http://schemas.microsoft.com/office/drawing/2018/hyperlinkcolor">
+<p:sldMaster xmlns:a="http://schemas.openxmlformats.org/drawingml/2006/main" xmlns:r="http://schemas.openxmlformats.org/officeDocument/2006/relationships" xmlns:p="http://schemas.openxmlformats.org/presentationml/2006/main">
   <p:cSld name="simple-light-2">
     <p:bg>
       <p:bgPr>
         <a:solidFill>
           <a:schemeClr val="lt1"/>
         </a:solidFill>
+        <a:effectLst/>
       </p:bgPr>
     </p:bg>
     <p:spTree>
       <p:nvGrpSpPr>
-        <p:cNvPr id="5" name="Shape 5"/>
+        <p:cNvPr id="1" name="Shape 5"/>
         <p:cNvGrpSpPr/>
         <p:nvPr/>
       </p:nvGrpSpPr>
@@ -4893,7 +5153,9 @@
       <p:sp>
         <p:nvSpPr>
           <p:cNvPr id="6" name="Google Shape;6;p1"/>
-          <p:cNvSpPr txBox="1"/>
+          <p:cNvSpPr txBox="1">
+            <a:spLocks noGrp="1"/>
+          </p:cNvSpPr>
           <p:nvPr>
             <p:ph type="title"/>
           </p:nvPr>
@@ -4912,7 +5174,7 @@
           </a:ln>
         </p:spPr>
         <p:txBody>
-          <a:bodyPr anchorCtr="0" anchor="t" bIns="91425" lIns="91425" spcFirstLastPara="1" rIns="91425" wrap="square" tIns="91425">
+          <a:bodyPr spcFirstLastPara="1" wrap="square" lIns="91425" tIns="91425" rIns="91425" bIns="91425" anchor="t" anchorCtr="0">
             <a:normAutofit/>
           </a:bodyPr>
           <a:lstStyle>
@@ -5079,15 +5341,19 @@
               </a:defRPr>
             </a:lvl9pPr>
           </a:lstStyle>
-          <a:p/>
+          <a:p>
+            <a:endParaRPr/>
+          </a:p>
         </p:txBody>
       </p:sp>
       <p:sp>
         <p:nvSpPr>
           <p:cNvPr id="7" name="Google Shape;7;p1"/>
-          <p:cNvSpPr txBox="1"/>
+          <p:cNvSpPr txBox="1">
+            <a:spLocks noGrp="1"/>
+          </p:cNvSpPr>
           <p:nvPr>
-            <p:ph idx="1" type="body"/>
+            <p:ph type="body" idx="1"/>
           </p:nvPr>
         </p:nvSpPr>
         <p:spPr>
@@ -5104,11 +5370,11 @@
           </a:ln>
         </p:spPr>
         <p:txBody>
-          <a:bodyPr anchorCtr="0" anchor="t" bIns="91425" lIns="91425" spcFirstLastPara="1" rIns="91425" wrap="square" tIns="91425">
+          <a:bodyPr spcFirstLastPara="1" wrap="square" lIns="91425" tIns="91425" rIns="91425" bIns="91425" anchor="t" anchorCtr="0">
             <a:normAutofit/>
           </a:bodyPr>
           <a:lstStyle>
-            <a:lvl1pPr indent="-342900" lvl="0" marL="457200">
+            <a:lvl1pPr marL="457200" lvl="0" indent="-342900">
               <a:lnSpc>
                 <a:spcPct val="115000"/>
               </a:lnSpc>
@@ -5129,7 +5395,7 @@
                 </a:solidFill>
               </a:defRPr>
             </a:lvl1pPr>
-            <a:lvl2pPr indent="-317500" lvl="1" marL="914400">
+            <a:lvl2pPr marL="914400" lvl="1" indent="-317500">
               <a:lnSpc>
                 <a:spcPct val="115000"/>
               </a:lnSpc>
@@ -5150,7 +5416,7 @@
                 </a:solidFill>
               </a:defRPr>
             </a:lvl2pPr>
-            <a:lvl3pPr indent="-317500" lvl="2" marL="1371600">
+            <a:lvl3pPr marL="1371600" lvl="2" indent="-317500">
               <a:lnSpc>
                 <a:spcPct val="115000"/>
               </a:lnSpc>
@@ -5171,7 +5437,7 @@
                 </a:solidFill>
               </a:defRPr>
             </a:lvl3pPr>
-            <a:lvl4pPr indent="-317500" lvl="3" marL="1828800">
+            <a:lvl4pPr marL="1828800" lvl="3" indent="-317500">
               <a:lnSpc>
                 <a:spcPct val="115000"/>
               </a:lnSpc>
@@ -5192,7 +5458,7 @@
                 </a:solidFill>
               </a:defRPr>
             </a:lvl4pPr>
-            <a:lvl5pPr indent="-317500" lvl="4" marL="2286000">
+            <a:lvl5pPr marL="2286000" lvl="4" indent="-317500">
               <a:lnSpc>
                 <a:spcPct val="115000"/>
               </a:lnSpc>
@@ -5213,7 +5479,7 @@
                 </a:solidFill>
               </a:defRPr>
             </a:lvl5pPr>
-            <a:lvl6pPr indent="-317500" lvl="5" marL="2743200">
+            <a:lvl6pPr marL="2743200" lvl="5" indent="-317500">
               <a:lnSpc>
                 <a:spcPct val="115000"/>
               </a:lnSpc>
@@ -5234,7 +5500,7 @@
                 </a:solidFill>
               </a:defRPr>
             </a:lvl6pPr>
-            <a:lvl7pPr indent="-317500" lvl="6" marL="3200400">
+            <a:lvl7pPr marL="3200400" lvl="6" indent="-317500">
               <a:lnSpc>
                 <a:spcPct val="115000"/>
               </a:lnSpc>
@@ -5255,7 +5521,7 @@
                 </a:solidFill>
               </a:defRPr>
             </a:lvl7pPr>
-            <a:lvl8pPr indent="-317500" lvl="7" marL="3657600">
+            <a:lvl8pPr marL="3657600" lvl="7" indent="-317500">
               <a:lnSpc>
                 <a:spcPct val="115000"/>
               </a:lnSpc>
@@ -5276,7 +5542,7 @@
                 </a:solidFill>
               </a:defRPr>
             </a:lvl8pPr>
-            <a:lvl9pPr indent="-317500" lvl="8" marL="4114800">
+            <a:lvl9pPr marL="4114800" lvl="8" indent="-317500">
               <a:lnSpc>
                 <a:spcPct val="115000"/>
               </a:lnSpc>
@@ -5298,15 +5564,19 @@
               </a:defRPr>
             </a:lvl9pPr>
           </a:lstStyle>
-          <a:p/>
+          <a:p>
+            <a:endParaRPr/>
+          </a:p>
         </p:txBody>
       </p:sp>
       <p:sp>
         <p:nvSpPr>
           <p:cNvPr id="8" name="Google Shape;8;p1"/>
-          <p:cNvSpPr txBox="1"/>
+          <p:cNvSpPr txBox="1">
+            <a:spLocks noGrp="1"/>
+          </p:cNvSpPr>
           <p:nvPr>
-            <p:ph idx="12" type="sldNum"/>
+            <p:ph type="sldNum" idx="12"/>
           </p:nvPr>
         </p:nvSpPr>
         <p:spPr>
@@ -5323,7 +5593,7 @@
           </a:ln>
         </p:spPr>
         <p:txBody>
-          <a:bodyPr anchorCtr="0" anchor="ctr" bIns="91425" lIns="91425" spcFirstLastPara="1" rIns="91425" wrap="square" tIns="91425">
+          <a:bodyPr spcFirstLastPara="1" wrap="square" lIns="91425" tIns="91425" rIns="91425" bIns="91425" anchor="ctr" anchorCtr="0">
             <a:normAutofit/>
           </a:bodyPr>
           <a:lstStyle>
@@ -5401,7 +5671,7 @@
             </a:lvl9pPr>
           </a:lstStyle>
           <a:p>
-            <a:pPr indent="0" lvl="0" marL="0" rtl="0" algn="r">
+            <a:pPr marL="0" lvl="0" indent="0" algn="r" rtl="0">
               <a:spcBef>
                 <a:spcPts val="0"/>
               </a:spcBef>
@@ -5420,7 +5690,7 @@
       </p:sp>
     </p:spTree>
   </p:cSld>
-  <p:clrMap accent1="accent1" accent2="accent2" accent3="accent3" accent4="accent4" accent5="accent5" accent6="accent6" bg1="lt1" bg2="dk2" tx1="dk1" tx2="lt2" folHlink="folHlink" hlink="hlink"/>
+  <p:clrMap bg1="lt1" tx1="dk1" bg2="dk2" tx2="lt2" accent1="accent1" accent2="accent2" accent3="accent3" accent4="accent4" accent5="accent5" accent6="accent6" hlink="hlink" folHlink="folHlink"/>
   <p:sldLayoutIdLst>
     <p:sldLayoutId id="2147483648" r:id="rId1"/>
     <p:sldLayoutId id="2147483649" r:id="rId2"/>
@@ -5434,10 +5704,10 @@
     <p:sldLayoutId id="2147483657" r:id="rId10"/>
     <p:sldLayoutId id="2147483658" r:id="rId11"/>
   </p:sldLayoutIdLst>
-  <p:hf dt="0" ftr="0" hdr="0" sldNum="0"/>
+  <p:hf sldNum="0" hdr="0" ftr="0" dt="0"/>
   <p:txStyles>
     <p:titleStyle>
-      <a:defPPr lvl="0" marR="0" rtl="0" algn="l">
+      <a:defPPr marR="0" lvl="0" algn="l" rtl="0">
         <a:lnSpc>
           <a:spcPct val="100000"/>
         </a:lnSpc>
@@ -5448,7 +5718,7 @@
           <a:spcPts val="0"/>
         </a:spcAft>
       </a:defPPr>
-      <a:lvl1pPr lvl="0" marR="0" rtl="0" algn="l">
+      <a:lvl1pPr marR="0" lvl="0" algn="l" rtl="0">
         <a:lnSpc>
           <a:spcPct val="100000"/>
         </a:lnSpc>
@@ -5462,7 +5732,7 @@
           <a:srgbClr val="000000"/>
         </a:buClr>
         <a:buFont typeface="Arial"/>
-        <a:defRPr b="0" i="0" sz="1400" u="none" cap="none" strike="noStrike">
+        <a:defRPr sz="1400" b="0" i="0" u="none" strike="noStrike" cap="none">
           <a:solidFill>
             <a:srgbClr val="000000"/>
           </a:solidFill>
@@ -5472,7 +5742,7 @@
           <a:sym typeface="Arial"/>
         </a:defRPr>
       </a:lvl1pPr>
-      <a:lvl2pPr lvl="1" marR="0" rtl="0" algn="l">
+      <a:lvl2pPr marR="0" lvl="1" algn="l" rtl="0">
         <a:lnSpc>
           <a:spcPct val="100000"/>
         </a:lnSpc>
@@ -5486,7 +5756,7 @@
           <a:srgbClr val="000000"/>
         </a:buClr>
         <a:buFont typeface="Arial"/>
-        <a:defRPr b="0" i="0" sz="1400" u="none" cap="none" strike="noStrike">
+        <a:defRPr sz="1400" b="0" i="0" u="none" strike="noStrike" cap="none">
           <a:solidFill>
             <a:srgbClr val="000000"/>
           </a:solidFill>
@@ -5496,7 +5766,7 @@
           <a:sym typeface="Arial"/>
         </a:defRPr>
       </a:lvl2pPr>
-      <a:lvl3pPr lvl="2" marR="0" rtl="0" algn="l">
+      <a:lvl3pPr marR="0" lvl="2" algn="l" rtl="0">
         <a:lnSpc>
           <a:spcPct val="100000"/>
         </a:lnSpc>
@@ -5510,7 +5780,7 @@
           <a:srgbClr val="000000"/>
         </a:buClr>
         <a:buFont typeface="Arial"/>
-        <a:defRPr b="0" i="0" sz="1400" u="none" cap="none" strike="noStrike">
+        <a:defRPr sz="1400" b="0" i="0" u="none" strike="noStrike" cap="none">
           <a:solidFill>
             <a:srgbClr val="000000"/>
           </a:solidFill>
@@ -5520,7 +5790,7 @@
           <a:sym typeface="Arial"/>
         </a:defRPr>
       </a:lvl3pPr>
-      <a:lvl4pPr lvl="3" marR="0" rtl="0" algn="l">
+      <a:lvl4pPr marR="0" lvl="3" algn="l" rtl="0">
         <a:lnSpc>
           <a:spcPct val="100000"/>
         </a:lnSpc>
@@ -5534,7 +5804,7 @@
           <a:srgbClr val="000000"/>
         </a:buClr>
         <a:buFont typeface="Arial"/>
-        <a:defRPr b="0" i="0" sz="1400" u="none" cap="none" strike="noStrike">
+        <a:defRPr sz="1400" b="0" i="0" u="none" strike="noStrike" cap="none">
           <a:solidFill>
             <a:srgbClr val="000000"/>
           </a:solidFill>
@@ -5544,7 +5814,7 @@
           <a:sym typeface="Arial"/>
         </a:defRPr>
       </a:lvl4pPr>
-      <a:lvl5pPr lvl="4" marR="0" rtl="0" algn="l">
+      <a:lvl5pPr marR="0" lvl="4" algn="l" rtl="0">
         <a:lnSpc>
           <a:spcPct val="100000"/>
         </a:lnSpc>
@@ -5558,7 +5828,7 @@
           <a:srgbClr val="000000"/>
         </a:buClr>
         <a:buFont typeface="Arial"/>
-        <a:defRPr b="0" i="0" sz="1400" u="none" cap="none" strike="noStrike">
+        <a:defRPr sz="1400" b="0" i="0" u="none" strike="noStrike" cap="none">
           <a:solidFill>
             <a:srgbClr val="000000"/>
           </a:solidFill>
@@ -5568,7 +5838,7 @@
           <a:sym typeface="Arial"/>
         </a:defRPr>
       </a:lvl5pPr>
-      <a:lvl6pPr lvl="5" marR="0" rtl="0" algn="l">
+      <a:lvl6pPr marR="0" lvl="5" algn="l" rtl="0">
         <a:lnSpc>
           <a:spcPct val="100000"/>
         </a:lnSpc>
@@ -5582,7 +5852,7 @@
           <a:srgbClr val="000000"/>
         </a:buClr>
         <a:buFont typeface="Arial"/>
-        <a:defRPr b="0" i="0" sz="1400" u="none" cap="none" strike="noStrike">
+        <a:defRPr sz="1400" b="0" i="0" u="none" strike="noStrike" cap="none">
           <a:solidFill>
             <a:srgbClr val="000000"/>
           </a:solidFill>
@@ -5592,7 +5862,7 @@
           <a:sym typeface="Arial"/>
         </a:defRPr>
       </a:lvl6pPr>
-      <a:lvl7pPr lvl="6" marR="0" rtl="0" algn="l">
+      <a:lvl7pPr marR="0" lvl="6" algn="l" rtl="0">
         <a:lnSpc>
           <a:spcPct val="100000"/>
         </a:lnSpc>
@@ -5606,7 +5876,7 @@
           <a:srgbClr val="000000"/>
         </a:buClr>
         <a:buFont typeface="Arial"/>
-        <a:defRPr b="0" i="0" sz="1400" u="none" cap="none" strike="noStrike">
+        <a:defRPr sz="1400" b="0" i="0" u="none" strike="noStrike" cap="none">
           <a:solidFill>
             <a:srgbClr val="000000"/>
           </a:solidFill>
@@ -5616,7 +5886,7 @@
           <a:sym typeface="Arial"/>
         </a:defRPr>
       </a:lvl7pPr>
-      <a:lvl8pPr lvl="7" marR="0" rtl="0" algn="l">
+      <a:lvl8pPr marR="0" lvl="7" algn="l" rtl="0">
         <a:lnSpc>
           <a:spcPct val="100000"/>
         </a:lnSpc>
@@ -5630,7 +5900,7 @@
           <a:srgbClr val="000000"/>
         </a:buClr>
         <a:buFont typeface="Arial"/>
-        <a:defRPr b="0" i="0" sz="1400" u="none" cap="none" strike="noStrike">
+        <a:defRPr sz="1400" b="0" i="0" u="none" strike="noStrike" cap="none">
           <a:solidFill>
             <a:srgbClr val="000000"/>
           </a:solidFill>
@@ -5640,7 +5910,7 @@
           <a:sym typeface="Arial"/>
         </a:defRPr>
       </a:lvl8pPr>
-      <a:lvl9pPr lvl="8" marR="0" rtl="0" algn="l">
+      <a:lvl9pPr marR="0" lvl="8" algn="l" rtl="0">
         <a:lnSpc>
           <a:spcPct val="100000"/>
         </a:lnSpc>
@@ -5654,7 +5924,7 @@
           <a:srgbClr val="000000"/>
         </a:buClr>
         <a:buFont typeface="Arial"/>
-        <a:defRPr b="0" i="0" sz="1400" u="none" cap="none" strike="noStrike">
+        <a:defRPr sz="1400" b="0" i="0" u="none" strike="noStrike" cap="none">
           <a:solidFill>
             <a:srgbClr val="000000"/>
           </a:solidFill>
@@ -5666,7 +5936,7 @@
       </a:lvl9pPr>
     </p:titleStyle>
     <p:bodyStyle>
-      <a:defPPr lvl="0" marR="0" rtl="0" algn="l">
+      <a:defPPr marR="0" lvl="0" algn="l" rtl="0">
         <a:lnSpc>
           <a:spcPct val="100000"/>
         </a:lnSpc>
@@ -5677,7 +5947,7 @@
           <a:spcPts val="0"/>
         </a:spcAft>
       </a:defPPr>
-      <a:lvl1pPr lvl="0" marR="0" rtl="0" algn="l">
+      <a:lvl1pPr marR="0" lvl="0" algn="l" rtl="0">
         <a:lnSpc>
           <a:spcPct val="100000"/>
         </a:lnSpc>
@@ -5691,7 +5961,7 @@
           <a:srgbClr val="000000"/>
         </a:buClr>
         <a:buFont typeface="Arial"/>
-        <a:defRPr b="0" i="0" sz="1400" u="none" cap="none" strike="noStrike">
+        <a:defRPr sz="1400" b="0" i="0" u="none" strike="noStrike" cap="none">
           <a:solidFill>
             <a:srgbClr val="000000"/>
           </a:solidFill>
@@ -5701,7 +5971,7 @@
           <a:sym typeface="Arial"/>
         </a:defRPr>
       </a:lvl1pPr>
-      <a:lvl2pPr lvl="1" marR="0" rtl="0" algn="l">
+      <a:lvl2pPr marR="0" lvl="1" algn="l" rtl="0">
         <a:lnSpc>
           <a:spcPct val="100000"/>
         </a:lnSpc>
@@ -5715,7 +5985,7 @@
           <a:srgbClr val="000000"/>
         </a:buClr>
         <a:buFont typeface="Arial"/>
-        <a:defRPr b="0" i="0" sz="1400" u="none" cap="none" strike="noStrike">
+        <a:defRPr sz="1400" b="0" i="0" u="none" strike="noStrike" cap="none">
           <a:solidFill>
             <a:srgbClr val="000000"/>
           </a:solidFill>
@@ -5725,7 +5995,7 @@
           <a:sym typeface="Arial"/>
         </a:defRPr>
       </a:lvl2pPr>
-      <a:lvl3pPr lvl="2" marR="0" rtl="0" algn="l">
+      <a:lvl3pPr marR="0" lvl="2" algn="l" rtl="0">
         <a:lnSpc>
           <a:spcPct val="100000"/>
         </a:lnSpc>
@@ -5739,7 +6009,7 @@
           <a:srgbClr val="000000"/>
         </a:buClr>
         <a:buFont typeface="Arial"/>
-        <a:defRPr b="0" i="0" sz="1400" u="none" cap="none" strike="noStrike">
+        <a:defRPr sz="1400" b="0" i="0" u="none" strike="noStrike" cap="none">
           <a:solidFill>
             <a:srgbClr val="000000"/>
           </a:solidFill>
@@ -5749,7 +6019,7 @@
           <a:sym typeface="Arial"/>
         </a:defRPr>
       </a:lvl3pPr>
-      <a:lvl4pPr lvl="3" marR="0" rtl="0" algn="l">
+      <a:lvl4pPr marR="0" lvl="3" algn="l" rtl="0">
         <a:lnSpc>
           <a:spcPct val="100000"/>
         </a:lnSpc>
@@ -5763,7 +6033,7 @@
           <a:srgbClr val="000000"/>
         </a:buClr>
         <a:buFont typeface="Arial"/>
-        <a:defRPr b="0" i="0" sz="1400" u="none" cap="none" strike="noStrike">
+        <a:defRPr sz="1400" b="0" i="0" u="none" strike="noStrike" cap="none">
           <a:solidFill>
             <a:srgbClr val="000000"/>
           </a:solidFill>
@@ -5773,7 +6043,7 @@
           <a:sym typeface="Arial"/>
         </a:defRPr>
       </a:lvl4pPr>
-      <a:lvl5pPr lvl="4" marR="0" rtl="0" algn="l">
+      <a:lvl5pPr marR="0" lvl="4" algn="l" rtl="0">
         <a:lnSpc>
           <a:spcPct val="100000"/>
         </a:lnSpc>
@@ -5787,7 +6057,7 @@
           <a:srgbClr val="000000"/>
         </a:buClr>
         <a:buFont typeface="Arial"/>
-        <a:defRPr b="0" i="0" sz="1400" u="none" cap="none" strike="noStrike">
+        <a:defRPr sz="1400" b="0" i="0" u="none" strike="noStrike" cap="none">
           <a:solidFill>
             <a:srgbClr val="000000"/>
           </a:solidFill>
@@ -5797,7 +6067,7 @@
           <a:sym typeface="Arial"/>
         </a:defRPr>
       </a:lvl5pPr>
-      <a:lvl6pPr lvl="5" marR="0" rtl="0" algn="l">
+      <a:lvl6pPr marR="0" lvl="5" algn="l" rtl="0">
         <a:lnSpc>
           <a:spcPct val="100000"/>
         </a:lnSpc>
@@ -5811,7 +6081,7 @@
           <a:srgbClr val="000000"/>
         </a:buClr>
         <a:buFont typeface="Arial"/>
-        <a:defRPr b="0" i="0" sz="1400" u="none" cap="none" strike="noStrike">
+        <a:defRPr sz="1400" b="0" i="0" u="none" strike="noStrike" cap="none">
           <a:solidFill>
             <a:srgbClr val="000000"/>
           </a:solidFill>
@@ -5821,7 +6091,7 @@
           <a:sym typeface="Arial"/>
         </a:defRPr>
       </a:lvl6pPr>
-      <a:lvl7pPr lvl="6" marR="0" rtl="0" algn="l">
+      <a:lvl7pPr marR="0" lvl="6" algn="l" rtl="0">
         <a:lnSpc>
           <a:spcPct val="100000"/>
         </a:lnSpc>
@@ -5835,7 +6105,7 @@
           <a:srgbClr val="000000"/>
         </a:buClr>
         <a:buFont typeface="Arial"/>
-        <a:defRPr b="0" i="0" sz="1400" u="none" cap="none" strike="noStrike">
+        <a:defRPr sz="1400" b="0" i="0" u="none" strike="noStrike" cap="none">
           <a:solidFill>
             <a:srgbClr val="000000"/>
           </a:solidFill>
@@ -5845,7 +6115,7 @@
           <a:sym typeface="Arial"/>
         </a:defRPr>
       </a:lvl7pPr>
-      <a:lvl8pPr lvl="7" marR="0" rtl="0" algn="l">
+      <a:lvl8pPr marR="0" lvl="7" algn="l" rtl="0">
         <a:lnSpc>
           <a:spcPct val="100000"/>
         </a:lnSpc>
@@ -5859,7 +6129,7 @@
           <a:srgbClr val="000000"/>
         </a:buClr>
         <a:buFont typeface="Arial"/>
-        <a:defRPr b="0" i="0" sz="1400" u="none" cap="none" strike="noStrike">
+        <a:defRPr sz="1400" b="0" i="0" u="none" strike="noStrike" cap="none">
           <a:solidFill>
             <a:srgbClr val="000000"/>
           </a:solidFill>
@@ -5869,7 +6139,7 @@
           <a:sym typeface="Arial"/>
         </a:defRPr>
       </a:lvl8pPr>
-      <a:lvl9pPr lvl="8" marR="0" rtl="0" algn="l">
+      <a:lvl9pPr marR="0" lvl="8" algn="l" rtl="0">
         <a:lnSpc>
           <a:spcPct val="100000"/>
         </a:lnSpc>
@@ -5883,7 +6153,7 @@
           <a:srgbClr val="000000"/>
         </a:buClr>
         <a:buFont typeface="Arial"/>
-        <a:defRPr b="0" i="0" sz="1400" u="none" cap="none" strike="noStrike">
+        <a:defRPr sz="1400" b="0" i="0" u="none" strike="noStrike" cap="none">
           <a:solidFill>
             <a:srgbClr val="000000"/>
           </a:solidFill>
@@ -5895,7 +6165,7 @@
       </a:lvl9pPr>
     </p:bodyStyle>
     <p:otherStyle>
-      <a:defPPr lvl="0" marR="0" rtl="0" algn="l">
+      <a:defPPr marR="0" lvl="0" algn="l" rtl="0">
         <a:lnSpc>
           <a:spcPct val="100000"/>
         </a:lnSpc>
@@ -5906,7 +6176,7 @@
           <a:spcPts val="0"/>
         </a:spcAft>
       </a:defPPr>
-      <a:lvl1pPr lvl="0" marR="0" rtl="0" algn="l">
+      <a:lvl1pPr marR="0" lvl="0" algn="l" rtl="0">
         <a:lnSpc>
           <a:spcPct val="100000"/>
         </a:lnSpc>
@@ -5920,7 +6190,7 @@
           <a:srgbClr val="000000"/>
         </a:buClr>
         <a:buFont typeface="Arial"/>
-        <a:defRPr b="0" i="0" sz="1400" u="none" cap="none" strike="noStrike">
+        <a:defRPr sz="1400" b="0" i="0" u="none" strike="noStrike" cap="none">
           <a:solidFill>
             <a:srgbClr val="000000"/>
           </a:solidFill>
@@ -5930,7 +6200,7 @@
           <a:sym typeface="Arial"/>
         </a:defRPr>
       </a:lvl1pPr>
-      <a:lvl2pPr lvl="1" marR="0" rtl="0" algn="l">
+      <a:lvl2pPr marR="0" lvl="1" algn="l" rtl="0">
         <a:lnSpc>
           <a:spcPct val="100000"/>
         </a:lnSpc>
@@ -5944,7 +6214,7 @@
           <a:srgbClr val="000000"/>
         </a:buClr>
         <a:buFont typeface="Arial"/>
-        <a:defRPr b="0" i="0" sz="1400" u="none" cap="none" strike="noStrike">
+        <a:defRPr sz="1400" b="0" i="0" u="none" strike="noStrike" cap="none">
           <a:solidFill>
             <a:srgbClr val="000000"/>
           </a:solidFill>
@@ -5954,7 +6224,7 @@
           <a:sym typeface="Arial"/>
         </a:defRPr>
       </a:lvl2pPr>
-      <a:lvl3pPr lvl="2" marR="0" rtl="0" algn="l">
+      <a:lvl3pPr marR="0" lvl="2" algn="l" rtl="0">
         <a:lnSpc>
           <a:spcPct val="100000"/>
         </a:lnSpc>
@@ -5968,7 +6238,7 @@
           <a:srgbClr val="000000"/>
         </a:buClr>
         <a:buFont typeface="Arial"/>
-        <a:defRPr b="0" i="0" sz="1400" u="none" cap="none" strike="noStrike">
+        <a:defRPr sz="1400" b="0" i="0" u="none" strike="noStrike" cap="none">
           <a:solidFill>
             <a:srgbClr val="000000"/>
           </a:solidFill>
@@ -5978,7 +6248,7 @@
           <a:sym typeface="Arial"/>
         </a:defRPr>
       </a:lvl3pPr>
-      <a:lvl4pPr lvl="3" marR="0" rtl="0" algn="l">
+      <a:lvl4pPr marR="0" lvl="3" algn="l" rtl="0">
         <a:lnSpc>
           <a:spcPct val="100000"/>
         </a:lnSpc>
@@ -5992,7 +6262,7 @@
           <a:srgbClr val="000000"/>
         </a:buClr>
         <a:buFont typeface="Arial"/>
-        <a:defRPr b="0" i="0" sz="1400" u="none" cap="none" strike="noStrike">
+        <a:defRPr sz="1400" b="0" i="0" u="none" strike="noStrike" cap="none">
           <a:solidFill>
             <a:srgbClr val="000000"/>
           </a:solidFill>
@@ -6002,7 +6272,7 @@
           <a:sym typeface="Arial"/>
         </a:defRPr>
       </a:lvl4pPr>
-      <a:lvl5pPr lvl="4" marR="0" rtl="0" algn="l">
+      <a:lvl5pPr marR="0" lvl="4" algn="l" rtl="0">
         <a:lnSpc>
           <a:spcPct val="100000"/>
         </a:lnSpc>
@@ -6016,7 +6286,7 @@
           <a:srgbClr val="000000"/>
         </a:buClr>
         <a:buFont typeface="Arial"/>
-        <a:defRPr b="0" i="0" sz="1400" u="none" cap="none" strike="noStrike">
+        <a:defRPr sz="1400" b="0" i="0" u="none" strike="noStrike" cap="none">
           <a:solidFill>
             <a:srgbClr val="000000"/>
           </a:solidFill>
@@ -6026,7 +6296,7 @@
           <a:sym typeface="Arial"/>
         </a:defRPr>
       </a:lvl5pPr>
-      <a:lvl6pPr lvl="5" marR="0" rtl="0" algn="l">
+      <a:lvl6pPr marR="0" lvl="5" algn="l" rtl="0">
         <a:lnSpc>
           <a:spcPct val="100000"/>
         </a:lnSpc>
@@ -6040,7 +6310,7 @@
           <a:srgbClr val="000000"/>
         </a:buClr>
         <a:buFont typeface="Arial"/>
-        <a:defRPr b="0" i="0" sz="1400" u="none" cap="none" strike="noStrike">
+        <a:defRPr sz="1400" b="0" i="0" u="none" strike="noStrike" cap="none">
           <a:solidFill>
             <a:srgbClr val="000000"/>
           </a:solidFill>
@@ -6050,7 +6320,7 @@
           <a:sym typeface="Arial"/>
         </a:defRPr>
       </a:lvl6pPr>
-      <a:lvl7pPr lvl="6" marR="0" rtl="0" algn="l">
+      <a:lvl7pPr marR="0" lvl="6" algn="l" rtl="0">
         <a:lnSpc>
           <a:spcPct val="100000"/>
         </a:lnSpc>
@@ -6064,7 +6334,7 @@
           <a:srgbClr val="000000"/>
         </a:buClr>
         <a:buFont typeface="Arial"/>
-        <a:defRPr b="0" i="0" sz="1400" u="none" cap="none" strike="noStrike">
+        <a:defRPr sz="1400" b="0" i="0" u="none" strike="noStrike" cap="none">
           <a:solidFill>
             <a:srgbClr val="000000"/>
           </a:solidFill>
@@ -6074,7 +6344,7 @@
           <a:sym typeface="Arial"/>
         </a:defRPr>
       </a:lvl7pPr>
-      <a:lvl8pPr lvl="7" marR="0" rtl="0" algn="l">
+      <a:lvl8pPr marR="0" lvl="7" algn="l" rtl="0">
         <a:lnSpc>
           <a:spcPct val="100000"/>
         </a:lnSpc>
@@ -6088,7 +6358,7 @@
           <a:srgbClr val="000000"/>
         </a:buClr>
         <a:buFont typeface="Arial"/>
-        <a:defRPr b="0" i="0" sz="1400" u="none" cap="none" strike="noStrike">
+        <a:defRPr sz="1400" b="0" i="0" u="none" strike="noStrike" cap="none">
           <a:solidFill>
             <a:srgbClr val="000000"/>
           </a:solidFill>
@@ -6098,7 +6368,7 @@
           <a:sym typeface="Arial"/>
         </a:defRPr>
       </a:lvl8pPr>
-      <a:lvl9pPr lvl="8" marR="0" rtl="0" algn="l">
+      <a:lvl9pPr marR="0" lvl="8" algn="l" rtl="0">
         <a:lnSpc>
           <a:spcPct val="100000"/>
         </a:lnSpc>
@@ -6112,7 +6382,7 @@
           <a:srgbClr val="000000"/>
         </a:buClr>
         <a:buFont typeface="Arial"/>
-        <a:defRPr b="0" i="0" sz="1400" u="none" cap="none" strike="noStrike">
+        <a:defRPr sz="1400" b="0" i="0" u="none" strike="noStrike" cap="none">
           <a:solidFill>
             <a:srgbClr val="000000"/>
           </a:solidFill>
@@ -6128,11 +6398,11 @@
 </file>
 
 <file path=ppt/slides/slide1.xml><?xml version="1.0" encoding="utf-8"?>
-<p:sld xmlns:a="http://schemas.openxmlformats.org/drawingml/2006/main" xmlns:r="http://schemas.openxmlformats.org/officeDocument/2006/relationships" xmlns:mc="http://schemas.openxmlformats.org/markup-compatibility/2006" xmlns:mv="urn:schemas-microsoft-com:mac:vml" xmlns:p="http://schemas.openxmlformats.org/presentationml/2006/main" xmlns:c="http://schemas.openxmlformats.org/drawingml/2006/chart" xmlns:dgm="http://schemas.openxmlformats.org/drawingml/2006/diagram" xmlns:o="urn:schemas-microsoft-com:office:office" xmlns:v="urn:schemas-microsoft-com:vml" xmlns:pvml="urn:schemas-microsoft-com:office:powerpoint" xmlns:com="http://schemas.openxmlformats.org/drawingml/2006/compatibility" xmlns:p14="http://schemas.microsoft.com/office/powerpoint/2010/main" xmlns:p15="http://schemas.microsoft.com/office/powerpoint/2012/main" xmlns:ahyp="http://schemas.microsoft.com/office/drawing/2018/hyperlinkcolor" show="0">
+<p:sld xmlns:a="http://schemas.openxmlformats.org/drawingml/2006/main" xmlns:r="http://schemas.openxmlformats.org/officeDocument/2006/relationships" xmlns:p="http://schemas.openxmlformats.org/presentationml/2006/main" show="0">
   <p:cSld>
     <p:spTree>
       <p:nvGrpSpPr>
-        <p:cNvPr id="53" name="Shape 53"/>
+        <p:cNvPr id="1" name="Shape 53"/>
         <p:cNvGrpSpPr/>
         <p:nvPr/>
       </p:nvGrpSpPr>
@@ -6205,17 +6475,17 @@
                 <a:alpha val="53330"/>
               </a:srgbClr>
             </a:solidFill>
-            <a:ln cap="flat" cmpd="sng" w="9525">
+            <a:ln w="9525" cap="flat" cmpd="sng">
               <a:solidFill>
                 <a:schemeClr val="dk2"/>
               </a:solidFill>
               <a:prstDash val="solid"/>
               <a:round/>
-              <a:headEnd len="sm" w="sm" type="none"/>
-              <a:tailEnd len="sm" w="sm" type="none"/>
+              <a:headEnd type="none" w="sm" len="sm"/>
+              <a:tailEnd type="none" w="sm" len="sm"/>
             </a:ln>
             <a:effectLst>
-              <a:outerShdw blurRad="57150" rotWithShape="0" algn="bl" dir="5400000" dist="19050">
+              <a:outerShdw blurRad="57150" dist="19050" dir="5400000" algn="bl" rotWithShape="0">
                 <a:srgbClr val="000000">
                   <a:alpha val="50000"/>
                 </a:srgbClr>
@@ -6223,12 +6493,12 @@
             </a:effectLst>
           </p:spPr>
           <p:txBody>
-            <a:bodyPr anchorCtr="0" anchor="ctr" bIns="91425" lIns="91425" spcFirstLastPara="1" rIns="91425" wrap="square" tIns="91425">
+            <a:bodyPr spcFirstLastPara="1" wrap="square" lIns="91425" tIns="91425" rIns="91425" bIns="91425" anchor="ctr" anchorCtr="0">
               <a:noAutofit/>
             </a:bodyPr>
             <a:lstStyle/>
             <a:p>
-              <a:pPr indent="0" lvl="0" marL="0" rtl="0" algn="l">
+              <a:pPr marL="0" lvl="0" indent="0" algn="l" rtl="0">
                 <a:spcBef>
                   <a:spcPts val="0"/>
                 </a:spcBef>
@@ -6237,9 +6507,6 @@
                 </a:spcAft>
                 <a:buNone/>
               </a:pPr>
-              <a:r>
-                <a:t/>
-              </a:r>
               <a:endParaRPr/>
             </a:p>
           </p:txBody>
@@ -6258,27 +6525,27 @@
           </a:xfrm>
           <a:prstGeom prst="roundRect">
             <a:avLst>
-              <a:gd fmla="val 16667" name="adj"/>
+              <a:gd name="adj" fmla="val 16667"/>
             </a:avLst>
           </a:prstGeom>
           <a:noFill/>
-          <a:ln cap="flat" cmpd="sng" w="19050">
+          <a:ln w="19050" cap="flat" cmpd="sng">
             <a:solidFill>
               <a:srgbClr val="FFFFFF"/>
             </a:solidFill>
             <a:prstDash val="solid"/>
             <a:round/>
-            <a:headEnd len="sm" w="sm" type="none"/>
-            <a:tailEnd len="sm" w="sm" type="none"/>
+            <a:headEnd type="none" w="sm" len="sm"/>
+            <a:tailEnd type="none" w="sm" len="sm"/>
           </a:ln>
         </p:spPr>
         <p:txBody>
-          <a:bodyPr anchorCtr="0" anchor="ctr" bIns="91425" lIns="91425" spcFirstLastPara="1" rIns="91425" wrap="square" tIns="91425">
+          <a:bodyPr spcFirstLastPara="1" wrap="square" lIns="91425" tIns="91425" rIns="91425" bIns="91425" anchor="ctr" anchorCtr="0">
             <a:noAutofit/>
           </a:bodyPr>
           <a:lstStyle/>
           <a:p>
-            <a:pPr indent="0" lvl="0" marL="0" rtl="0" algn="ctr">
+            <a:pPr marL="0" lvl="0" indent="0" algn="ctr" rtl="0">
               <a:spcBef>
                 <a:spcPts val="0"/>
               </a:spcBef>
@@ -6313,7 +6580,7 @@
           <a:blip r:embed="rId4">
             <a:alphaModFix/>
           </a:blip>
-          <a:srcRect b="62596" l="58381" r="25141" t="9288"/>
+          <a:srcRect l="58381" t="9288" r="25141" b="62596"/>
           <a:stretch/>
         </p:blipFill>
         <p:spPr>
@@ -6329,7 +6596,7 @@
             <a:noFill/>
           </a:ln>
           <a:effectLst>
-            <a:outerShdw blurRad="57150" rotWithShape="0" algn="bl" dir="5400000" dist="19050">
+            <a:outerShdw blurRad="57150" dist="19050" dir="5400000" algn="bl" rotWithShape="0">
               <a:srgbClr val="000000">
                 <a:alpha val="50000"/>
               </a:srgbClr>
@@ -6357,12 +6624,12 @@
           </a:ln>
         </p:spPr>
         <p:txBody>
-          <a:bodyPr anchorCtr="0" anchor="t" bIns="91425" lIns="91425" spcFirstLastPara="1" rIns="91425" wrap="square" tIns="91425">
+          <a:bodyPr spcFirstLastPara="1" wrap="square" lIns="91425" tIns="91425" rIns="91425" bIns="91425" anchor="t" anchorCtr="0">
             <a:spAutoFit/>
           </a:bodyPr>
           <a:lstStyle/>
           <a:p>
-            <a:pPr indent="0" lvl="0" marL="0" rtl="0" algn="ctr">
+            <a:pPr marL="0" lvl="0" indent="0" algn="ctr" rtl="0">
               <a:spcBef>
                 <a:spcPts val="0"/>
               </a:spcBef>
@@ -6428,27 +6695,27 @@
           </a:xfrm>
           <a:prstGeom prst="roundRect">
             <a:avLst>
-              <a:gd fmla="val 16667" name="adj"/>
+              <a:gd name="adj" fmla="val 16667"/>
             </a:avLst>
           </a:prstGeom>
           <a:noFill/>
-          <a:ln cap="flat" cmpd="sng" w="19050">
+          <a:ln w="19050" cap="flat" cmpd="sng">
             <a:solidFill>
               <a:srgbClr val="FFFFFF"/>
             </a:solidFill>
             <a:prstDash val="solid"/>
             <a:round/>
-            <a:headEnd len="sm" w="sm" type="none"/>
-            <a:tailEnd len="sm" w="sm" type="none"/>
+            <a:headEnd type="none" w="sm" len="sm"/>
+            <a:tailEnd type="none" w="sm" len="sm"/>
           </a:ln>
         </p:spPr>
         <p:txBody>
-          <a:bodyPr anchorCtr="0" anchor="ctr" bIns="91425" lIns="91425" spcFirstLastPara="1" rIns="91425" wrap="square" tIns="91425">
+          <a:bodyPr spcFirstLastPara="1" wrap="square" lIns="91425" tIns="91425" rIns="91425" bIns="91425" anchor="ctr" anchorCtr="0">
             <a:noAutofit/>
           </a:bodyPr>
           <a:lstStyle/>
           <a:p>
-            <a:pPr indent="0" lvl="0" marL="0" rtl="0" algn="ctr">
+            <a:pPr marL="0" lvl="0" indent="0" algn="ctr" rtl="0">
               <a:spcBef>
                 <a:spcPts val="0"/>
               </a:spcBef>
@@ -6486,27 +6753,27 @@
           </a:xfrm>
           <a:prstGeom prst="roundRect">
             <a:avLst>
-              <a:gd fmla="val 16667" name="adj"/>
+              <a:gd name="adj" fmla="val 16667"/>
             </a:avLst>
           </a:prstGeom>
           <a:noFill/>
-          <a:ln cap="flat" cmpd="sng" w="19050">
+          <a:ln w="19050" cap="flat" cmpd="sng">
             <a:solidFill>
               <a:srgbClr val="FFFFFF"/>
             </a:solidFill>
             <a:prstDash val="solid"/>
             <a:round/>
-            <a:headEnd len="sm" w="sm" type="none"/>
-            <a:tailEnd len="sm" w="sm" type="none"/>
+            <a:headEnd type="none" w="sm" len="sm"/>
+            <a:tailEnd type="none" w="sm" len="sm"/>
           </a:ln>
         </p:spPr>
         <p:txBody>
-          <a:bodyPr anchorCtr="0" anchor="ctr" bIns="91425" lIns="91425" spcFirstLastPara="1" rIns="91425" wrap="square" tIns="91425">
+          <a:bodyPr spcFirstLastPara="1" wrap="square" lIns="91425" tIns="91425" rIns="91425" bIns="91425" anchor="ctr" anchorCtr="0">
             <a:noAutofit/>
           </a:bodyPr>
           <a:lstStyle/>
           <a:p>
-            <a:pPr indent="0" lvl="0" marL="0" rtl="0" algn="ctr">
+            <a:pPr marL="0" lvl="0" indent="0" algn="ctr" rtl="0">
               <a:spcBef>
                 <a:spcPts val="0"/>
               </a:spcBef>
@@ -6544,27 +6811,27 @@
           </a:xfrm>
           <a:prstGeom prst="roundRect">
             <a:avLst>
-              <a:gd fmla="val 16667" name="adj"/>
+              <a:gd name="adj" fmla="val 16667"/>
             </a:avLst>
           </a:prstGeom>
           <a:noFill/>
-          <a:ln cap="flat" cmpd="sng" w="19050">
+          <a:ln w="19050" cap="flat" cmpd="sng">
             <a:solidFill>
               <a:srgbClr val="FFFFFF"/>
             </a:solidFill>
             <a:prstDash val="solid"/>
             <a:round/>
-            <a:headEnd len="sm" w="sm" type="none"/>
-            <a:tailEnd len="sm" w="sm" type="none"/>
+            <a:headEnd type="none" w="sm" len="sm"/>
+            <a:tailEnd type="none" w="sm" len="sm"/>
           </a:ln>
         </p:spPr>
         <p:txBody>
-          <a:bodyPr anchorCtr="0" anchor="ctr" bIns="91425" lIns="91425" spcFirstLastPara="1" rIns="91425" wrap="square" tIns="91425">
+          <a:bodyPr spcFirstLastPara="1" wrap="square" lIns="91425" tIns="91425" rIns="91425" bIns="91425" anchor="ctr" anchorCtr="0">
             <a:noAutofit/>
           </a:bodyPr>
           <a:lstStyle/>
           <a:p>
-            <a:pPr indent="0" lvl="0" marL="0" rtl="0" algn="ctr">
+            <a:pPr marL="0" lvl="0" indent="0" algn="ctr" rtl="0">
               <a:spcBef>
                 <a:spcPts val="0"/>
               </a:spcBef>
@@ -6623,12 +6890,12 @@
             </a:ln>
           </p:spPr>
           <p:txBody>
-            <a:bodyPr anchorCtr="0" anchor="t" bIns="91425" lIns="91425" spcFirstLastPara="1" rIns="91425" wrap="square" tIns="91425">
+            <a:bodyPr spcFirstLastPara="1" wrap="square" lIns="91425" tIns="91425" rIns="91425" bIns="91425" anchor="t" anchorCtr="0">
               <a:spAutoFit/>
             </a:bodyPr>
             <a:lstStyle/>
             <a:p>
-              <a:pPr indent="0" lvl="0" marL="0" rtl="0" algn="ctr">
+              <a:pPr marL="0" lvl="0" indent="0" algn="ctr" rtl="0">
                 <a:lnSpc>
                   <a:spcPct val="115000"/>
                 </a:lnSpc>
@@ -6641,7 +6908,7 @@
                 <a:buNone/>
               </a:pPr>
               <a:r>
-                <a:rPr b="1" lang="en" sz="1200">
+                <a:rPr lang="en" sz="1200" b="1">
                   <a:solidFill>
                     <a:srgbClr val="FFFFFF"/>
                   </a:solidFill>
@@ -6649,7 +6916,7 @@
                 <a:t>G</a:t>
               </a:r>
               <a:r>
-                <a:rPr b="1" lang="en" sz="1100">
+                <a:rPr lang="en" sz="1100" b="1">
                   <a:solidFill>
                     <a:srgbClr val="FFFFFF"/>
                   </a:solidFill>
@@ -6657,7 +6924,7 @@
                 <a:t>EO</a:t>
               </a:r>
               <a:r>
-                <a:rPr b="1" lang="en" sz="1200">
+                <a:rPr lang="en" sz="1200" b="1">
                   <a:solidFill>
                     <a:srgbClr val="FFFFFF"/>
                   </a:solidFill>
@@ -6665,14 +6932,14 @@
                 <a:t>J</a:t>
               </a:r>
               <a:r>
-                <a:rPr b="1" lang="en" sz="1100">
+                <a:rPr lang="en" sz="1100" b="1">
                   <a:solidFill>
                     <a:srgbClr val="FFFFFF"/>
                   </a:solidFill>
                 </a:rPr>
                 <a:t>SON</a:t>
               </a:r>
-              <a:endParaRPr b="1" sz="1100">
+              <a:endParaRPr sz="1100" b="1">
                 <a:solidFill>
                   <a:srgbClr val="FFFFFF"/>
                 </a:solidFill>
@@ -6726,14 +6993,14 @@
             <a:avLst/>
           </a:prstGeom>
           <a:noFill/>
-          <a:ln cap="flat" cmpd="sng" w="19050">
+          <a:ln w="19050" cap="flat" cmpd="sng">
             <a:solidFill>
               <a:srgbClr val="FFFFFF"/>
             </a:solidFill>
             <a:prstDash val="solid"/>
             <a:round/>
-            <a:headEnd len="med" w="med" type="none"/>
-            <a:tailEnd len="med" w="med" type="triangle"/>
+            <a:headEnd type="none" w="med" len="med"/>
+            <a:tailEnd type="triangle" w="med" len="med"/>
           </a:ln>
         </p:spPr>
       </p:cxnSp>
@@ -6755,14 +7022,14 @@
             <a:avLst/>
           </a:prstGeom>
           <a:noFill/>
-          <a:ln cap="flat" cmpd="sng" w="19050">
+          <a:ln w="19050" cap="flat" cmpd="sng">
             <a:solidFill>
               <a:srgbClr val="FFFFFF"/>
             </a:solidFill>
             <a:prstDash val="solid"/>
             <a:round/>
-            <a:headEnd len="med" w="med" type="none"/>
-            <a:tailEnd len="med" w="med" type="triangle"/>
+            <a:headEnd type="none" w="med" len="med"/>
+            <a:tailEnd type="triangle" w="med" len="med"/>
           </a:ln>
         </p:spPr>
       </p:cxnSp>
@@ -6779,27 +7046,27 @@
           </a:xfrm>
           <a:prstGeom prst="roundRect">
             <a:avLst>
-              <a:gd fmla="val 16667" name="adj"/>
+              <a:gd name="adj" fmla="val 16667"/>
             </a:avLst>
           </a:prstGeom>
           <a:noFill/>
-          <a:ln cap="flat" cmpd="sng" w="19050">
+          <a:ln w="19050" cap="flat" cmpd="sng">
             <a:solidFill>
               <a:srgbClr val="FFFFFF"/>
             </a:solidFill>
             <a:prstDash val="solid"/>
             <a:round/>
-            <a:headEnd len="sm" w="sm" type="none"/>
-            <a:tailEnd len="sm" w="sm" type="none"/>
+            <a:headEnd type="none" w="sm" len="sm"/>
+            <a:tailEnd type="none" w="sm" len="sm"/>
           </a:ln>
         </p:spPr>
         <p:txBody>
-          <a:bodyPr anchorCtr="0" anchor="ctr" bIns="91425" lIns="91425" spcFirstLastPara="1" rIns="91425" wrap="square" tIns="91425">
+          <a:bodyPr spcFirstLastPara="1" wrap="square" lIns="91425" tIns="91425" rIns="91425" bIns="91425" anchor="ctr" anchorCtr="0">
             <a:noAutofit/>
           </a:bodyPr>
           <a:lstStyle/>
           <a:p>
-            <a:pPr indent="0" lvl="0" marL="0" rtl="0" algn="ctr">
+            <a:pPr marL="0" lvl="0" indent="0" algn="ctr" rtl="0">
               <a:spcBef>
                 <a:spcPts val="0"/>
               </a:spcBef>
@@ -6808,9 +7075,6 @@
               </a:spcAft>
               <a:buNone/>
             </a:pPr>
-            <a:r>
-              <a:t/>
-            </a:r>
             <a:endParaRPr sz="1000">
               <a:solidFill>
                 <a:srgbClr val="FFFFFF"/>
@@ -6837,14 +7101,14 @@
             <a:avLst/>
           </a:prstGeom>
           <a:noFill/>
-          <a:ln cap="flat" cmpd="sng" w="19050">
+          <a:ln w="19050" cap="flat" cmpd="sng">
             <a:solidFill>
               <a:srgbClr val="FFFFFF"/>
             </a:solidFill>
             <a:prstDash val="solid"/>
             <a:round/>
-            <a:headEnd len="med" w="med" type="none"/>
-            <a:tailEnd len="med" w="med" type="triangle"/>
+            <a:headEnd type="none" w="med" len="med"/>
+            <a:tailEnd type="triangle" w="med" len="med"/>
           </a:ln>
         </p:spPr>
       </p:cxnSp>
@@ -6866,14 +7130,14 @@
             <a:avLst/>
           </a:prstGeom>
           <a:noFill/>
-          <a:ln cap="flat" cmpd="sng" w="19050">
+          <a:ln w="19050" cap="flat" cmpd="sng">
             <a:solidFill>
               <a:srgbClr val="FFFFFF"/>
             </a:solidFill>
             <a:prstDash val="solid"/>
             <a:round/>
-            <a:headEnd len="med" w="med" type="none"/>
-            <a:tailEnd len="med" w="med" type="triangle"/>
+            <a:headEnd type="none" w="med" len="med"/>
+            <a:tailEnd type="triangle" w="med" len="med"/>
           </a:ln>
         </p:spPr>
       </p:cxnSp>
@@ -6882,15 +7146,30 @@
   <p:clrMapOvr>
     <a:masterClrMapping/>
   </p:clrMapOvr>
+  <mc:AlternateContent xmlns:mc="http://schemas.openxmlformats.org/markup-compatibility/2006" xmlns:p14="http://schemas.microsoft.com/office/powerpoint/2010/main">
+    <mc:Choice Requires="p14">
+      <p:transition spd="slow" p14:dur="2000"/>
+    </mc:Choice>
+    <mc:Fallback xmlns="">
+      <p:transition spd="slow"/>
+    </mc:Fallback>
+  </mc:AlternateContent>
+  <p:timing>
+    <p:tnLst>
+      <p:par>
+        <p:cTn id="1" dur="indefinite" restart="never" nodeType="tmRoot"/>
+      </p:par>
+    </p:tnLst>
+  </p:timing>
 </p:sld>
 </file>
 
 <file path=ppt/slides/slide2.xml><?xml version="1.0" encoding="utf-8"?>
-<p:sld xmlns:a="http://schemas.openxmlformats.org/drawingml/2006/main" xmlns:r="http://schemas.openxmlformats.org/officeDocument/2006/relationships" xmlns:mc="http://schemas.openxmlformats.org/markup-compatibility/2006" xmlns:mv="urn:schemas-microsoft-com:mac:vml" xmlns:p="http://schemas.openxmlformats.org/presentationml/2006/main" xmlns:c="http://schemas.openxmlformats.org/drawingml/2006/chart" xmlns:dgm="http://schemas.openxmlformats.org/drawingml/2006/diagram" xmlns:o="urn:schemas-microsoft-com:office:office" xmlns:v="urn:schemas-microsoft-com:vml" xmlns:pvml="urn:schemas-microsoft-com:office:powerpoint" xmlns:com="http://schemas.openxmlformats.org/drawingml/2006/compatibility" xmlns:p14="http://schemas.microsoft.com/office/powerpoint/2010/main" xmlns:p15="http://schemas.microsoft.com/office/powerpoint/2012/main" xmlns:ahyp="http://schemas.microsoft.com/office/drawing/2018/hyperlinkcolor">
+<p:sld xmlns:a="http://schemas.openxmlformats.org/drawingml/2006/main" xmlns:r="http://schemas.openxmlformats.org/officeDocument/2006/relationships" xmlns:p="http://schemas.openxmlformats.org/presentationml/2006/main">
   <p:cSld>
     <p:spTree>
       <p:nvGrpSpPr>
-        <p:cNvPr id="75" name="Shape 75"/>
+        <p:cNvPr id="1" name="Shape 75"/>
         <p:cNvGrpSpPr/>
         <p:nvPr/>
       </p:nvGrpSpPr>
@@ -6905,7 +7184,9 @@
       <p:sp>
         <p:nvSpPr>
           <p:cNvPr id="76" name="Google Shape;76;p14"/>
-          <p:cNvSpPr txBox="1"/>
+          <p:cNvSpPr txBox="1">
+            <a:spLocks noGrp="1"/>
+          </p:cNvSpPr>
           <p:nvPr>
             <p:ph type="title"/>
           </p:nvPr>
@@ -6920,12 +7201,12 @@
           </a:prstGeom>
         </p:spPr>
         <p:txBody>
-          <a:bodyPr anchorCtr="0" anchor="t" bIns="91425" lIns="91425" spcFirstLastPara="1" rIns="91425" wrap="square" tIns="91425">
+          <a:bodyPr spcFirstLastPara="1" wrap="square" lIns="91425" tIns="91425" rIns="91425" bIns="91425" anchor="t" anchorCtr="0">
             <a:noAutofit/>
           </a:bodyPr>
           <a:lstStyle/>
           <a:p>
-            <a:pPr indent="0" lvl="0" marL="0" rtl="0" algn="l">
+            <a:pPr marL="0" lvl="0" indent="0" algn="l" rtl="0">
               <a:spcBef>
                 <a:spcPts val="0"/>
               </a:spcBef>
@@ -6942,7 +7223,7 @@
             <a:endParaRPr sz="2000"/>
           </a:p>
           <a:p>
-            <a:pPr indent="0" lvl="0" marL="0" rtl="0" algn="l">
+            <a:pPr marL="0" lvl="0" indent="0" algn="l" rtl="0">
               <a:spcBef>
                 <a:spcPts val="0"/>
               </a:spcBef>
@@ -6952,9 +7233,6 @@
               <a:buSzPts val="990"/>
               <a:buNone/>
             </a:pPr>
-            <a:r>
-              <a:t/>
-            </a:r>
             <a:endParaRPr sz="2000"/>
           </a:p>
         </p:txBody>
@@ -6962,9 +7240,11 @@
       <p:sp>
         <p:nvSpPr>
           <p:cNvPr id="77" name="Google Shape;77;p14"/>
-          <p:cNvSpPr txBox="1"/>
+          <p:cNvSpPr txBox="1">
+            <a:spLocks noGrp="1"/>
+          </p:cNvSpPr>
           <p:nvPr>
-            <p:ph idx="1" type="body"/>
+            <p:ph type="body" idx="1"/>
           </p:nvPr>
         </p:nvSpPr>
         <p:spPr>
@@ -6977,12 +7257,12 @@
           </a:prstGeom>
         </p:spPr>
         <p:txBody>
-          <a:bodyPr anchorCtr="0" anchor="t" bIns="91425" lIns="91425" spcFirstLastPara="1" rIns="91425" wrap="square" tIns="91425">
-            <a:normAutofit lnSpcReduction="20000"/>
+          <a:bodyPr spcFirstLastPara="1" wrap="square" lIns="91425" tIns="91425" rIns="91425" bIns="91425" anchor="t" anchorCtr="0">
+            <a:normAutofit fontScale="92500" lnSpcReduction="10000"/>
           </a:bodyPr>
           <a:lstStyle/>
           <a:p>
-            <a:pPr indent="0" lvl="0" marL="0" rtl="0" algn="l">
+            <a:pPr marL="0" lvl="0" indent="0" algn="l" rtl="0">
               <a:spcBef>
                 <a:spcPts val="0"/>
               </a:spcBef>
@@ -6993,20 +7273,12 @@
             </a:pPr>
             <a:r>
               <a:rPr lang="en" sz="1200"/>
-              <a:t>We’ve chosen to focus on Air Quality (NO2) and Google Mobility data. Logically movement and transportation could impact air pollution levels. During the COVID-19 lockdowns, communities all over the world experienced dramatic drops in mobility and improved air quality. Now that countries are recovering from the pandemic lockdowns, mobility is </a:t>
-            </a:r>
-            <a:r>
-              <a:rPr lang="en" sz="1200"/>
-              <a:t>coming</a:t>
-            </a:r>
-            <a:r>
-              <a:rPr lang="en" sz="1200"/>
-              <a:t> back and air quality is deteriorating again. </a:t>
+              <a:t>We’ve chosen to focus on Air Quality (NO2) and Google Mobility data. Logically movement and transportation could impact air pollution levels. During the COVID-19 lockdowns, communities all over the world experienced dramatic drops in mobility and improved air quality. Now that countries are recovering from the pandemic lockdowns, mobility is coming back and air quality is deteriorating again. </a:t>
             </a:r>
             <a:endParaRPr sz="1200"/>
           </a:p>
           <a:p>
-            <a:pPr indent="0" lvl="0" marL="0" rtl="0" algn="l">
+            <a:pPr marL="0" lvl="0" indent="0" algn="l" rtl="0">
               <a:spcBef>
                 <a:spcPts val="1200"/>
               </a:spcBef>
@@ -7022,7 +7294,7 @@
             <a:endParaRPr sz="1200"/>
           </a:p>
           <a:p>
-            <a:pPr indent="0" lvl="0" marL="0" rtl="0" algn="l">
+            <a:pPr marL="0" lvl="0" indent="0" algn="l" rtl="0">
               <a:spcBef>
                 <a:spcPts val="1200"/>
               </a:spcBef>
@@ -7056,23 +7328,23 @@
           <a:solidFill>
             <a:schemeClr val="accent3"/>
           </a:solidFill>
-          <a:ln cap="flat" cmpd="sng" w="9525">
+          <a:ln w="9525" cap="flat" cmpd="sng">
             <a:solidFill>
               <a:schemeClr val="dk2"/>
             </a:solidFill>
             <a:prstDash val="solid"/>
             <a:round/>
-            <a:headEnd len="sm" w="sm" type="none"/>
-            <a:tailEnd len="sm" w="sm" type="none"/>
+            <a:headEnd type="none" w="sm" len="sm"/>
+            <a:tailEnd type="none" w="sm" len="sm"/>
           </a:ln>
         </p:spPr>
         <p:txBody>
-          <a:bodyPr anchorCtr="0" anchor="ctr" bIns="91425" lIns="91425" spcFirstLastPara="1" rIns="91425" wrap="square" tIns="91425">
+          <a:bodyPr spcFirstLastPara="1" wrap="square" lIns="91425" tIns="91425" rIns="91425" bIns="91425" anchor="ctr" anchorCtr="0">
             <a:noAutofit/>
           </a:bodyPr>
           <a:lstStyle/>
           <a:p>
-            <a:pPr indent="0" lvl="0" marL="0" rtl="0" algn="l">
+            <a:pPr marL="0" lvl="0" indent="0" algn="l" rtl="0">
               <a:spcBef>
                 <a:spcPts val="0"/>
               </a:spcBef>
@@ -7081,9 +7353,6 @@
               </a:spcAft>
               <a:buNone/>
             </a:pPr>
-            <a:r>
-              <a:t/>
-            </a:r>
             <a:endParaRPr/>
           </a:p>
         </p:txBody>
@@ -7136,12 +7405,12 @@
           </a:ln>
         </p:spPr>
         <p:txBody>
-          <a:bodyPr anchorCtr="0" anchor="t" bIns="91425" lIns="91425" spcFirstLastPara="1" rIns="91425" wrap="square" tIns="91425">
+          <a:bodyPr spcFirstLastPara="1" wrap="square" lIns="91425" tIns="91425" rIns="91425" bIns="91425" anchor="t" anchorCtr="0">
             <a:spAutoFit/>
           </a:bodyPr>
           <a:lstStyle/>
           <a:p>
-            <a:pPr indent="0" lvl="0" marL="0" rtl="0" algn="l">
+            <a:pPr marL="0" lvl="0" indent="0" algn="l" rtl="0">
               <a:spcBef>
                 <a:spcPts val="0"/>
               </a:spcBef>
@@ -7239,11 +7508,11 @@
 </file>
 
 <file path=ppt/slides/slide3.xml><?xml version="1.0" encoding="utf-8"?>
-<p:sld xmlns:a="http://schemas.openxmlformats.org/drawingml/2006/main" xmlns:r="http://schemas.openxmlformats.org/officeDocument/2006/relationships" xmlns:mc="http://schemas.openxmlformats.org/markup-compatibility/2006" xmlns:mv="urn:schemas-microsoft-com:mac:vml" xmlns:p="http://schemas.openxmlformats.org/presentationml/2006/main" xmlns:c="http://schemas.openxmlformats.org/drawingml/2006/chart" xmlns:dgm="http://schemas.openxmlformats.org/drawingml/2006/diagram" xmlns:o="urn:schemas-microsoft-com:office:office" xmlns:v="urn:schemas-microsoft-com:vml" xmlns:pvml="urn:schemas-microsoft-com:office:powerpoint" xmlns:com="http://schemas.openxmlformats.org/drawingml/2006/compatibility" xmlns:p14="http://schemas.microsoft.com/office/powerpoint/2010/main" xmlns:p15="http://schemas.microsoft.com/office/powerpoint/2012/main" xmlns:ahyp="http://schemas.microsoft.com/office/drawing/2018/hyperlinkcolor">
+<p:sld xmlns:a="http://schemas.openxmlformats.org/drawingml/2006/main" xmlns:r="http://schemas.openxmlformats.org/officeDocument/2006/relationships" xmlns:p="http://schemas.openxmlformats.org/presentationml/2006/main">
   <p:cSld>
     <p:spTree>
       <p:nvGrpSpPr>
-        <p:cNvPr id="86" name="Shape 86"/>
+        <p:cNvPr id="1" name="Shape 86"/>
         <p:cNvGrpSpPr/>
         <p:nvPr/>
       </p:nvGrpSpPr>
@@ -7258,7 +7527,9 @@
       <p:sp>
         <p:nvSpPr>
           <p:cNvPr id="87" name="Google Shape;87;p15"/>
-          <p:cNvSpPr txBox="1"/>
+          <p:cNvSpPr txBox="1">
+            <a:spLocks noGrp="1"/>
+          </p:cNvSpPr>
           <p:nvPr>
             <p:ph type="title"/>
           </p:nvPr>
@@ -7273,12 +7544,12 @@
           </a:prstGeom>
         </p:spPr>
         <p:txBody>
-          <a:bodyPr anchorCtr="0" anchor="t" bIns="91425" lIns="91425" spcFirstLastPara="1" rIns="91425" wrap="square" tIns="91425">
+          <a:bodyPr spcFirstLastPara="1" wrap="square" lIns="91425" tIns="91425" rIns="91425" bIns="91425" anchor="t" anchorCtr="0">
             <a:noAutofit/>
           </a:bodyPr>
           <a:lstStyle/>
           <a:p>
-            <a:pPr indent="0" lvl="0" marL="0" rtl="0" algn="l">
+            <a:pPr marL="0" lvl="0" indent="0" algn="l" rtl="0">
               <a:spcBef>
                 <a:spcPts val="0"/>
               </a:spcBef>
@@ -7295,7 +7566,7 @@
             <a:endParaRPr sz="2000"/>
           </a:p>
           <a:p>
-            <a:pPr indent="0" lvl="0" marL="0" rtl="0" algn="l">
+            <a:pPr marL="0" lvl="0" indent="0" algn="l" rtl="0">
               <a:spcBef>
                 <a:spcPts val="0"/>
               </a:spcBef>
@@ -7305,9 +7576,6 @@
               <a:buSzPts val="990"/>
               <a:buNone/>
             </a:pPr>
-            <a:r>
-              <a:t/>
-            </a:r>
             <a:endParaRPr sz="2000"/>
           </a:p>
         </p:txBody>
@@ -7315,9 +7583,11 @@
       <p:sp>
         <p:nvSpPr>
           <p:cNvPr id="88" name="Google Shape;88;p15"/>
-          <p:cNvSpPr txBox="1"/>
+          <p:cNvSpPr txBox="1">
+            <a:spLocks noGrp="1"/>
+          </p:cNvSpPr>
           <p:nvPr>
-            <p:ph idx="1" type="body"/>
+            <p:ph type="body" idx="1"/>
           </p:nvPr>
         </p:nvSpPr>
         <p:spPr>
@@ -7330,12 +7600,12 @@
           </a:prstGeom>
         </p:spPr>
         <p:txBody>
-          <a:bodyPr anchorCtr="0" anchor="t" bIns="91425" lIns="91425" spcFirstLastPara="1" rIns="91425" wrap="square" tIns="91425">
-            <a:normAutofit/>
+          <a:bodyPr spcFirstLastPara="1" wrap="square" lIns="91425" tIns="91425" rIns="91425" bIns="91425" anchor="t" anchorCtr="0">
+            <a:normAutofit fontScale="92500" lnSpcReduction="20000"/>
           </a:bodyPr>
           <a:lstStyle/>
           <a:p>
-            <a:pPr indent="0" lvl="0" marL="0" rtl="0" algn="l">
+            <a:pPr marL="0" lvl="0" indent="0" algn="l" rtl="0">
               <a:spcBef>
                 <a:spcPts val="0"/>
               </a:spcBef>
@@ -7346,15 +7616,7 @@
             </a:pPr>
             <a:r>
               <a:rPr lang="en" sz="1200"/>
-              <a:t>MAQI combines various mobility indicators from Google with Tropospheric NO2 to generate an index of mobility against air quality. By combining these indicators, we can get a gauge not just of how mobility is </a:t>
-            </a:r>
-            <a:r>
-              <a:rPr lang="en" sz="1200"/>
-              <a:t>recovering</a:t>
-            </a:r>
-            <a:r>
-              <a:rPr lang="en" sz="1200"/>
-              <a:t> post-pandemic, but also whether an area is generating more or less NO2 relative to the mobility being measured.</a:t>
+              <a:t>MAQI combines various mobility indicators from Google with Tropospheric NO2 to generate an index of mobility against air quality. By combining these indicators, we can get a gauge not just of how mobility is recovering post-pandemic, but also whether an area is generating more or less NO2 relative to the mobility being measured.</a:t>
             </a:r>
             <a:endParaRPr sz="1200"/>
           </a:p>
@@ -7377,23 +7639,23 @@
           <a:solidFill>
             <a:schemeClr val="accent3"/>
           </a:solidFill>
-          <a:ln cap="flat" cmpd="sng" w="9525">
+          <a:ln w="9525" cap="flat" cmpd="sng">
             <a:solidFill>
               <a:schemeClr val="dk2"/>
             </a:solidFill>
             <a:prstDash val="solid"/>
             <a:round/>
-            <a:headEnd len="sm" w="sm" type="none"/>
-            <a:tailEnd len="sm" w="sm" type="none"/>
+            <a:headEnd type="none" w="sm" len="sm"/>
+            <a:tailEnd type="none" w="sm" len="sm"/>
           </a:ln>
         </p:spPr>
         <p:txBody>
-          <a:bodyPr anchorCtr="0" anchor="ctr" bIns="91425" lIns="91425" spcFirstLastPara="1" rIns="91425" wrap="square" tIns="91425">
+          <a:bodyPr spcFirstLastPara="1" wrap="square" lIns="91425" tIns="91425" rIns="91425" bIns="91425" anchor="ctr" anchorCtr="0">
             <a:noAutofit/>
           </a:bodyPr>
           <a:lstStyle/>
           <a:p>
-            <a:pPr indent="0" lvl="0" marL="0" rtl="0" algn="l">
+            <a:pPr marL="0" lvl="0" indent="0" algn="l" rtl="0">
               <a:spcBef>
                 <a:spcPts val="0"/>
               </a:spcBef>
@@ -7402,9 +7664,6 @@
               </a:spcAft>
               <a:buNone/>
             </a:pPr>
-            <a:r>
-              <a:t/>
-            </a:r>
             <a:endParaRPr/>
           </a:p>
         </p:txBody>
@@ -7457,12 +7716,12 @@
           </a:ln>
         </p:spPr>
         <p:txBody>
-          <a:bodyPr anchorCtr="0" anchor="t" bIns="91425" lIns="91425" spcFirstLastPara="1" rIns="91425" wrap="square" tIns="91425">
+          <a:bodyPr spcFirstLastPara="1" wrap="square" lIns="91425" tIns="91425" rIns="91425" bIns="91425" anchor="t" anchorCtr="0">
             <a:spAutoFit/>
           </a:bodyPr>
           <a:lstStyle/>
           <a:p>
-            <a:pPr indent="0" lvl="0" marL="0" rtl="0" algn="l">
+            <a:pPr marL="0" lvl="0" indent="0" algn="l" rtl="0">
               <a:spcBef>
                 <a:spcPts val="0"/>
               </a:spcBef>
@@ -7518,14 +7777,14 @@
             <a:avLst/>
           </a:prstGeom>
           <a:noFill/>
-          <a:ln cap="flat" cmpd="sng" w="9525">
+          <a:ln w="9525" cap="flat" cmpd="sng">
             <a:solidFill>
               <a:schemeClr val="dk1"/>
             </a:solidFill>
             <a:prstDash val="solid"/>
             <a:round/>
-            <a:headEnd len="sm" w="sm" type="none"/>
-            <a:tailEnd len="sm" w="sm" type="none"/>
+            <a:headEnd type="none" w="sm" len="sm"/>
+            <a:tailEnd type="none" w="sm" len="sm"/>
           </a:ln>
         </p:spPr>
       </p:pic>
@@ -7552,14 +7811,14 @@
             <a:avLst/>
           </a:prstGeom>
           <a:noFill/>
-          <a:ln cap="flat" cmpd="sng" w="9525">
+          <a:ln w="9525" cap="flat" cmpd="sng">
             <a:solidFill>
               <a:schemeClr val="dk1"/>
             </a:solidFill>
             <a:prstDash val="solid"/>
             <a:round/>
-            <a:headEnd len="sm" w="sm" type="none"/>
-            <a:tailEnd len="sm" w="sm" type="none"/>
+            <a:headEnd type="none" w="sm" len="sm"/>
+            <a:tailEnd type="none" w="sm" len="sm"/>
           </a:ln>
         </p:spPr>
       </p:pic>
@@ -7586,14 +7845,14 @@
             <a:avLst/>
           </a:prstGeom>
           <a:noFill/>
-          <a:ln cap="flat" cmpd="sng" w="9525">
+          <a:ln w="9525" cap="flat" cmpd="sng">
             <a:solidFill>
               <a:schemeClr val="dk1"/>
             </a:solidFill>
             <a:prstDash val="solid"/>
             <a:round/>
-            <a:headEnd len="sm" w="sm" type="none"/>
-            <a:tailEnd len="sm" w="sm" type="none"/>
+            <a:headEnd type="none" w="sm" len="sm"/>
+            <a:tailEnd type="none" w="sm" len="sm"/>
           </a:ln>
         </p:spPr>
       </p:pic>
@@ -7617,12 +7876,12 @@
           </a:ln>
         </p:spPr>
         <p:txBody>
-          <a:bodyPr anchorCtr="0" anchor="t" bIns="91425" lIns="91425" spcFirstLastPara="1" rIns="91425" wrap="square" tIns="91425">
+          <a:bodyPr spcFirstLastPara="1" wrap="square" lIns="91425" tIns="91425" rIns="91425" bIns="91425" anchor="t" anchorCtr="0">
             <a:spAutoFit/>
           </a:bodyPr>
           <a:lstStyle/>
           <a:p>
-            <a:pPr indent="0" lvl="0" marL="0" rtl="0" algn="ctr">
+            <a:pPr marL="0" lvl="0" indent="0" algn="ctr" rtl="0">
               <a:spcBef>
                 <a:spcPts val="0"/>
               </a:spcBef>
@@ -7659,12 +7918,12 @@
           </a:ln>
         </p:spPr>
         <p:txBody>
-          <a:bodyPr anchorCtr="0" anchor="t" bIns="91425" lIns="91425" spcFirstLastPara="1" rIns="91425" wrap="square" tIns="91425">
+          <a:bodyPr spcFirstLastPara="1" wrap="square" lIns="91425" tIns="91425" rIns="91425" bIns="91425" anchor="t" anchorCtr="0">
             <a:spAutoFit/>
           </a:bodyPr>
           <a:lstStyle/>
           <a:p>
-            <a:pPr indent="0" lvl="0" marL="0" rtl="0" algn="ctr">
+            <a:pPr marL="0" lvl="0" indent="0" algn="ctr" rtl="0">
               <a:spcBef>
                 <a:spcPts val="0"/>
               </a:spcBef>
@@ -7701,12 +7960,12 @@
           </a:ln>
         </p:spPr>
         <p:txBody>
-          <a:bodyPr anchorCtr="0" anchor="t" bIns="91425" lIns="91425" spcFirstLastPara="1" rIns="91425" wrap="square" tIns="91425">
+          <a:bodyPr spcFirstLastPara="1" wrap="square" lIns="91425" tIns="91425" rIns="91425" bIns="91425" anchor="t" anchorCtr="0">
             <a:spAutoFit/>
           </a:bodyPr>
           <a:lstStyle/>
           <a:p>
-            <a:pPr indent="0" lvl="0" marL="0" rtl="0" algn="ctr">
+            <a:pPr marL="0" lvl="0" indent="0" algn="ctr" rtl="0">
               <a:spcBef>
                 <a:spcPts val="0"/>
               </a:spcBef>
@@ -7728,15 +7987,22 @@
   <p:clrMapOvr>
     <a:masterClrMapping/>
   </p:clrMapOvr>
+  <p:timing>
+    <p:tnLst>
+      <p:par>
+        <p:cTn id="1" dur="indefinite" restart="never" nodeType="tmRoot"/>
+      </p:par>
+    </p:tnLst>
+  </p:timing>
 </p:sld>
 </file>
 
 <file path=ppt/slides/slide4.xml><?xml version="1.0" encoding="utf-8"?>
-<p:sld xmlns:a="http://schemas.openxmlformats.org/drawingml/2006/main" xmlns:r="http://schemas.openxmlformats.org/officeDocument/2006/relationships" xmlns:mc="http://schemas.openxmlformats.org/markup-compatibility/2006" xmlns:mv="urn:schemas-microsoft-com:mac:vml" xmlns:p="http://schemas.openxmlformats.org/presentationml/2006/main" xmlns:c="http://schemas.openxmlformats.org/drawingml/2006/chart" xmlns:dgm="http://schemas.openxmlformats.org/drawingml/2006/diagram" xmlns:o="urn:schemas-microsoft-com:office:office" xmlns:v="urn:schemas-microsoft-com:vml" xmlns:pvml="urn:schemas-microsoft-com:office:powerpoint" xmlns:com="http://schemas.openxmlformats.org/drawingml/2006/compatibility" xmlns:p14="http://schemas.microsoft.com/office/powerpoint/2010/main" xmlns:p15="http://schemas.microsoft.com/office/powerpoint/2012/main" xmlns:ahyp="http://schemas.microsoft.com/office/drawing/2018/hyperlinkcolor">
+<p:sld xmlns:a="http://schemas.openxmlformats.org/drawingml/2006/main" xmlns:r="http://schemas.openxmlformats.org/officeDocument/2006/relationships" xmlns:p="http://schemas.openxmlformats.org/presentationml/2006/main">
   <p:cSld>
     <p:spTree>
       <p:nvGrpSpPr>
-        <p:cNvPr id="101" name="Shape 101"/>
+        <p:cNvPr id="1" name="Shape 101"/>
         <p:cNvGrpSpPr/>
         <p:nvPr/>
       </p:nvGrpSpPr>
@@ -7751,7 +8017,9 @@
       <p:sp>
         <p:nvSpPr>
           <p:cNvPr id="102" name="Google Shape;102;p16"/>
-          <p:cNvSpPr txBox="1"/>
+          <p:cNvSpPr txBox="1">
+            <a:spLocks noGrp="1"/>
+          </p:cNvSpPr>
           <p:nvPr>
             <p:ph type="title"/>
           </p:nvPr>
@@ -7766,12 +8034,12 @@
           </a:prstGeom>
         </p:spPr>
         <p:txBody>
-          <a:bodyPr anchorCtr="0" anchor="t" bIns="91425" lIns="91425" spcFirstLastPara="1" rIns="91425" wrap="square" tIns="91425">
+          <a:bodyPr spcFirstLastPara="1" wrap="square" lIns="91425" tIns="91425" rIns="91425" bIns="91425" anchor="t" anchorCtr="0">
             <a:noAutofit/>
           </a:bodyPr>
           <a:lstStyle/>
           <a:p>
-            <a:pPr indent="0" lvl="0" marL="0" rtl="0" algn="l">
+            <a:pPr marL="0" lvl="0" indent="0" algn="l" rtl="0">
               <a:spcBef>
                 <a:spcPts val="0"/>
               </a:spcBef>
@@ -7788,7 +8056,7 @@
             <a:endParaRPr sz="2000"/>
           </a:p>
           <a:p>
-            <a:pPr indent="0" lvl="0" marL="0" rtl="0" algn="l">
+            <a:pPr marL="0" lvl="0" indent="0" algn="l" rtl="0">
               <a:spcBef>
                 <a:spcPts val="0"/>
               </a:spcBef>
@@ -7798,9 +8066,6 @@
               <a:buSzPts val="990"/>
               <a:buNone/>
             </a:pPr>
-            <a:r>
-              <a:t/>
-            </a:r>
             <a:endParaRPr sz="2000"/>
           </a:p>
         </p:txBody>
@@ -7808,9 +8073,11 @@
       <p:sp>
         <p:nvSpPr>
           <p:cNvPr id="103" name="Google Shape;103;p16"/>
-          <p:cNvSpPr txBox="1"/>
+          <p:cNvSpPr txBox="1">
+            <a:spLocks noGrp="1"/>
+          </p:cNvSpPr>
           <p:nvPr>
-            <p:ph idx="1" type="body"/>
+            <p:ph type="body" idx="1"/>
           </p:nvPr>
         </p:nvSpPr>
         <p:spPr>
@@ -7823,12 +8090,12 @@
           </a:prstGeom>
         </p:spPr>
         <p:txBody>
-          <a:bodyPr anchorCtr="0" anchor="t" bIns="91425" lIns="91425" spcFirstLastPara="1" rIns="91425" wrap="square" tIns="91425">
-            <a:normAutofit lnSpcReduction="10000"/>
+          <a:bodyPr spcFirstLastPara="1" wrap="square" lIns="91425" tIns="91425" rIns="91425" bIns="91425" anchor="t" anchorCtr="0">
+            <a:normAutofit fontScale="92500"/>
           </a:bodyPr>
           <a:lstStyle/>
           <a:p>
-            <a:pPr indent="0" lvl="0" marL="0" rtl="0" algn="l">
+            <a:pPr marL="0" lvl="0" indent="0" algn="l" rtl="0">
               <a:spcBef>
                 <a:spcPts val="0"/>
               </a:spcBef>
@@ -7844,7 +8111,7 @@
             <a:endParaRPr sz="1200"/>
           </a:p>
           <a:p>
-            <a:pPr indent="0" lvl="0" marL="0" rtl="0" algn="l">
+            <a:pPr marL="0" lvl="0" indent="0" algn="l" rtl="0">
               <a:spcBef>
                 <a:spcPts val="1200"/>
               </a:spcBef>
@@ -7854,7 +8121,7 @@
               <a:buNone/>
             </a:pPr>
             <a:r>
-              <a:rPr b="1" lang="en" sz="1200"/>
+              <a:rPr lang="en" sz="1200" b="1"/>
               <a:t>To align the spatial coverage</a:t>
             </a:r>
             <a:r>
@@ -7864,7 +8131,7 @@
             <a:endParaRPr sz="1200"/>
           </a:p>
           <a:p>
-            <a:pPr indent="0" lvl="0" marL="0" rtl="0" algn="l">
+            <a:pPr marL="0" lvl="0" indent="0" algn="l" rtl="0">
               <a:spcBef>
                 <a:spcPts val="1200"/>
               </a:spcBef>
@@ -7874,7 +8141,7 @@
               <a:buNone/>
             </a:pPr>
             <a:r>
-              <a:rPr b="1" lang="en" sz="1200"/>
+              <a:rPr lang="en" sz="1200" b="1"/>
               <a:t>To align temporal coverage</a:t>
             </a:r>
             <a:r>
@@ -7902,23 +8169,23 @@
           <a:solidFill>
             <a:schemeClr val="accent3"/>
           </a:solidFill>
-          <a:ln cap="flat" cmpd="sng" w="9525">
+          <a:ln w="9525" cap="flat" cmpd="sng">
             <a:solidFill>
               <a:schemeClr val="dk2"/>
             </a:solidFill>
             <a:prstDash val="solid"/>
             <a:round/>
-            <a:headEnd len="sm" w="sm" type="none"/>
-            <a:tailEnd len="sm" w="sm" type="none"/>
+            <a:headEnd type="none" w="sm" len="sm"/>
+            <a:tailEnd type="none" w="sm" len="sm"/>
           </a:ln>
         </p:spPr>
         <p:txBody>
-          <a:bodyPr anchorCtr="0" anchor="ctr" bIns="91425" lIns="91425" spcFirstLastPara="1" rIns="91425" wrap="square" tIns="91425">
+          <a:bodyPr spcFirstLastPara="1" wrap="square" lIns="91425" tIns="91425" rIns="91425" bIns="91425" anchor="ctr" anchorCtr="0">
             <a:noAutofit/>
           </a:bodyPr>
           <a:lstStyle/>
           <a:p>
-            <a:pPr indent="0" lvl="0" marL="0" rtl="0" algn="l">
+            <a:pPr marL="0" lvl="0" indent="0" algn="l" rtl="0">
               <a:spcBef>
                 <a:spcPts val="0"/>
               </a:spcBef>
@@ -7927,9 +8194,6 @@
               </a:spcAft>
               <a:buNone/>
             </a:pPr>
-            <a:r>
-              <a:t/>
-            </a:r>
             <a:endParaRPr/>
           </a:p>
         </p:txBody>
@@ -7982,12 +8246,12 @@
           </a:ln>
         </p:spPr>
         <p:txBody>
-          <a:bodyPr anchorCtr="0" anchor="t" bIns="91425" lIns="91425" spcFirstLastPara="1" rIns="91425" wrap="square" tIns="91425">
+          <a:bodyPr spcFirstLastPara="1" wrap="square" lIns="91425" tIns="91425" rIns="91425" bIns="91425" anchor="t" anchorCtr="0">
             <a:spAutoFit/>
           </a:bodyPr>
           <a:lstStyle/>
           <a:p>
-            <a:pPr indent="0" lvl="0" marL="0" rtl="0" algn="l">
+            <a:pPr marL="0" lvl="0" indent="0" algn="l" rtl="0">
               <a:spcBef>
                 <a:spcPts val="0"/>
               </a:spcBef>
@@ -8068,12 +8332,12 @@
           </a:ln>
         </p:spPr>
         <p:txBody>
-          <a:bodyPr anchorCtr="0" anchor="t" bIns="91425" lIns="91425" spcFirstLastPara="1" rIns="91425" wrap="square" tIns="91425">
+          <a:bodyPr spcFirstLastPara="1" wrap="square" lIns="91425" tIns="91425" rIns="91425" bIns="91425" anchor="t" anchorCtr="0">
             <a:spAutoFit/>
           </a:bodyPr>
           <a:lstStyle/>
           <a:p>
-            <a:pPr indent="0" lvl="0" marL="0" rtl="0" algn="ctr">
+            <a:pPr marL="0" lvl="0" indent="0" algn="ctr" rtl="0">
               <a:spcBef>
                 <a:spcPts val="0"/>
               </a:spcBef>
@@ -8105,14 +8369,14 @@
             <a:avLst/>
           </a:prstGeom>
           <a:noFill/>
-          <a:ln cap="flat" cmpd="sng" w="9525">
+          <a:ln w="9525" cap="flat" cmpd="sng">
             <a:solidFill>
               <a:schemeClr val="dk2"/>
             </a:solidFill>
             <a:prstDash val="solid"/>
             <a:round/>
-            <a:headEnd len="med" w="med" type="none"/>
-            <a:tailEnd len="med" w="med" type="triangle"/>
+            <a:headEnd type="none" w="med" len="med"/>
+            <a:tailEnd type="triangle" w="med" len="med"/>
           </a:ln>
         </p:spPr>
       </p:cxnSp>
@@ -8121,15 +8385,22 @@
   <p:clrMapOvr>
     <a:masterClrMapping/>
   </p:clrMapOvr>
+  <p:timing>
+    <p:tnLst>
+      <p:par>
+        <p:cTn id="1" dur="indefinite" restart="never" nodeType="tmRoot"/>
+      </p:par>
+    </p:tnLst>
+  </p:timing>
 </p:sld>
 </file>
 
 <file path=ppt/slides/slide5.xml><?xml version="1.0" encoding="utf-8"?>
-<p:sld xmlns:a="http://schemas.openxmlformats.org/drawingml/2006/main" xmlns:r="http://schemas.openxmlformats.org/officeDocument/2006/relationships" xmlns:mc="http://schemas.openxmlformats.org/markup-compatibility/2006" xmlns:mv="urn:schemas-microsoft-com:mac:vml" xmlns:p="http://schemas.openxmlformats.org/presentationml/2006/main" xmlns:c="http://schemas.openxmlformats.org/drawingml/2006/chart" xmlns:dgm="http://schemas.openxmlformats.org/drawingml/2006/diagram" xmlns:o="urn:schemas-microsoft-com:office:office" xmlns:v="urn:schemas-microsoft-com:vml" xmlns:pvml="urn:schemas-microsoft-com:office:powerpoint" xmlns:com="http://schemas.openxmlformats.org/drawingml/2006/compatibility" xmlns:p14="http://schemas.microsoft.com/office/powerpoint/2010/main" xmlns:p15="http://schemas.microsoft.com/office/powerpoint/2012/main" xmlns:ahyp="http://schemas.microsoft.com/office/drawing/2018/hyperlinkcolor">
+<p:sld xmlns:a="http://schemas.openxmlformats.org/drawingml/2006/main" xmlns:r="http://schemas.openxmlformats.org/officeDocument/2006/relationships" xmlns:p="http://schemas.openxmlformats.org/presentationml/2006/main">
   <p:cSld>
     <p:spTree>
       <p:nvGrpSpPr>
-        <p:cNvPr id="113" name="Shape 113"/>
+        <p:cNvPr id="1" name="Shape 113"/>
         <p:cNvGrpSpPr/>
         <p:nvPr/>
       </p:nvGrpSpPr>
@@ -8144,7 +8415,9 @@
       <p:sp>
         <p:nvSpPr>
           <p:cNvPr id="114" name="Google Shape;114;p17"/>
-          <p:cNvSpPr txBox="1"/>
+          <p:cNvSpPr txBox="1">
+            <a:spLocks noGrp="1"/>
+          </p:cNvSpPr>
           <p:nvPr>
             <p:ph type="title"/>
           </p:nvPr>
@@ -8159,12 +8432,12 @@
           </a:prstGeom>
         </p:spPr>
         <p:txBody>
-          <a:bodyPr anchorCtr="0" anchor="t" bIns="91425" lIns="91425" spcFirstLastPara="1" rIns="91425" wrap="square" tIns="91425">
+          <a:bodyPr spcFirstLastPara="1" wrap="square" lIns="91425" tIns="91425" rIns="91425" bIns="91425" anchor="t" anchorCtr="0">
             <a:noAutofit/>
           </a:bodyPr>
           <a:lstStyle/>
           <a:p>
-            <a:pPr indent="0" lvl="0" marL="0" rtl="0" algn="l">
+            <a:pPr marL="0" lvl="0" indent="0" algn="l" rtl="0">
               <a:spcBef>
                 <a:spcPts val="0"/>
               </a:spcBef>
@@ -8185,9 +8458,11 @@
       <p:sp>
         <p:nvSpPr>
           <p:cNvPr id="115" name="Google Shape;115;p17"/>
-          <p:cNvSpPr txBox="1"/>
+          <p:cNvSpPr txBox="1">
+            <a:spLocks noGrp="1"/>
+          </p:cNvSpPr>
           <p:nvPr>
-            <p:ph idx="1" type="body"/>
+            <p:ph type="body" idx="1"/>
           </p:nvPr>
         </p:nvSpPr>
         <p:spPr>
@@ -8200,12 +8475,12 @@
           </a:prstGeom>
         </p:spPr>
         <p:txBody>
-          <a:bodyPr anchorCtr="0" anchor="t" bIns="91425" lIns="91425" spcFirstLastPara="1" rIns="91425" wrap="square" tIns="91425">
-            <a:normAutofit/>
+          <a:bodyPr spcFirstLastPara="1" wrap="square" lIns="91425" tIns="91425" rIns="91425" bIns="91425" anchor="t" anchorCtr="0">
+            <a:normAutofit fontScale="92500" lnSpcReduction="20000"/>
           </a:bodyPr>
           <a:lstStyle/>
           <a:p>
-            <a:pPr indent="0" lvl="0" marL="0" rtl="0" algn="l">
+            <a:pPr marL="0" lvl="0" indent="0" algn="l" rtl="0">
               <a:spcBef>
                 <a:spcPts val="0"/>
               </a:spcBef>
@@ -8239,23 +8514,23 @@
           <a:solidFill>
             <a:schemeClr val="accent3"/>
           </a:solidFill>
-          <a:ln cap="flat" cmpd="sng" w="9525">
+          <a:ln w="9525" cap="flat" cmpd="sng">
             <a:solidFill>
               <a:schemeClr val="dk2"/>
             </a:solidFill>
             <a:prstDash val="solid"/>
             <a:round/>
-            <a:headEnd len="sm" w="sm" type="none"/>
-            <a:tailEnd len="sm" w="sm" type="none"/>
+            <a:headEnd type="none" w="sm" len="sm"/>
+            <a:tailEnd type="none" w="sm" len="sm"/>
           </a:ln>
         </p:spPr>
         <p:txBody>
-          <a:bodyPr anchorCtr="0" anchor="ctr" bIns="91425" lIns="91425" spcFirstLastPara="1" rIns="91425" wrap="square" tIns="91425">
+          <a:bodyPr spcFirstLastPara="1" wrap="square" lIns="91425" tIns="91425" rIns="91425" bIns="91425" anchor="ctr" anchorCtr="0">
             <a:noAutofit/>
           </a:bodyPr>
           <a:lstStyle/>
           <a:p>
-            <a:pPr indent="0" lvl="0" marL="0" rtl="0" algn="l">
+            <a:pPr marL="0" lvl="0" indent="0" algn="l" rtl="0">
               <a:spcBef>
                 <a:spcPts val="0"/>
               </a:spcBef>
@@ -8264,9 +8539,6 @@
               </a:spcAft>
               <a:buNone/>
             </a:pPr>
-            <a:r>
-              <a:t/>
-            </a:r>
             <a:endParaRPr/>
           </a:p>
         </p:txBody>
@@ -8319,12 +8591,12 @@
           </a:ln>
         </p:spPr>
         <p:txBody>
-          <a:bodyPr anchorCtr="0" anchor="t" bIns="91425" lIns="91425" spcFirstLastPara="1" rIns="91425" wrap="square" tIns="91425">
+          <a:bodyPr spcFirstLastPara="1" wrap="square" lIns="91425" tIns="91425" rIns="91425" bIns="91425" anchor="t" anchorCtr="0">
             <a:spAutoFit/>
           </a:bodyPr>
           <a:lstStyle/>
           <a:p>
-            <a:pPr indent="0" lvl="0" marL="0" rtl="0" algn="l">
+            <a:pPr marL="0" lvl="0" indent="0" algn="l" rtl="0">
               <a:spcBef>
                 <a:spcPts val="0"/>
               </a:spcBef>
@@ -8360,9 +8632,11 @@
       <p:sp>
         <p:nvSpPr>
           <p:cNvPr id="119" name="Google Shape;119;p17"/>
-          <p:cNvSpPr txBox="1"/>
+          <p:cNvSpPr txBox="1">
+            <a:spLocks noGrp="1"/>
+          </p:cNvSpPr>
           <p:nvPr>
-            <p:ph idx="1" type="body"/>
+            <p:ph type="body" idx="1"/>
           </p:nvPr>
         </p:nvSpPr>
         <p:spPr>
@@ -8375,12 +8649,12 @@
           </a:prstGeom>
         </p:spPr>
         <p:txBody>
-          <a:bodyPr anchorCtr="0" anchor="t" bIns="91425" lIns="91425" spcFirstLastPara="1" rIns="91425" wrap="square" tIns="91425">
-            <a:normAutofit fontScale="85000" lnSpcReduction="10000"/>
+          <a:bodyPr spcFirstLastPara="1" wrap="square" lIns="91425" tIns="91425" rIns="91425" bIns="91425" anchor="t" anchorCtr="0">
+            <a:normAutofit fontScale="70000" lnSpcReduction="20000"/>
           </a:bodyPr>
           <a:lstStyle/>
           <a:p>
-            <a:pPr indent="0" lvl="0" marL="0" rtl="0" algn="l">
+            <a:pPr marL="0" lvl="0" indent="0" algn="l" rtl="0">
               <a:spcBef>
                 <a:spcPts val="0"/>
               </a:spcBef>
@@ -8400,9 +8674,11 @@
       <p:sp>
         <p:nvSpPr>
           <p:cNvPr id="120" name="Google Shape;120;p17"/>
-          <p:cNvSpPr txBox="1"/>
+          <p:cNvSpPr txBox="1">
+            <a:spLocks noGrp="1"/>
+          </p:cNvSpPr>
           <p:nvPr>
-            <p:ph idx="1" type="body"/>
+            <p:ph type="body" idx="1"/>
           </p:nvPr>
         </p:nvSpPr>
         <p:spPr>
@@ -8415,12 +8691,12 @@
           </a:prstGeom>
         </p:spPr>
         <p:txBody>
-          <a:bodyPr anchorCtr="0" anchor="t" bIns="91425" lIns="91425" spcFirstLastPara="1" rIns="91425" wrap="square" tIns="91425">
+          <a:bodyPr spcFirstLastPara="1" wrap="square" lIns="91425" tIns="91425" rIns="91425" bIns="91425" anchor="t" anchorCtr="0">
             <a:normAutofit/>
           </a:bodyPr>
           <a:lstStyle/>
           <a:p>
-            <a:pPr indent="0" lvl="0" marL="0" rtl="0" algn="l">
+            <a:pPr marL="0" lvl="0" indent="0" algn="l" rtl="0">
               <a:spcBef>
                 <a:spcPts val="0"/>
               </a:spcBef>
@@ -8610,15 +8886,22 @@
   <p:clrMapOvr>
     <a:masterClrMapping/>
   </p:clrMapOvr>
+  <p:timing>
+    <p:tnLst>
+      <p:par>
+        <p:cTn id="1" dur="indefinite" restart="never" nodeType="tmRoot"/>
+      </p:par>
+    </p:tnLst>
+  </p:timing>
 </p:sld>
 </file>
 
 <file path=ppt/slides/slide6.xml><?xml version="1.0" encoding="utf-8"?>
-<p:sld xmlns:a="http://schemas.openxmlformats.org/drawingml/2006/main" xmlns:r="http://schemas.openxmlformats.org/officeDocument/2006/relationships" xmlns:mc="http://schemas.openxmlformats.org/markup-compatibility/2006" xmlns:mv="urn:schemas-microsoft-com:mac:vml" xmlns:p="http://schemas.openxmlformats.org/presentationml/2006/main" xmlns:c="http://schemas.openxmlformats.org/drawingml/2006/chart" xmlns:dgm="http://schemas.openxmlformats.org/drawingml/2006/diagram" xmlns:o="urn:schemas-microsoft-com:office:office" xmlns:v="urn:schemas-microsoft-com:vml" xmlns:pvml="urn:schemas-microsoft-com:office:powerpoint" xmlns:com="http://schemas.openxmlformats.org/drawingml/2006/compatibility" xmlns:p14="http://schemas.microsoft.com/office/powerpoint/2010/main" xmlns:p15="http://schemas.microsoft.com/office/powerpoint/2012/main" xmlns:ahyp="http://schemas.microsoft.com/office/drawing/2018/hyperlinkcolor">
+<p:sld xmlns:a="http://schemas.openxmlformats.org/drawingml/2006/main" xmlns:r="http://schemas.openxmlformats.org/officeDocument/2006/relationships" xmlns:p="http://schemas.openxmlformats.org/presentationml/2006/main">
   <p:cSld>
     <p:spTree>
       <p:nvGrpSpPr>
-        <p:cNvPr id="130" name="Shape 130"/>
+        <p:cNvPr id="1" name="Shape 130"/>
         <p:cNvGrpSpPr/>
         <p:nvPr/>
       </p:nvGrpSpPr>
@@ -8661,7 +8944,9 @@
       <p:sp>
         <p:nvSpPr>
           <p:cNvPr id="132" name="Google Shape;132;p18"/>
-          <p:cNvSpPr txBox="1"/>
+          <p:cNvSpPr txBox="1">
+            <a:spLocks noGrp="1"/>
+          </p:cNvSpPr>
           <p:nvPr>
             <p:ph type="title"/>
           </p:nvPr>
@@ -8676,12 +8961,12 @@
           </a:prstGeom>
         </p:spPr>
         <p:txBody>
-          <a:bodyPr anchorCtr="0" anchor="t" bIns="91425" lIns="91425" spcFirstLastPara="1" rIns="91425" wrap="square" tIns="91425">
+          <a:bodyPr spcFirstLastPara="1" wrap="square" lIns="91425" tIns="91425" rIns="91425" bIns="91425" anchor="t" anchorCtr="0">
             <a:noAutofit/>
           </a:bodyPr>
           <a:lstStyle/>
           <a:p>
-            <a:pPr indent="0" lvl="0" marL="0" rtl="0" algn="l">
+            <a:pPr marL="0" lvl="0" indent="0" algn="l" rtl="0">
               <a:spcBef>
                 <a:spcPts val="0"/>
               </a:spcBef>
@@ -8716,23 +9001,23 @@
           <a:solidFill>
             <a:schemeClr val="accent3"/>
           </a:solidFill>
-          <a:ln cap="flat" cmpd="sng" w="9525">
+          <a:ln w="9525" cap="flat" cmpd="sng">
             <a:solidFill>
               <a:schemeClr val="dk2"/>
             </a:solidFill>
             <a:prstDash val="solid"/>
             <a:round/>
-            <a:headEnd len="sm" w="sm" type="none"/>
-            <a:tailEnd len="sm" w="sm" type="none"/>
+            <a:headEnd type="none" w="sm" len="sm"/>
+            <a:tailEnd type="none" w="sm" len="sm"/>
           </a:ln>
         </p:spPr>
         <p:txBody>
-          <a:bodyPr anchorCtr="0" anchor="ctr" bIns="91425" lIns="91425" spcFirstLastPara="1" rIns="91425" wrap="square" tIns="91425">
+          <a:bodyPr spcFirstLastPara="1" wrap="square" lIns="91425" tIns="91425" rIns="91425" bIns="91425" anchor="ctr" anchorCtr="0">
             <a:noAutofit/>
           </a:bodyPr>
           <a:lstStyle/>
           <a:p>
-            <a:pPr indent="0" lvl="0" marL="0" rtl="0" algn="l">
+            <a:pPr marL="0" lvl="0" indent="0" algn="l" rtl="0">
               <a:spcBef>
                 <a:spcPts val="0"/>
               </a:spcBef>
@@ -8741,9 +9026,6 @@
               </a:spcAft>
               <a:buNone/>
             </a:pPr>
-            <a:r>
-              <a:t/>
-            </a:r>
             <a:endParaRPr/>
           </a:p>
         </p:txBody>
@@ -8796,12 +9078,12 @@
           </a:ln>
         </p:spPr>
         <p:txBody>
-          <a:bodyPr anchorCtr="0" anchor="t" bIns="91425" lIns="91425" spcFirstLastPara="1" rIns="91425" wrap="square" tIns="91425">
+          <a:bodyPr spcFirstLastPara="1" wrap="square" lIns="91425" tIns="91425" rIns="91425" bIns="91425" anchor="t" anchorCtr="0">
             <a:spAutoFit/>
           </a:bodyPr>
           <a:lstStyle/>
           <a:p>
-            <a:pPr indent="0" lvl="0" marL="0" rtl="0" algn="l">
+            <a:pPr marL="0" lvl="0" indent="0" algn="l" rtl="0">
               <a:spcBef>
                 <a:spcPts val="0"/>
               </a:spcBef>
@@ -8851,23 +9133,23 @@
           <a:solidFill>
             <a:schemeClr val="lt1"/>
           </a:solidFill>
-          <a:ln cap="flat" cmpd="sng" w="9525">
+          <a:ln w="9525" cap="flat" cmpd="sng">
             <a:solidFill>
               <a:schemeClr val="dk1"/>
             </a:solidFill>
             <a:prstDash val="solid"/>
             <a:round/>
-            <a:headEnd len="sm" w="sm" type="none"/>
-            <a:tailEnd len="sm" w="sm" type="none"/>
+            <a:headEnd type="none" w="sm" len="sm"/>
+            <a:tailEnd type="none" w="sm" len="sm"/>
           </a:ln>
         </p:spPr>
         <p:txBody>
-          <a:bodyPr anchorCtr="0" anchor="t" bIns="91425" lIns="91425" spcFirstLastPara="1" rIns="91425" wrap="square" tIns="91425">
+          <a:bodyPr spcFirstLastPara="1" wrap="square" lIns="91425" tIns="91425" rIns="91425" bIns="91425" anchor="t" anchorCtr="0">
             <a:spAutoFit/>
           </a:bodyPr>
           <a:lstStyle/>
           <a:p>
-            <a:pPr indent="0" lvl="0" marL="0" rtl="0" algn="l">
+            <a:pPr marL="0" lvl="0" indent="0" algn="l" rtl="0">
               <a:spcBef>
                 <a:spcPts val="0"/>
               </a:spcBef>
@@ -8883,7 +9165,7 @@
             <a:endParaRPr sz="1000"/>
           </a:p>
           <a:p>
-            <a:pPr indent="0" lvl="0" marL="0" rtl="0" algn="l">
+            <a:pPr marL="0" lvl="0" indent="0" algn="l" rtl="0">
               <a:spcBef>
                 <a:spcPts val="0"/>
               </a:spcBef>
@@ -8892,13 +9174,10 @@
               </a:spcAft>
               <a:buNone/>
             </a:pPr>
-            <a:r>
-              <a:t/>
-            </a:r>
             <a:endParaRPr sz="1000"/>
           </a:p>
           <a:p>
-            <a:pPr indent="0" lvl="0" marL="0" rtl="0" algn="l">
+            <a:pPr marL="0" lvl="0" indent="0" algn="l" rtl="0">
               <a:spcBef>
                 <a:spcPts val="0"/>
               </a:spcBef>
@@ -8914,7 +9193,7 @@
             <a:endParaRPr sz="1000"/>
           </a:p>
           <a:p>
-            <a:pPr indent="0" lvl="0" marL="0" rtl="0" algn="l">
+            <a:pPr marL="0" lvl="0" indent="0" algn="l" rtl="0">
               <a:spcBef>
                 <a:spcPts val="0"/>
               </a:spcBef>
@@ -8923,13 +9202,10 @@
               </a:spcAft>
               <a:buNone/>
             </a:pPr>
-            <a:r>
-              <a:t/>
-            </a:r>
             <a:endParaRPr sz="1000"/>
           </a:p>
           <a:p>
-            <a:pPr indent="0" lvl="0" marL="0" rtl="0" algn="l">
+            <a:pPr marL="0" lvl="0" indent="0" algn="l" rtl="0">
               <a:spcBef>
                 <a:spcPts val="0"/>
               </a:spcBef>
@@ -8940,11 +9216,7 @@
             </a:pPr>
             <a:r>
               <a:rPr lang="en" sz="1000"/>
-              <a:t>Since disaggregated mobility and NO2 data are available for all countries, MAQI can easily be adapted for use for any country or location. These datasets  can </a:t>
-            </a:r>
-            <a:r>
-              <a:rPr lang="en" sz="1000"/>
-              <a:t>easily be integrated onto EO Dashboard with aligned spatial resolution (daily) and aggregation (region or state level) for better insight.</a:t>
+              <a:t>Since disaggregated mobility and NO2 data are available for all countries, MAQI can easily be adapted for use for any country or location. These datasets  can easily be integrated onto EO Dashboard with aligned spatial resolution (daily) and aggregation (region or state level) for better insight.</a:t>
             </a:r>
             <a:endParaRPr sz="1000"/>
           </a:p>
@@ -8967,23 +9239,23 @@
           <a:solidFill>
             <a:schemeClr val="lt1"/>
           </a:solidFill>
-          <a:ln cap="flat" cmpd="sng" w="9525">
+          <a:ln w="9525" cap="flat" cmpd="sng">
             <a:solidFill>
               <a:schemeClr val="dk1"/>
             </a:solidFill>
             <a:prstDash val="solid"/>
             <a:round/>
-            <a:headEnd len="sm" w="sm" type="none"/>
-            <a:tailEnd len="sm" w="sm" type="none"/>
+            <a:headEnd type="none" w="sm" len="sm"/>
+            <a:tailEnd type="none" w="sm" len="sm"/>
           </a:ln>
         </p:spPr>
         <p:txBody>
-          <a:bodyPr anchorCtr="0" anchor="t" bIns="91425" lIns="91425" spcFirstLastPara="1" rIns="91425" wrap="square" tIns="91425">
+          <a:bodyPr spcFirstLastPara="1" wrap="square" lIns="91425" tIns="91425" rIns="91425" bIns="91425" anchor="t" anchorCtr="0">
             <a:spAutoFit/>
           </a:bodyPr>
           <a:lstStyle/>
           <a:p>
-            <a:pPr indent="0" lvl="0" marL="0" rtl="0" algn="ctr">
+            <a:pPr marL="0" lvl="0" indent="0" algn="ctr" rtl="0">
               <a:spcBef>
                 <a:spcPts val="0"/>
               </a:spcBef>
@@ -9017,23 +9289,23 @@
           <a:solidFill>
             <a:schemeClr val="lt1"/>
           </a:solidFill>
-          <a:ln cap="flat" cmpd="sng" w="9525">
+          <a:ln w="9525" cap="flat" cmpd="sng">
             <a:solidFill>
               <a:schemeClr val="dk1"/>
             </a:solidFill>
             <a:prstDash val="solid"/>
             <a:round/>
-            <a:headEnd len="sm" w="sm" type="none"/>
-            <a:tailEnd len="sm" w="sm" type="none"/>
+            <a:headEnd type="none" w="sm" len="sm"/>
+            <a:tailEnd type="none" w="sm" len="sm"/>
           </a:ln>
         </p:spPr>
         <p:txBody>
-          <a:bodyPr anchorCtr="0" anchor="t" bIns="91425" lIns="91425" spcFirstLastPara="1" rIns="91425" wrap="square" tIns="91425">
+          <a:bodyPr spcFirstLastPara="1" wrap="square" lIns="91425" tIns="91425" rIns="91425" bIns="91425" anchor="t" anchorCtr="0">
             <a:spAutoFit/>
           </a:bodyPr>
           <a:lstStyle/>
           <a:p>
-            <a:pPr indent="0" lvl="0" marL="0" rtl="0" algn="ctr">
+            <a:pPr marL="0" lvl="0" indent="0" algn="ctr" rtl="0">
               <a:spcBef>
                 <a:spcPts val="0"/>
               </a:spcBef>
@@ -9044,11 +9316,7 @@
             </a:pPr>
             <a:r>
               <a:rPr lang="en" sz="800"/>
-              <a:t>Low </a:t>
-            </a:r>
-            <a:r>
-              <a:rPr lang="en" sz="800"/>
-              <a:t>MAQI (more pollution vs. mobility)</a:t>
+              <a:t>Low MAQI (more pollution vs. mobility)</a:t>
             </a:r>
             <a:endParaRPr sz="800"/>
           </a:p>
@@ -9087,15 +9355,392 @@
   <p:clrMapOvr>
     <a:masterClrMapping/>
   </p:clrMapOvr>
+  <p:timing>
+    <p:tnLst>
+      <p:par>
+        <p:cTn id="1" dur="indefinite" restart="never" nodeType="tmRoot"/>
+      </p:par>
+    </p:tnLst>
+  </p:timing>
 </p:sld>
 </file>
 
 <file path=ppt/slides/slide7.xml><?xml version="1.0" encoding="utf-8"?>
-<p:sld xmlns:a="http://schemas.openxmlformats.org/drawingml/2006/main" xmlns:r="http://schemas.openxmlformats.org/officeDocument/2006/relationships" xmlns:mc="http://schemas.openxmlformats.org/markup-compatibility/2006" xmlns:mv="urn:schemas-microsoft-com:mac:vml" xmlns:p="http://schemas.openxmlformats.org/presentationml/2006/main" xmlns:c="http://schemas.openxmlformats.org/drawingml/2006/chart" xmlns:dgm="http://schemas.openxmlformats.org/drawingml/2006/diagram" xmlns:o="urn:schemas-microsoft-com:office:office" xmlns:v="urn:schemas-microsoft-com:vml" xmlns:pvml="urn:schemas-microsoft-com:office:powerpoint" xmlns:com="http://schemas.openxmlformats.org/drawingml/2006/compatibility" xmlns:p14="http://schemas.microsoft.com/office/powerpoint/2010/main" xmlns:p15="http://schemas.microsoft.com/office/powerpoint/2012/main" xmlns:ahyp="http://schemas.microsoft.com/office/drawing/2018/hyperlinkcolor">
+<p:sld xmlns:a="http://schemas.openxmlformats.org/drawingml/2006/main" xmlns:r="http://schemas.openxmlformats.org/officeDocument/2006/relationships" xmlns:p="http://schemas.openxmlformats.org/presentationml/2006/main">
   <p:cSld>
     <p:spTree>
       <p:nvGrpSpPr>
-        <p:cNvPr id="143" name="Shape 143"/>
+        <p:cNvPr id="1" name="Shape 130"/>
+        <p:cNvGrpSpPr/>
+        <p:nvPr/>
+      </p:nvGrpSpPr>
+      <p:grpSpPr>
+        <a:xfrm>
+          <a:off x="0" y="0"/>
+          <a:ext cx="0" cy="0"/>
+          <a:chOff x="0" y="0"/>
+          <a:chExt cx="0" cy="0"/>
+        </a:xfrm>
+      </p:grpSpPr>
+      <p:pic>
+        <p:nvPicPr>
+          <p:cNvPr id="131" name="Google Shape;131;p18"/>
+          <p:cNvPicPr preferRelativeResize="0"/>
+          <p:nvPr/>
+        </p:nvPicPr>
+        <p:blipFill>
+          <a:blip r:embed="rId3">
+            <a:alphaModFix/>
+          </a:blip>
+          <a:stretch>
+            <a:fillRect/>
+          </a:stretch>
+        </p:blipFill>
+        <p:spPr>
+          <a:xfrm>
+            <a:off x="201923" y="1466525"/>
+            <a:ext cx="5943855" cy="3524574"/>
+          </a:xfrm>
+          <a:prstGeom prst="rect">
+            <a:avLst/>
+          </a:prstGeom>
+          <a:noFill/>
+          <a:ln>
+            <a:noFill/>
+          </a:ln>
+        </p:spPr>
+      </p:pic>
+      <p:sp>
+        <p:nvSpPr>
+          <p:cNvPr id="132" name="Google Shape;132;p18"/>
+          <p:cNvSpPr txBox="1">
+            <a:spLocks noGrp="1"/>
+          </p:cNvSpPr>
+          <p:nvPr>
+            <p:ph type="title"/>
+          </p:nvPr>
+        </p:nvSpPr>
+        <p:spPr>
+          <a:xfrm>
+            <a:off x="320425" y="812425"/>
+            <a:ext cx="8511900" cy="572700"/>
+          </a:xfrm>
+          <a:prstGeom prst="rect">
+            <a:avLst/>
+          </a:prstGeom>
+        </p:spPr>
+        <p:txBody>
+          <a:bodyPr spcFirstLastPara="1" wrap="square" lIns="91425" tIns="91425" rIns="91425" bIns="91425" anchor="t" anchorCtr="0">
+            <a:noAutofit/>
+          </a:bodyPr>
+          <a:lstStyle/>
+          <a:p>
+            <a:pPr marL="0" lvl="0" indent="0" algn="l" rtl="0">
+              <a:spcBef>
+                <a:spcPts val="0"/>
+              </a:spcBef>
+              <a:spcAft>
+                <a:spcPts val="0"/>
+              </a:spcAft>
+              <a:buSzPts val="990"/>
+              <a:buNone/>
+            </a:pPr>
+            <a:r>
+              <a:rPr lang="en" sz="2000"/>
+              <a:t>Impact and usage of MAQI</a:t>
+            </a:r>
+            <a:endParaRPr sz="2000"/>
+          </a:p>
+        </p:txBody>
+      </p:sp>
+      <p:sp>
+        <p:nvSpPr>
+          <p:cNvPr id="133" name="Google Shape;133;p18"/>
+          <p:cNvSpPr/>
+          <p:nvPr/>
+        </p:nvSpPr>
+        <p:spPr>
+          <a:xfrm>
+            <a:off x="25" y="5600"/>
+            <a:ext cx="9144000" cy="507900"/>
+          </a:xfrm>
+          <a:prstGeom prst="rect">
+            <a:avLst/>
+          </a:prstGeom>
+          <a:solidFill>
+            <a:schemeClr val="accent3"/>
+          </a:solidFill>
+          <a:ln w="9525" cap="flat" cmpd="sng">
+            <a:solidFill>
+              <a:schemeClr val="dk2"/>
+            </a:solidFill>
+            <a:prstDash val="solid"/>
+            <a:round/>
+            <a:headEnd type="none" w="sm" len="sm"/>
+            <a:tailEnd type="none" w="sm" len="sm"/>
+          </a:ln>
+        </p:spPr>
+        <p:txBody>
+          <a:bodyPr spcFirstLastPara="1" wrap="square" lIns="91425" tIns="91425" rIns="91425" bIns="91425" anchor="ctr" anchorCtr="0">
+            <a:noAutofit/>
+          </a:bodyPr>
+          <a:lstStyle/>
+          <a:p>
+            <a:pPr marL="0" lvl="0" indent="0" algn="l" rtl="0">
+              <a:spcBef>
+                <a:spcPts val="0"/>
+              </a:spcBef>
+              <a:spcAft>
+                <a:spcPts val="0"/>
+              </a:spcAft>
+              <a:buNone/>
+            </a:pPr>
+            <a:endParaRPr/>
+          </a:p>
+        </p:txBody>
+      </p:sp>
+      <p:pic>
+        <p:nvPicPr>
+          <p:cNvPr id="134" name="Google Shape;134;p18"/>
+          <p:cNvPicPr preferRelativeResize="0"/>
+          <p:nvPr/>
+        </p:nvPicPr>
+        <p:blipFill>
+          <a:blip r:embed="rId4">
+            <a:alphaModFix/>
+          </a:blip>
+          <a:stretch>
+            <a:fillRect/>
+          </a:stretch>
+        </p:blipFill>
+        <p:spPr>
+          <a:xfrm>
+            <a:off x="55050" y="42275"/>
+            <a:ext cx="770150" cy="770150"/>
+          </a:xfrm>
+          <a:prstGeom prst="rect">
+            <a:avLst/>
+          </a:prstGeom>
+          <a:noFill/>
+          <a:ln>
+            <a:noFill/>
+          </a:ln>
+        </p:spPr>
+      </p:pic>
+      <p:sp>
+        <p:nvSpPr>
+          <p:cNvPr id="135" name="Google Shape;135;p18"/>
+          <p:cNvSpPr txBox="1"/>
+          <p:nvPr/>
+        </p:nvSpPr>
+        <p:spPr>
+          <a:xfrm>
+            <a:off x="880200" y="42275"/>
+            <a:ext cx="4711800" cy="477000"/>
+          </a:xfrm>
+          <a:prstGeom prst="rect">
+            <a:avLst/>
+          </a:prstGeom>
+          <a:noFill/>
+          <a:ln>
+            <a:noFill/>
+          </a:ln>
+        </p:spPr>
+        <p:txBody>
+          <a:bodyPr spcFirstLastPara="1" wrap="square" lIns="91425" tIns="91425" rIns="91425" bIns="91425" anchor="t" anchorCtr="0">
+            <a:spAutoFit/>
+          </a:bodyPr>
+          <a:lstStyle/>
+          <a:p>
+            <a:pPr marL="0" lvl="0" indent="0" algn="l" rtl="0">
+              <a:spcBef>
+                <a:spcPts val="0"/>
+              </a:spcBef>
+              <a:spcAft>
+                <a:spcPts val="0"/>
+              </a:spcAft>
+              <a:buNone/>
+            </a:pPr>
+            <a:r>
+              <a:rPr lang="en" sz="1900">
+                <a:solidFill>
+                  <a:schemeClr val="accent6"/>
+                </a:solidFill>
+                <a:latin typeface="Montserrat"/>
+                <a:ea typeface="Montserrat"/>
+                <a:cs typeface="Montserrat"/>
+                <a:sym typeface="Montserrat"/>
+              </a:rPr>
+              <a:t>Mobility over Air Quality Index (MAQI)</a:t>
+            </a:r>
+            <a:endParaRPr sz="1900">
+              <a:solidFill>
+                <a:schemeClr val="accent6"/>
+              </a:solidFill>
+              <a:latin typeface="Montserrat"/>
+              <a:ea typeface="Montserrat"/>
+              <a:cs typeface="Montserrat"/>
+              <a:sym typeface="Montserrat"/>
+            </a:endParaRPr>
+          </a:p>
+        </p:txBody>
+      </p:sp>
+      <p:sp>
+        <p:nvSpPr>
+          <p:cNvPr id="137" name="Google Shape;137;p18"/>
+          <p:cNvSpPr txBox="1"/>
+          <p:nvPr/>
+        </p:nvSpPr>
+        <p:spPr>
+          <a:xfrm>
+            <a:off x="3691250" y="1296500"/>
+            <a:ext cx="2206800" cy="307800"/>
+          </a:xfrm>
+          <a:prstGeom prst="rect">
+            <a:avLst/>
+          </a:prstGeom>
+          <a:solidFill>
+            <a:schemeClr val="lt1"/>
+          </a:solidFill>
+          <a:ln w="9525" cap="flat" cmpd="sng">
+            <a:solidFill>
+              <a:schemeClr val="dk1"/>
+            </a:solidFill>
+            <a:prstDash val="solid"/>
+            <a:round/>
+            <a:headEnd type="none" w="sm" len="sm"/>
+            <a:tailEnd type="none" w="sm" len="sm"/>
+          </a:ln>
+        </p:spPr>
+        <p:txBody>
+          <a:bodyPr spcFirstLastPara="1" wrap="square" lIns="91425" tIns="91425" rIns="91425" bIns="91425" anchor="t" anchorCtr="0">
+            <a:spAutoFit/>
+          </a:bodyPr>
+          <a:lstStyle/>
+          <a:p>
+            <a:pPr marL="0" lvl="0" indent="0" algn="ctr" rtl="0">
+              <a:spcBef>
+                <a:spcPts val="0"/>
+              </a:spcBef>
+              <a:spcAft>
+                <a:spcPts val="0"/>
+              </a:spcAft>
+              <a:buNone/>
+            </a:pPr>
+            <a:r>
+              <a:rPr lang="en" sz="800"/>
+              <a:t>High MAQI (more mobility vs. pollution)</a:t>
+            </a:r>
+            <a:endParaRPr sz="800"/>
+          </a:p>
+        </p:txBody>
+      </p:sp>
+      <p:sp>
+        <p:nvSpPr>
+          <p:cNvPr id="138" name="Google Shape;138;p18"/>
+          <p:cNvSpPr txBox="1"/>
+          <p:nvPr/>
+        </p:nvSpPr>
+        <p:spPr>
+          <a:xfrm>
+            <a:off x="3737375" y="3914375"/>
+            <a:ext cx="2206800" cy="307800"/>
+          </a:xfrm>
+          <a:prstGeom prst="rect">
+            <a:avLst/>
+          </a:prstGeom>
+          <a:solidFill>
+            <a:schemeClr val="lt1"/>
+          </a:solidFill>
+          <a:ln w="9525" cap="flat" cmpd="sng">
+            <a:solidFill>
+              <a:schemeClr val="dk1"/>
+            </a:solidFill>
+            <a:prstDash val="solid"/>
+            <a:round/>
+            <a:headEnd type="none" w="sm" len="sm"/>
+            <a:tailEnd type="none" w="sm" len="sm"/>
+          </a:ln>
+        </p:spPr>
+        <p:txBody>
+          <a:bodyPr spcFirstLastPara="1" wrap="square" lIns="91425" tIns="91425" rIns="91425" bIns="91425" anchor="t" anchorCtr="0">
+            <a:spAutoFit/>
+          </a:bodyPr>
+          <a:lstStyle/>
+          <a:p>
+            <a:pPr marL="0" lvl="0" indent="0" algn="ctr" rtl="0">
+              <a:spcBef>
+                <a:spcPts val="0"/>
+              </a:spcBef>
+              <a:spcAft>
+                <a:spcPts val="0"/>
+              </a:spcAft>
+              <a:buNone/>
+            </a:pPr>
+            <a:r>
+              <a:rPr lang="en" sz="800"/>
+              <a:t>Low MAQI (more pollution vs. mobility)</a:t>
+            </a:r>
+            <a:endParaRPr sz="800"/>
+          </a:p>
+        </p:txBody>
+      </p:sp>
+      <p:pic>
+        <p:nvPicPr>
+          <p:cNvPr id="2" name="Picture 1"/>
+          <p:cNvPicPr>
+            <a:picLocks noChangeAspect="1"/>
+          </p:cNvPicPr>
+          <p:nvPr/>
+        </p:nvPicPr>
+        <p:blipFill>
+          <a:blip r:embed="rId5">
+            <a:extLst>
+              <a:ext uri="{28A0092B-C50C-407E-A947-70E740481C1C}">
+                <a14:useLocalDpi xmlns:a14="http://schemas.microsoft.com/office/drawing/2010/main" val="0"/>
+              </a:ext>
+            </a:extLst>
+          </a:blip>
+          <a:stretch>
+            <a:fillRect/>
+          </a:stretch>
+        </p:blipFill>
+        <p:spPr>
+          <a:xfrm>
+            <a:off x="6145778" y="1466525"/>
+            <a:ext cx="2945191" cy="3524573"/>
+          </a:xfrm>
+          <a:prstGeom prst="rect">
+            <a:avLst/>
+          </a:prstGeom>
+        </p:spPr>
+      </p:pic>
+    </p:spTree>
+    <p:extLst>
+      <p:ext uri="{BB962C8B-B14F-4D97-AF65-F5344CB8AC3E}">
+        <p14:creationId xmlns:p14="http://schemas.microsoft.com/office/powerpoint/2010/main" val="238060795"/>
+      </p:ext>
+    </p:extLst>
+  </p:cSld>
+  <p:clrMapOvr>
+    <a:masterClrMapping/>
+  </p:clrMapOvr>
+  <p:timing>
+    <p:tnLst>
+      <p:par>
+        <p:cTn id="1" dur="indefinite" restart="never" nodeType="tmRoot"/>
+      </p:par>
+    </p:tnLst>
+  </p:timing>
+</p:sld>
+</file>
+
+<file path=ppt/slides/slide8.xml><?xml version="1.0" encoding="utf-8"?>
+<p:sld xmlns:a="http://schemas.openxmlformats.org/drawingml/2006/main" xmlns:r="http://schemas.openxmlformats.org/officeDocument/2006/relationships" xmlns:p="http://schemas.openxmlformats.org/presentationml/2006/main">
+  <p:cSld>
+    <p:spTree>
+      <p:nvGrpSpPr>
+        <p:cNvPr id="1" name="Shape 143"/>
         <p:cNvGrpSpPr/>
         <p:nvPr/>
       </p:nvGrpSpPr>
@@ -9110,7 +9755,9 @@
       <p:sp>
         <p:nvSpPr>
           <p:cNvPr id="144" name="Google Shape;144;p19"/>
-          <p:cNvSpPr txBox="1"/>
+          <p:cNvSpPr txBox="1">
+            <a:spLocks noGrp="1"/>
+          </p:cNvSpPr>
           <p:nvPr>
             <p:ph type="title"/>
           </p:nvPr>
@@ -9125,12 +9772,12 @@
           </a:prstGeom>
         </p:spPr>
         <p:txBody>
-          <a:bodyPr anchorCtr="0" anchor="t" bIns="91425" lIns="91425" spcFirstLastPara="1" rIns="91425" wrap="square" tIns="91425">
+          <a:bodyPr spcFirstLastPara="1" wrap="square" lIns="91425" tIns="91425" rIns="91425" bIns="91425" anchor="t" anchorCtr="0">
             <a:normAutofit fontScale="90000"/>
           </a:bodyPr>
           <a:lstStyle/>
           <a:p>
-            <a:pPr indent="0" lvl="0" marL="0" rtl="0" algn="l">
+            <a:pPr marL="0" lvl="0" indent="0" algn="l" rtl="0">
               <a:spcBef>
                 <a:spcPts val="0"/>
               </a:spcBef>
@@ -9150,9 +9797,11 @@
       <p:sp>
         <p:nvSpPr>
           <p:cNvPr id="145" name="Google Shape;145;p19"/>
-          <p:cNvSpPr txBox="1"/>
+          <p:cNvSpPr txBox="1">
+            <a:spLocks noGrp="1"/>
+          </p:cNvSpPr>
           <p:nvPr>
-            <p:ph idx="1" type="body"/>
+            <p:ph type="body" idx="1"/>
           </p:nvPr>
         </p:nvSpPr>
         <p:spPr>
@@ -9165,12 +9814,12 @@
           </a:prstGeom>
         </p:spPr>
         <p:txBody>
-          <a:bodyPr anchorCtr="0" anchor="t" bIns="91425" lIns="91425" spcFirstLastPara="1" rIns="91425" wrap="square" tIns="91425">
+          <a:bodyPr spcFirstLastPara="1" wrap="square" lIns="91425" tIns="91425" rIns="91425" bIns="91425" anchor="t" anchorCtr="0">
             <a:noAutofit/>
           </a:bodyPr>
           <a:lstStyle/>
           <a:p>
-            <a:pPr indent="0" lvl="0" marL="0" rtl="0" algn="l">
+            <a:pPr marL="0" lvl="0" indent="0" algn="l" rtl="0">
               <a:spcBef>
                 <a:spcPts val="0"/>
               </a:spcBef>
@@ -9180,13 +9829,13 @@
               <a:buNone/>
             </a:pPr>
             <a:r>
-              <a:rPr b="1" lang="en" sz="1000"/>
+              <a:rPr lang="en" sz="1000" b="1"/>
               <a:t>Tropospheric Monitoring Instrument (TROPOMI)</a:t>
             </a:r>
-            <a:endParaRPr b="1" sz="1000"/>
-          </a:p>
-          <a:p>
-            <a:pPr indent="0" lvl="0" marL="0" rtl="0" algn="l">
+            <a:endParaRPr sz="1000" b="1"/>
+          </a:p>
+          <a:p>
+            <a:pPr marL="0" lvl="0" indent="0" algn="l" rtl="0">
               <a:spcBef>
                 <a:spcPts val="1200"/>
               </a:spcBef>
@@ -9211,7 +9860,7 @@
             <a:endParaRPr sz="1000"/>
           </a:p>
           <a:p>
-            <a:pPr indent="0" lvl="0" marL="0" rtl="0" algn="l">
+            <a:pPr marL="0" lvl="0" indent="0" algn="l" rtl="0">
               <a:spcBef>
                 <a:spcPts val="1200"/>
               </a:spcBef>
@@ -9225,7 +9874,7 @@
               <a:t>Advanced multispectral imaging spectrometer aboard Sentinel-5 Precursor detecting gases like nitrogen dioxide (NO</a:t>
             </a:r>
             <a:r>
-              <a:rPr baseline="-25000" lang="en" sz="1000"/>
+              <a:rPr lang="en" sz="1000" baseline="-25000"/>
               <a:t>2</a:t>
             </a:r>
             <a:r>
@@ -9253,23 +9902,23 @@
           <a:solidFill>
             <a:schemeClr val="accent3"/>
           </a:solidFill>
-          <a:ln cap="flat" cmpd="sng" w="9525">
+          <a:ln w="9525" cap="flat" cmpd="sng">
             <a:solidFill>
               <a:schemeClr val="dk2"/>
             </a:solidFill>
             <a:prstDash val="solid"/>
             <a:round/>
-            <a:headEnd len="sm" w="sm" type="none"/>
-            <a:tailEnd len="sm" w="sm" type="none"/>
+            <a:headEnd type="none" w="sm" len="sm"/>
+            <a:tailEnd type="none" w="sm" len="sm"/>
           </a:ln>
         </p:spPr>
         <p:txBody>
-          <a:bodyPr anchorCtr="0" anchor="ctr" bIns="91425" lIns="91425" spcFirstLastPara="1" rIns="91425" wrap="square" tIns="91425">
+          <a:bodyPr spcFirstLastPara="1" wrap="square" lIns="91425" tIns="91425" rIns="91425" bIns="91425" anchor="ctr" anchorCtr="0">
             <a:noAutofit/>
           </a:bodyPr>
           <a:lstStyle/>
           <a:p>
-            <a:pPr indent="0" lvl="0" marL="0" rtl="0" algn="l">
+            <a:pPr marL="0" lvl="0" indent="0" algn="l" rtl="0">
               <a:spcBef>
                 <a:spcPts val="0"/>
               </a:spcBef>
@@ -9278,9 +9927,6 @@
               </a:spcAft>
               <a:buNone/>
             </a:pPr>
-            <a:r>
-              <a:t/>
-            </a:r>
             <a:endParaRPr/>
           </a:p>
         </p:txBody>
@@ -9333,12 +9979,12 @@
           </a:ln>
         </p:spPr>
         <p:txBody>
-          <a:bodyPr anchorCtr="0" anchor="t" bIns="91425" lIns="91425" spcFirstLastPara="1" rIns="91425" wrap="square" tIns="91425">
+          <a:bodyPr spcFirstLastPara="1" wrap="square" lIns="91425" tIns="91425" rIns="91425" bIns="91425" anchor="t" anchorCtr="0">
             <a:spAutoFit/>
           </a:bodyPr>
           <a:lstStyle/>
           <a:p>
-            <a:pPr indent="0" lvl="0" marL="0" rtl="0" algn="l">
+            <a:pPr marL="0" lvl="0" indent="0" algn="l" rtl="0">
               <a:spcBef>
                 <a:spcPts val="0"/>
               </a:spcBef>
@@ -9374,9 +10020,11 @@
       <p:sp>
         <p:nvSpPr>
           <p:cNvPr id="149" name="Google Shape;149;p19"/>
-          <p:cNvSpPr txBox="1"/>
+          <p:cNvSpPr txBox="1">
+            <a:spLocks noGrp="1"/>
+          </p:cNvSpPr>
           <p:nvPr>
-            <p:ph idx="1" type="body"/>
+            <p:ph type="body" idx="1"/>
           </p:nvPr>
         </p:nvSpPr>
         <p:spPr>
@@ -9389,12 +10037,12 @@
           </a:prstGeom>
         </p:spPr>
         <p:txBody>
-          <a:bodyPr anchorCtr="0" anchor="t" bIns="91425" lIns="91425" spcFirstLastPara="1" rIns="91425" wrap="square" tIns="91425">
+          <a:bodyPr spcFirstLastPara="1" wrap="square" lIns="91425" tIns="91425" rIns="91425" bIns="91425" anchor="t" anchorCtr="0">
             <a:normAutofit/>
           </a:bodyPr>
           <a:lstStyle/>
           <a:p>
-            <a:pPr indent="0" lvl="0" marL="0" rtl="0" algn="l">
+            <a:pPr marL="0" lvl="0" indent="0" algn="l" rtl="0">
               <a:lnSpc>
                 <a:spcPct val="85000"/>
               </a:lnSpc>
@@ -9408,13 +10056,13 @@
               <a:buNone/>
             </a:pPr>
             <a:r>
-              <a:rPr b="1" lang="en" sz="1000"/>
+              <a:rPr lang="en" sz="1000" b="1"/>
               <a:t>Google Mobility</a:t>
             </a:r>
-            <a:endParaRPr b="1" sz="1000"/>
-          </a:p>
-          <a:p>
-            <a:pPr indent="0" lvl="0" marL="0" rtl="0" algn="l">
+            <a:endParaRPr sz="1000" b="1"/>
+          </a:p>
+          <a:p>
+            <a:pPr marL="0" lvl="0" indent="0" algn="l" rtl="0">
               <a:lnSpc>
                 <a:spcPct val="85000"/>
               </a:lnSpc>
@@ -9443,7 +10091,7 @@
             <a:endParaRPr sz="1000"/>
           </a:p>
           <a:p>
-            <a:pPr indent="0" lvl="0" marL="0" rtl="0" algn="l">
+            <a:pPr marL="0" lvl="0" indent="0" algn="l" rtl="0">
               <a:lnSpc>
                 <a:spcPct val="85000"/>
               </a:lnSpc>
@@ -9467,9 +10115,11 @@
       <p:sp>
         <p:nvSpPr>
           <p:cNvPr id="150" name="Google Shape;150;p19"/>
-          <p:cNvSpPr txBox="1"/>
+          <p:cNvSpPr txBox="1">
+            <a:spLocks noGrp="1"/>
+          </p:cNvSpPr>
           <p:nvPr>
-            <p:ph idx="1" type="body"/>
+            <p:ph type="body" idx="1"/>
           </p:nvPr>
         </p:nvSpPr>
         <p:spPr>
@@ -9482,12 +10132,12 @@
           </a:prstGeom>
         </p:spPr>
         <p:txBody>
-          <a:bodyPr anchorCtr="0" anchor="t" bIns="91425" lIns="91425" spcFirstLastPara="1" rIns="91425" wrap="square" tIns="91425">
-            <a:normAutofit lnSpcReduction="10000"/>
+          <a:bodyPr spcFirstLastPara="1" wrap="square" lIns="91425" tIns="91425" rIns="91425" bIns="91425" anchor="t" anchorCtr="0">
+            <a:normAutofit fontScale="92500"/>
           </a:bodyPr>
           <a:lstStyle/>
           <a:p>
-            <a:pPr indent="0" lvl="0" marL="0" rtl="0" algn="l">
+            <a:pPr marL="0" lvl="0" indent="0" algn="l" rtl="0">
               <a:spcBef>
                 <a:spcPts val="0"/>
               </a:spcBef>
@@ -9497,13 +10147,13 @@
               <a:buNone/>
             </a:pPr>
             <a:r>
-              <a:rPr b="1" lang="en" sz="1000"/>
+              <a:rPr lang="en" sz="1000" b="1"/>
               <a:t>EO Dashboard</a:t>
             </a:r>
-            <a:endParaRPr b="1" sz="1000"/>
-          </a:p>
-          <a:p>
-            <a:pPr indent="0" lvl="0" marL="0" rtl="0" algn="l">
+            <a:endParaRPr sz="1000" b="1"/>
+          </a:p>
+          <a:p>
+            <a:pPr marL="0" lvl="0" indent="0" algn="l" rtl="0">
               <a:spcBef>
                 <a:spcPts val="1200"/>
               </a:spcBef>
@@ -9524,7 +10174,7 @@
             <a:endParaRPr sz="1000"/>
           </a:p>
           <a:p>
-            <a:pPr indent="0" lvl="0" marL="0" rtl="0" algn="l">
+            <a:pPr marL="0" lvl="0" indent="0" algn="l" rtl="0">
               <a:spcBef>
                 <a:spcPts val="1200"/>
               </a:spcBef>
@@ -9544,9 +10194,11 @@
       <p:sp>
         <p:nvSpPr>
           <p:cNvPr id="151" name="Google Shape;151;p19"/>
-          <p:cNvSpPr txBox="1"/>
+          <p:cNvSpPr txBox="1">
+            <a:spLocks noGrp="1"/>
+          </p:cNvSpPr>
           <p:nvPr>
-            <p:ph idx="1" type="body"/>
+            <p:ph type="body" idx="1"/>
           </p:nvPr>
         </p:nvSpPr>
         <p:spPr>
@@ -9559,12 +10211,12 @@
           </a:prstGeom>
         </p:spPr>
         <p:txBody>
-          <a:bodyPr anchorCtr="0" anchor="t" bIns="91425" lIns="91425" spcFirstLastPara="1" rIns="91425" wrap="square" tIns="91425">
+          <a:bodyPr spcFirstLastPara="1" wrap="square" lIns="91425" tIns="91425" rIns="91425" bIns="91425" anchor="t" anchorCtr="0">
             <a:normAutofit/>
           </a:bodyPr>
           <a:lstStyle/>
           <a:p>
-            <a:pPr indent="0" lvl="0" marL="0" rtl="0" algn="l">
+            <a:pPr marL="0" lvl="0" indent="0" algn="l" rtl="0">
               <a:spcBef>
                 <a:spcPts val="0"/>
               </a:spcBef>
@@ -9574,13 +10226,13 @@
               <a:buNone/>
             </a:pPr>
             <a:r>
-              <a:rPr b="1" lang="en" sz="1000"/>
+              <a:rPr lang="en" sz="1000" b="1"/>
               <a:t>Sentinel Playground</a:t>
             </a:r>
-            <a:endParaRPr b="1" sz="1000"/>
-          </a:p>
-          <a:p>
-            <a:pPr indent="0" lvl="0" marL="0" rtl="0" algn="l">
+            <a:endParaRPr sz="1000" b="1"/>
+          </a:p>
+          <a:p>
+            <a:pPr marL="0" lvl="0" indent="0" algn="l" rtl="0">
               <a:spcBef>
                 <a:spcPts val="1200"/>
               </a:spcBef>
@@ -9601,7 +10253,7 @@
             <a:endParaRPr sz="1000"/>
           </a:p>
           <a:p>
-            <a:pPr indent="0" lvl="0" marL="0" rtl="0" algn="l">
+            <a:pPr marL="0" lvl="0" indent="0" algn="l" rtl="0">
               <a:spcBef>
                 <a:spcPts val="1200"/>
               </a:spcBef>
@@ -9635,7 +10287,7 @@
           <a:blip r:embed="rId8">
             <a:alphaModFix/>
           </a:blip>
-          <a:srcRect b="62596" l="58381" r="25141" t="9288"/>
+          <a:srcRect l="58381" t="9288" r="25141" b="62596"/>
           <a:stretch/>
         </p:blipFill>
         <p:spPr>
@@ -9651,7 +10303,7 @@
             <a:noFill/>
           </a:ln>
           <a:effectLst>
-            <a:outerShdw blurRad="57150" rotWithShape="0" algn="bl" dir="5400000" dist="19050">
+            <a:outerShdw blurRad="57150" dist="19050" dir="5400000" algn="bl" rotWithShape="0">
               <a:srgbClr val="000000">
                 <a:alpha val="50000"/>
               </a:srgbClr>
@@ -9662,9 +10314,11 @@
       <p:sp>
         <p:nvSpPr>
           <p:cNvPr id="153" name="Google Shape;153;p19"/>
-          <p:cNvSpPr txBox="1"/>
+          <p:cNvSpPr txBox="1">
+            <a:spLocks noGrp="1"/>
+          </p:cNvSpPr>
           <p:nvPr>
-            <p:ph idx="1" type="body"/>
+            <p:ph type="body" idx="1"/>
           </p:nvPr>
         </p:nvSpPr>
         <p:spPr>
@@ -9677,12 +10331,12 @@
           </a:prstGeom>
         </p:spPr>
         <p:txBody>
-          <a:bodyPr anchorCtr="0" anchor="t" bIns="91425" lIns="91425" spcFirstLastPara="1" rIns="91425" wrap="square" tIns="91425">
-            <a:normAutofit fontScale="85000" lnSpcReduction="20000"/>
+          <a:bodyPr spcFirstLastPara="1" wrap="square" lIns="91425" tIns="91425" rIns="91425" bIns="91425" anchor="t" anchorCtr="0">
+            <a:normAutofit fontScale="77500" lnSpcReduction="20000"/>
           </a:bodyPr>
           <a:lstStyle/>
           <a:p>
-            <a:pPr indent="0" lvl="0" marL="0" rtl="0" algn="l">
+            <a:pPr marL="0" lvl="0" indent="0" algn="l" rtl="0">
               <a:spcBef>
                 <a:spcPts val="0"/>
               </a:spcBef>
@@ -9692,13 +10346,13 @@
               <a:buNone/>
             </a:pPr>
             <a:r>
-              <a:rPr b="1" lang="en" sz="1400"/>
+              <a:rPr lang="en" sz="1400" b="1"/>
               <a:t>Sentinel FIS</a:t>
             </a:r>
-            <a:endParaRPr b="1" sz="1400"/>
-          </a:p>
-          <a:p>
-            <a:pPr indent="0" lvl="0" marL="0" rtl="0" algn="l">
+            <a:endParaRPr sz="1400" b="1"/>
+          </a:p>
+          <a:p>
+            <a:pPr marL="0" lvl="0" indent="0" algn="l" rtl="0">
               <a:spcBef>
                 <a:spcPts val="1200"/>
               </a:spcBef>
@@ -9719,7 +10373,7 @@
             <a:endParaRPr sz="1400"/>
           </a:p>
           <a:p>
-            <a:pPr indent="0" lvl="0" marL="0" rtl="0" algn="l">
+            <a:pPr marL="0" lvl="0" indent="0" algn="l" rtl="0">
               <a:spcBef>
                 <a:spcPts val="1200"/>
               </a:spcBef>
@@ -9779,12 +10433,12 @@
 </p:sld>
 </file>
 
-<file path=ppt/slides/slide8.xml><?xml version="1.0" encoding="utf-8"?>
-<p:sld xmlns:a="http://schemas.openxmlformats.org/drawingml/2006/main" xmlns:r="http://schemas.openxmlformats.org/officeDocument/2006/relationships" xmlns:mc="http://schemas.openxmlformats.org/markup-compatibility/2006" xmlns:mv="urn:schemas-microsoft-com:mac:vml" xmlns:p="http://schemas.openxmlformats.org/presentationml/2006/main" xmlns:c="http://schemas.openxmlformats.org/drawingml/2006/chart" xmlns:dgm="http://schemas.openxmlformats.org/drawingml/2006/diagram" xmlns:o="urn:schemas-microsoft-com:office:office" xmlns:v="urn:schemas-microsoft-com:vml" xmlns:pvml="urn:schemas-microsoft-com:office:powerpoint" xmlns:com="http://schemas.openxmlformats.org/drawingml/2006/compatibility" xmlns:p14="http://schemas.microsoft.com/office/powerpoint/2010/main" xmlns:p15="http://schemas.microsoft.com/office/powerpoint/2012/main" xmlns:ahyp="http://schemas.microsoft.com/office/drawing/2018/hyperlinkcolor">
+<file path=ppt/slides/slide9.xml><?xml version="1.0" encoding="utf-8"?>
+<p:sld xmlns:a="http://schemas.openxmlformats.org/drawingml/2006/main" xmlns:r="http://schemas.openxmlformats.org/officeDocument/2006/relationships" xmlns:p="http://schemas.openxmlformats.org/presentationml/2006/main">
   <p:cSld>
     <p:spTree>
       <p:nvGrpSpPr>
-        <p:cNvPr id="158" name="Shape 158"/>
+        <p:cNvPr id="1" name="Shape 158"/>
         <p:cNvGrpSpPr/>
         <p:nvPr/>
       </p:nvGrpSpPr>
@@ -9799,7 +10453,9 @@
       <p:sp>
         <p:nvSpPr>
           <p:cNvPr id="159" name="Google Shape;159;p20"/>
-          <p:cNvSpPr txBox="1"/>
+          <p:cNvSpPr txBox="1">
+            <a:spLocks noGrp="1"/>
+          </p:cNvSpPr>
           <p:nvPr>
             <p:ph type="title"/>
           </p:nvPr>
@@ -9814,12 +10470,12 @@
           </a:prstGeom>
         </p:spPr>
         <p:txBody>
-          <a:bodyPr anchorCtr="0" anchor="t" bIns="91425" lIns="91425" spcFirstLastPara="1" rIns="91425" wrap="square" tIns="91425">
+          <a:bodyPr spcFirstLastPara="1" wrap="square" lIns="91425" tIns="91425" rIns="91425" bIns="91425" anchor="t" anchorCtr="0">
             <a:normAutofit fontScale="90000"/>
           </a:bodyPr>
           <a:lstStyle/>
           <a:p>
-            <a:pPr indent="0" lvl="0" marL="0" rtl="0" algn="l">
+            <a:pPr marL="0" lvl="0" indent="0" algn="l" rtl="0">
               <a:spcBef>
                 <a:spcPts val="0"/>
               </a:spcBef>
@@ -9839,9 +10495,11 @@
       <p:sp>
         <p:nvSpPr>
           <p:cNvPr id="160" name="Google Shape;160;p20"/>
-          <p:cNvSpPr txBox="1"/>
+          <p:cNvSpPr txBox="1">
+            <a:spLocks noGrp="1"/>
+          </p:cNvSpPr>
           <p:nvPr>
-            <p:ph idx="1" type="body"/>
+            <p:ph type="body" idx="1"/>
           </p:nvPr>
         </p:nvSpPr>
         <p:spPr>
@@ -9854,12 +10512,12 @@
           </a:prstGeom>
         </p:spPr>
         <p:txBody>
-          <a:bodyPr anchorCtr="0" anchor="t" bIns="91425" lIns="91425" spcFirstLastPara="1" rIns="91425" wrap="square" tIns="91425">
+          <a:bodyPr spcFirstLastPara="1" wrap="square" lIns="91425" tIns="91425" rIns="91425" bIns="91425" anchor="t" anchorCtr="0">
             <a:normAutofit/>
           </a:bodyPr>
           <a:lstStyle/>
           <a:p>
-            <a:pPr indent="0" lvl="0" marL="0" rtl="0" algn="ctr">
+            <a:pPr marL="0" lvl="0" indent="0" algn="ctr" rtl="0">
               <a:spcBef>
                 <a:spcPts val="0"/>
               </a:spcBef>
@@ -9869,13 +10527,13 @@
               <a:buNone/>
             </a:pPr>
             <a:r>
-              <a:rPr b="1" lang="en" sz="1200"/>
+              <a:rPr lang="en" sz="1200" b="1"/>
               <a:t>Michael Lance M. Domagas</a:t>
             </a:r>
-            <a:endParaRPr b="1" sz="1200"/>
-          </a:p>
-          <a:p>
-            <a:pPr indent="0" lvl="0" marL="0" rtl="0" algn="ctr">
+            <a:endParaRPr sz="1200" b="1"/>
+          </a:p>
+          <a:p>
+            <a:pPr marL="0" lvl="0" indent="0" algn="ctr" rtl="0">
               <a:spcBef>
                 <a:spcPts val="1200"/>
               </a:spcBef>
@@ -9886,11 +10544,7 @@
             </a:pPr>
             <a:r>
               <a:rPr lang="en" sz="1200"/>
-              <a:t>Team Lead, Space </a:t>
-            </a:r>
-            <a:r>
-              <a:rPr lang="en" sz="1200"/>
-              <a:t>Researcher</a:t>
+              <a:t>Team Lead, Space Researcher</a:t>
             </a:r>
             <a:endParaRPr sz="1200"/>
           </a:p>
@@ -9913,23 +10567,23 @@
           <a:solidFill>
             <a:schemeClr val="accent3"/>
           </a:solidFill>
-          <a:ln cap="flat" cmpd="sng" w="9525">
+          <a:ln w="9525" cap="flat" cmpd="sng">
             <a:solidFill>
               <a:schemeClr val="dk2"/>
             </a:solidFill>
             <a:prstDash val="solid"/>
             <a:round/>
-            <a:headEnd len="sm" w="sm" type="none"/>
-            <a:tailEnd len="sm" w="sm" type="none"/>
+            <a:headEnd type="none" w="sm" len="sm"/>
+            <a:tailEnd type="none" w="sm" len="sm"/>
           </a:ln>
         </p:spPr>
         <p:txBody>
-          <a:bodyPr anchorCtr="0" anchor="ctr" bIns="91425" lIns="91425" spcFirstLastPara="1" rIns="91425" wrap="square" tIns="91425">
+          <a:bodyPr spcFirstLastPara="1" wrap="square" lIns="91425" tIns="91425" rIns="91425" bIns="91425" anchor="ctr" anchorCtr="0">
             <a:noAutofit/>
           </a:bodyPr>
           <a:lstStyle/>
           <a:p>
-            <a:pPr indent="0" lvl="0" marL="0" rtl="0" algn="l">
+            <a:pPr marL="0" lvl="0" indent="0" algn="l" rtl="0">
               <a:spcBef>
                 <a:spcPts val="0"/>
               </a:spcBef>
@@ -9938,9 +10592,6 @@
               </a:spcAft>
               <a:buNone/>
             </a:pPr>
-            <a:r>
-              <a:t/>
-            </a:r>
             <a:endParaRPr/>
           </a:p>
         </p:txBody>
@@ -9993,12 +10644,12 @@
           </a:ln>
         </p:spPr>
         <p:txBody>
-          <a:bodyPr anchorCtr="0" anchor="t" bIns="91425" lIns="91425" spcFirstLastPara="1" rIns="91425" wrap="square" tIns="91425">
+          <a:bodyPr spcFirstLastPara="1" wrap="square" lIns="91425" tIns="91425" rIns="91425" bIns="91425" anchor="t" anchorCtr="0">
             <a:spAutoFit/>
           </a:bodyPr>
           <a:lstStyle/>
           <a:p>
-            <a:pPr indent="0" lvl="0" marL="0" rtl="0" algn="l">
+            <a:pPr marL="0" lvl="0" indent="0" algn="l" rtl="0">
               <a:spcBef>
                 <a:spcPts val="0"/>
               </a:spcBef>
@@ -10034,9 +10685,11 @@
       <p:sp>
         <p:nvSpPr>
           <p:cNvPr id="164" name="Google Shape;164;p20"/>
-          <p:cNvSpPr txBox="1"/>
+          <p:cNvSpPr txBox="1">
+            <a:spLocks noGrp="1"/>
+          </p:cNvSpPr>
           <p:nvPr>
-            <p:ph idx="1" type="body"/>
+            <p:ph type="body" idx="1"/>
           </p:nvPr>
         </p:nvSpPr>
         <p:spPr>
@@ -10049,12 +10702,12 @@
           </a:prstGeom>
         </p:spPr>
         <p:txBody>
-          <a:bodyPr anchorCtr="0" anchor="t" bIns="91425" lIns="91425" spcFirstLastPara="1" rIns="91425" wrap="square" tIns="91425">
+          <a:bodyPr spcFirstLastPara="1" wrap="square" lIns="91425" tIns="91425" rIns="91425" bIns="91425" anchor="t" anchorCtr="0">
             <a:normAutofit/>
           </a:bodyPr>
           <a:lstStyle/>
           <a:p>
-            <a:pPr indent="0" lvl="0" marL="0" rtl="0" algn="ctr">
+            <a:pPr marL="0" lvl="0" indent="0" algn="ctr" rtl="0">
               <a:spcBef>
                 <a:spcPts val="0"/>
               </a:spcBef>
@@ -10064,13 +10717,13 @@
               <a:buNone/>
             </a:pPr>
             <a:r>
-              <a:rPr b="1" lang="en" sz="1200"/>
+              <a:rPr lang="en" sz="1200" b="1"/>
               <a:t>Arturo Caronongan III</a:t>
             </a:r>
-            <a:endParaRPr b="1" sz="1200"/>
-          </a:p>
-          <a:p>
-            <a:pPr indent="0" lvl="0" marL="0" rtl="0" algn="ctr">
+            <a:endParaRPr sz="1200" b="1"/>
+          </a:p>
+          <a:p>
+            <a:pPr marL="0" lvl="0" indent="0" algn="ctr" rtl="0">
               <a:spcBef>
                 <a:spcPts val="1200"/>
               </a:spcBef>
@@ -10081,11 +10734,7 @@
             </a:pPr>
             <a:r>
               <a:rPr lang="en" sz="1200"/>
-              <a:t>Data </a:t>
-            </a:r>
-            <a:r>
-              <a:rPr lang="en" sz="1200"/>
-              <a:t>Researcher</a:t>
+              <a:t>Data Researcher</a:t>
             </a:r>
             <a:endParaRPr sz="1200"/>
           </a:p>
@@ -10094,9 +10743,11 @@
       <p:sp>
         <p:nvSpPr>
           <p:cNvPr id="165" name="Google Shape;165;p20"/>
-          <p:cNvSpPr txBox="1"/>
+          <p:cNvSpPr txBox="1">
+            <a:spLocks noGrp="1"/>
+          </p:cNvSpPr>
           <p:nvPr>
-            <p:ph idx="1" type="body"/>
+            <p:ph type="body" idx="1"/>
           </p:nvPr>
         </p:nvSpPr>
         <p:spPr>
@@ -10109,12 +10760,12 @@
           </a:prstGeom>
         </p:spPr>
         <p:txBody>
-          <a:bodyPr anchorCtr="0" anchor="t" bIns="91425" lIns="91425" spcFirstLastPara="1" rIns="91425" wrap="square" tIns="91425">
+          <a:bodyPr spcFirstLastPara="1" wrap="square" lIns="91425" tIns="91425" rIns="91425" bIns="91425" anchor="t" anchorCtr="0">
             <a:normAutofit/>
           </a:bodyPr>
           <a:lstStyle/>
           <a:p>
-            <a:pPr indent="0" lvl="0" marL="0" rtl="0" algn="ctr">
+            <a:pPr marL="0" lvl="0" indent="0" algn="ctr" rtl="0">
               <a:spcBef>
                 <a:spcPts val="0"/>
               </a:spcBef>
@@ -10124,13 +10775,13 @@
               <a:buNone/>
             </a:pPr>
             <a:r>
-              <a:rPr b="1" lang="en" sz="1200"/>
+              <a:rPr lang="en" sz="1200" b="1"/>
               <a:t>Mark Neil Pascual</a:t>
             </a:r>
-            <a:endParaRPr b="1" sz="1200"/>
-          </a:p>
-          <a:p>
-            <a:pPr indent="0" lvl="0" marL="0" rtl="0" algn="ctr">
+            <a:endParaRPr sz="1200" b="1"/>
+          </a:p>
+          <a:p>
+            <a:pPr marL="0" lvl="0" indent="0" algn="ctr" rtl="0">
               <a:spcBef>
                 <a:spcPts val="1200"/>
               </a:spcBef>
@@ -10150,9 +10801,11 @@
       <p:sp>
         <p:nvSpPr>
           <p:cNvPr id="166" name="Google Shape;166;p20"/>
-          <p:cNvSpPr txBox="1"/>
+          <p:cNvSpPr txBox="1">
+            <a:spLocks noGrp="1"/>
+          </p:cNvSpPr>
           <p:nvPr>
-            <p:ph idx="1" type="body"/>
+            <p:ph type="body" idx="1"/>
           </p:nvPr>
         </p:nvSpPr>
         <p:spPr>
@@ -10165,12 +10818,12 @@
           </a:prstGeom>
         </p:spPr>
         <p:txBody>
-          <a:bodyPr anchorCtr="0" anchor="t" bIns="91425" lIns="91425" spcFirstLastPara="1" rIns="91425" wrap="square" tIns="91425">
+          <a:bodyPr spcFirstLastPara="1" wrap="square" lIns="91425" tIns="91425" rIns="91425" bIns="91425" anchor="t" anchorCtr="0">
             <a:normAutofit/>
           </a:bodyPr>
           <a:lstStyle/>
           <a:p>
-            <a:pPr indent="0" lvl="0" marL="0" rtl="0" algn="ctr">
+            <a:pPr marL="0" lvl="0" indent="0" algn="ctr" rtl="0">
               <a:spcBef>
                 <a:spcPts val="0"/>
               </a:spcBef>
@@ -10180,13 +10833,13 @@
               <a:buNone/>
             </a:pPr>
             <a:r>
-              <a:rPr b="1" lang="en" sz="1200"/>
+              <a:rPr lang="en" sz="1200" b="1"/>
               <a:t>Dominic Vincent Ligot</a:t>
             </a:r>
-            <a:endParaRPr b="1" sz="1200"/>
-          </a:p>
-          <a:p>
-            <a:pPr indent="0" lvl="0" marL="0" rtl="0" algn="ctr">
+            <a:endParaRPr sz="1200" b="1"/>
+          </a:p>
+          <a:p>
+            <a:pPr marL="0" lvl="0" indent="0" algn="ctr" rtl="0">
               <a:spcBef>
                 <a:spcPts val="1200"/>
               </a:spcBef>
@@ -10324,7 +10977,288 @@
 </file>
 
 <file path=ppt/theme/theme1.xml><?xml version="1.0" encoding="utf-8"?>
-<a:theme xmlns:a="http://schemas.openxmlformats.org/drawingml/2006/main" xmlns:r="http://schemas.openxmlformats.org/officeDocument/2006/relationships">
+<a:theme xmlns:a="http://schemas.openxmlformats.org/drawingml/2006/main" name="Simple Light">
+  <a:themeElements>
+    <a:clrScheme name="Simple Light">
+      <a:dk1>
+        <a:srgbClr val="000000"/>
+      </a:dk1>
+      <a:lt1>
+        <a:srgbClr val="FFFFFF"/>
+      </a:lt1>
+      <a:dk2>
+        <a:srgbClr val="595959"/>
+      </a:dk2>
+      <a:lt2>
+        <a:srgbClr val="EEEEEE"/>
+      </a:lt2>
+      <a:accent1>
+        <a:srgbClr val="4285F4"/>
+      </a:accent1>
+      <a:accent2>
+        <a:srgbClr val="212121"/>
+      </a:accent2>
+      <a:accent3>
+        <a:srgbClr val="78909C"/>
+      </a:accent3>
+      <a:accent4>
+        <a:srgbClr val="FFAB40"/>
+      </a:accent4>
+      <a:accent5>
+        <a:srgbClr val="0097A7"/>
+      </a:accent5>
+      <a:accent6>
+        <a:srgbClr val="EEFF41"/>
+      </a:accent6>
+      <a:hlink>
+        <a:srgbClr val="0097A7"/>
+      </a:hlink>
+      <a:folHlink>
+        <a:srgbClr val="0097A7"/>
+      </a:folHlink>
+    </a:clrScheme>
+    <a:fontScheme name="Office">
+      <a:majorFont>
+        <a:latin typeface="Arial"/>
+        <a:ea typeface=""/>
+        <a:cs typeface=""/>
+        <a:font script="Jpan" typeface="ＭＳ Ｐゴシック"/>
+        <a:font script="Hang" typeface="맑은 고딕"/>
+        <a:font script="Hans" typeface="宋体"/>
+        <a:font script="Hant" typeface="新細明體"/>
+        <a:font script="Arab" typeface="Times New Roman"/>
+        <a:font script="Hebr" typeface="Times New Roman"/>
+        <a:font script="Thai" typeface="Angsana New"/>
+        <a:font script="Ethi" typeface="Nyala"/>
+        <a:font script="Beng" typeface="Vrinda"/>
+        <a:font script="Gujr" typeface="Shruti"/>
+        <a:font script="Khmr" typeface="MoolBoran"/>
+        <a:font script="Knda" typeface="Tunga"/>
+        <a:font script="Guru" typeface="Raavi"/>
+        <a:font script="Cans" typeface="Euphemia"/>
+        <a:font script="Cher" typeface="Plantagenet Cherokee"/>
+        <a:font script="Yiii" typeface="Microsoft Yi Baiti"/>
+        <a:font script="Tibt" typeface="Microsoft Himalaya"/>
+        <a:font script="Thaa" typeface="MV Boli"/>
+        <a:font script="Deva" typeface="Mangal"/>
+        <a:font script="Telu" typeface="Gautami"/>
+        <a:font script="Taml" typeface="Latha"/>
+        <a:font script="Syrc" typeface="Estrangelo Edessa"/>
+        <a:font script="Orya" typeface="Kalinga"/>
+        <a:font script="Mlym" typeface="Kartika"/>
+        <a:font script="Laoo" typeface="DokChampa"/>
+        <a:font script="Sinh" typeface="Iskoola Pota"/>
+        <a:font script="Mong" typeface="Mongolian Baiti"/>
+        <a:font script="Viet" typeface="Times New Roman"/>
+        <a:font script="Uigh" typeface="Microsoft Uighur"/>
+        <a:font script="Geor" typeface="Sylfaen"/>
+      </a:majorFont>
+      <a:minorFont>
+        <a:latin typeface="Arial"/>
+        <a:ea typeface=""/>
+        <a:cs typeface=""/>
+        <a:font script="Jpan" typeface="ＭＳ Ｐゴシック"/>
+        <a:font script="Hang" typeface="맑은 고딕"/>
+        <a:font script="Hans" typeface="宋体"/>
+        <a:font script="Hant" typeface="新細明體"/>
+        <a:font script="Arab" typeface="Arial"/>
+        <a:font script="Hebr" typeface="Arial"/>
+        <a:font script="Thai" typeface="Cordia New"/>
+        <a:font script="Ethi" typeface="Nyala"/>
+        <a:font script="Beng" typeface="Vrinda"/>
+        <a:font script="Gujr" typeface="Shruti"/>
+        <a:font script="Khmr" typeface="DaunPenh"/>
+        <a:font script="Knda" typeface="Tunga"/>
+        <a:font script="Guru" typeface="Raavi"/>
+        <a:font script="Cans" typeface="Euphemia"/>
+        <a:font script="Cher" typeface="Plantagenet Cherokee"/>
+        <a:font script="Yiii" typeface="Microsoft Yi Baiti"/>
+        <a:font script="Tibt" typeface="Microsoft Himalaya"/>
+        <a:font script="Thaa" typeface="MV Boli"/>
+        <a:font script="Deva" typeface="Mangal"/>
+        <a:font script="Telu" typeface="Gautami"/>
+        <a:font script="Taml" typeface="Latha"/>
+        <a:font script="Syrc" typeface="Estrangelo Edessa"/>
+        <a:font script="Orya" typeface="Kalinga"/>
+        <a:font script="Mlym" typeface="Kartika"/>
+        <a:font script="Laoo" typeface="DokChampa"/>
+        <a:font script="Sinh" typeface="Iskoola Pota"/>
+        <a:font script="Mong" typeface="Mongolian Baiti"/>
+        <a:font script="Viet" typeface="Arial"/>
+        <a:font script="Uigh" typeface="Microsoft Uighur"/>
+        <a:font script="Geor" typeface="Sylfaen"/>
+      </a:minorFont>
+    </a:fontScheme>
+    <a:fmtScheme name="Office">
+      <a:fillStyleLst>
+        <a:solidFill>
+          <a:schemeClr val="phClr"/>
+        </a:solidFill>
+        <a:gradFill rotWithShape="1">
+          <a:gsLst>
+            <a:gs pos="0">
+              <a:schemeClr val="phClr">
+                <a:tint val="50000"/>
+                <a:satMod val="300000"/>
+              </a:schemeClr>
+            </a:gs>
+            <a:gs pos="35000">
+              <a:schemeClr val="phClr">
+                <a:tint val="37000"/>
+                <a:satMod val="300000"/>
+              </a:schemeClr>
+            </a:gs>
+            <a:gs pos="100000">
+              <a:schemeClr val="phClr">
+                <a:tint val="15000"/>
+                <a:satMod val="350000"/>
+              </a:schemeClr>
+            </a:gs>
+          </a:gsLst>
+          <a:lin ang="16200000" scaled="1"/>
+        </a:gradFill>
+        <a:gradFill rotWithShape="1">
+          <a:gsLst>
+            <a:gs pos="0">
+              <a:schemeClr val="phClr">
+                <a:tint val="100000"/>
+                <a:shade val="100000"/>
+                <a:satMod val="130000"/>
+              </a:schemeClr>
+            </a:gs>
+            <a:gs pos="100000">
+              <a:schemeClr val="phClr">
+                <a:tint val="50000"/>
+                <a:shade val="100000"/>
+                <a:satMod val="350000"/>
+              </a:schemeClr>
+            </a:gs>
+          </a:gsLst>
+          <a:lin ang="16200000" scaled="0"/>
+        </a:gradFill>
+      </a:fillStyleLst>
+      <a:lnStyleLst>
+        <a:ln w="9525" cap="flat" cmpd="sng" algn="ctr">
+          <a:solidFill>
+            <a:schemeClr val="phClr">
+              <a:shade val="95000"/>
+              <a:satMod val="105000"/>
+            </a:schemeClr>
+          </a:solidFill>
+          <a:prstDash val="solid"/>
+        </a:ln>
+        <a:ln w="25400" cap="flat" cmpd="sng" algn="ctr">
+          <a:solidFill>
+            <a:schemeClr val="phClr"/>
+          </a:solidFill>
+          <a:prstDash val="solid"/>
+        </a:ln>
+        <a:ln w="38100" cap="flat" cmpd="sng" algn="ctr">
+          <a:solidFill>
+            <a:schemeClr val="phClr"/>
+          </a:solidFill>
+          <a:prstDash val="solid"/>
+        </a:ln>
+      </a:lnStyleLst>
+      <a:effectStyleLst>
+        <a:effectStyle>
+          <a:effectLst>
+            <a:outerShdw blurRad="40000" dist="20000" dir="5400000" rotWithShape="0">
+              <a:srgbClr val="000000">
+                <a:alpha val="38000"/>
+              </a:srgbClr>
+            </a:outerShdw>
+          </a:effectLst>
+        </a:effectStyle>
+        <a:effectStyle>
+          <a:effectLst>
+            <a:outerShdw blurRad="40000" dist="23000" dir="5400000" rotWithShape="0">
+              <a:srgbClr val="000000">
+                <a:alpha val="35000"/>
+              </a:srgbClr>
+            </a:outerShdw>
+          </a:effectLst>
+        </a:effectStyle>
+        <a:effectStyle>
+          <a:effectLst>
+            <a:outerShdw blurRad="40000" dist="23000" dir="5400000" rotWithShape="0">
+              <a:srgbClr val="000000">
+                <a:alpha val="35000"/>
+              </a:srgbClr>
+            </a:outerShdw>
+          </a:effectLst>
+          <a:scene3d>
+            <a:camera prst="orthographicFront">
+              <a:rot lat="0" lon="0" rev="0"/>
+            </a:camera>
+            <a:lightRig rig="threePt" dir="t">
+              <a:rot lat="0" lon="0" rev="1200000"/>
+            </a:lightRig>
+          </a:scene3d>
+          <a:sp3d>
+            <a:bevelT w="63500" h="25400"/>
+          </a:sp3d>
+        </a:effectStyle>
+      </a:effectStyleLst>
+      <a:bgFillStyleLst>
+        <a:solidFill>
+          <a:schemeClr val="phClr"/>
+        </a:solidFill>
+        <a:gradFill rotWithShape="1">
+          <a:gsLst>
+            <a:gs pos="0">
+              <a:schemeClr val="phClr">
+                <a:tint val="40000"/>
+                <a:satMod val="350000"/>
+              </a:schemeClr>
+            </a:gs>
+            <a:gs pos="40000">
+              <a:schemeClr val="phClr">
+                <a:tint val="45000"/>
+                <a:shade val="99000"/>
+                <a:satMod val="350000"/>
+              </a:schemeClr>
+            </a:gs>
+            <a:gs pos="100000">
+              <a:schemeClr val="phClr">
+                <a:shade val="20000"/>
+                <a:satMod val="255000"/>
+              </a:schemeClr>
+            </a:gs>
+          </a:gsLst>
+          <a:path path="circle">
+            <a:fillToRect l="50000" t="-80000" r="50000" b="180000"/>
+          </a:path>
+        </a:gradFill>
+        <a:gradFill rotWithShape="1">
+          <a:gsLst>
+            <a:gs pos="0">
+              <a:schemeClr val="phClr">
+                <a:tint val="80000"/>
+                <a:satMod val="300000"/>
+              </a:schemeClr>
+            </a:gs>
+            <a:gs pos="100000">
+              <a:schemeClr val="phClr">
+                <a:shade val="30000"/>
+                <a:satMod val="200000"/>
+              </a:schemeClr>
+            </a:gs>
+          </a:gsLst>
+          <a:path path="circle">
+            <a:fillToRect l="50000" t="50000" r="50000" b="50000"/>
+          </a:path>
+        </a:gradFill>
+      </a:bgFillStyleLst>
+    </a:fmtScheme>
+  </a:themeElements>
+  <a:objectDefaults/>
+  <a:extraClrSchemeLst/>
+</a:theme>
+</file>
+
+<file path=ppt/theme/theme2.xml><?xml version="1.0" encoding="utf-8"?>
+<a:theme xmlns:a="http://schemas.openxmlformats.org/drawingml/2006/main">
   <a:themeElements>
     <a:clrScheme name="Default">
       <a:dk1>
@@ -10599,284 +11533,7 @@
       </a:bgFillStyleLst>
     </a:fmtScheme>
   </a:themeElements>
-</a:theme>
-</file>
-
-<file path=ppt/theme/theme2.xml><?xml version="1.0" encoding="utf-8"?>
-<a:theme xmlns:a="http://schemas.openxmlformats.org/drawingml/2006/main" xmlns:r="http://schemas.openxmlformats.org/officeDocument/2006/relationships" name="Simple Light">
-  <a:themeElements>
-    <a:clrScheme name="Simple Light">
-      <a:dk1>
-        <a:srgbClr val="000000"/>
-      </a:dk1>
-      <a:lt1>
-        <a:srgbClr val="FFFFFF"/>
-      </a:lt1>
-      <a:dk2>
-        <a:srgbClr val="595959"/>
-      </a:dk2>
-      <a:lt2>
-        <a:srgbClr val="EEEEEE"/>
-      </a:lt2>
-      <a:accent1>
-        <a:srgbClr val="4285F4"/>
-      </a:accent1>
-      <a:accent2>
-        <a:srgbClr val="212121"/>
-      </a:accent2>
-      <a:accent3>
-        <a:srgbClr val="78909C"/>
-      </a:accent3>
-      <a:accent4>
-        <a:srgbClr val="FFAB40"/>
-      </a:accent4>
-      <a:accent5>
-        <a:srgbClr val="0097A7"/>
-      </a:accent5>
-      <a:accent6>
-        <a:srgbClr val="EEFF41"/>
-      </a:accent6>
-      <a:hlink>
-        <a:srgbClr val="0097A7"/>
-      </a:hlink>
-      <a:folHlink>
-        <a:srgbClr val="0097A7"/>
-      </a:folHlink>
-    </a:clrScheme>
-    <a:fontScheme name="Office">
-      <a:majorFont>
-        <a:latin typeface="Arial"/>
-        <a:ea typeface=""/>
-        <a:cs typeface=""/>
-        <a:font script="Jpan" typeface="ＭＳ Ｐゴシック"/>
-        <a:font script="Hang" typeface="맑은 고딕"/>
-        <a:font script="Hans" typeface="宋体"/>
-        <a:font script="Hant" typeface="新細明體"/>
-        <a:font script="Arab" typeface="Times New Roman"/>
-        <a:font script="Hebr" typeface="Times New Roman"/>
-        <a:font script="Thai" typeface="Angsana New"/>
-        <a:font script="Ethi" typeface="Nyala"/>
-        <a:font script="Beng" typeface="Vrinda"/>
-        <a:font script="Gujr" typeface="Shruti"/>
-        <a:font script="Khmr" typeface="MoolBoran"/>
-        <a:font script="Knda" typeface="Tunga"/>
-        <a:font script="Guru" typeface="Raavi"/>
-        <a:font script="Cans" typeface="Euphemia"/>
-        <a:font script="Cher" typeface="Plantagenet Cherokee"/>
-        <a:font script="Yiii" typeface="Microsoft Yi Baiti"/>
-        <a:font script="Tibt" typeface="Microsoft Himalaya"/>
-        <a:font script="Thaa" typeface="MV Boli"/>
-        <a:font script="Deva" typeface="Mangal"/>
-        <a:font script="Telu" typeface="Gautami"/>
-        <a:font script="Taml" typeface="Latha"/>
-        <a:font script="Syrc" typeface="Estrangelo Edessa"/>
-        <a:font script="Orya" typeface="Kalinga"/>
-        <a:font script="Mlym" typeface="Kartika"/>
-        <a:font script="Laoo" typeface="DokChampa"/>
-        <a:font script="Sinh" typeface="Iskoola Pota"/>
-        <a:font script="Mong" typeface="Mongolian Baiti"/>
-        <a:font script="Viet" typeface="Times New Roman"/>
-        <a:font script="Uigh" typeface="Microsoft Uighur"/>
-        <a:font script="Geor" typeface="Sylfaen"/>
-      </a:majorFont>
-      <a:minorFont>
-        <a:latin typeface="Arial"/>
-        <a:ea typeface=""/>
-        <a:cs typeface=""/>
-        <a:font script="Jpan" typeface="ＭＳ Ｐゴシック"/>
-        <a:font script="Hang" typeface="맑은 고딕"/>
-        <a:font script="Hans" typeface="宋体"/>
-        <a:font script="Hant" typeface="新細明體"/>
-        <a:font script="Arab" typeface="Arial"/>
-        <a:font script="Hebr" typeface="Arial"/>
-        <a:font script="Thai" typeface="Cordia New"/>
-        <a:font script="Ethi" typeface="Nyala"/>
-        <a:font script="Beng" typeface="Vrinda"/>
-        <a:font script="Gujr" typeface="Shruti"/>
-        <a:font script="Khmr" typeface="DaunPenh"/>
-        <a:font script="Knda" typeface="Tunga"/>
-        <a:font script="Guru" typeface="Raavi"/>
-        <a:font script="Cans" typeface="Euphemia"/>
-        <a:font script="Cher" typeface="Plantagenet Cherokee"/>
-        <a:font script="Yiii" typeface="Microsoft Yi Baiti"/>
-        <a:font script="Tibt" typeface="Microsoft Himalaya"/>
-        <a:font script="Thaa" typeface="MV Boli"/>
-        <a:font script="Deva" typeface="Mangal"/>
-        <a:font script="Telu" typeface="Gautami"/>
-        <a:font script="Taml" typeface="Latha"/>
-        <a:font script="Syrc" typeface="Estrangelo Edessa"/>
-        <a:font script="Orya" typeface="Kalinga"/>
-        <a:font script="Mlym" typeface="Kartika"/>
-        <a:font script="Laoo" typeface="DokChampa"/>
-        <a:font script="Sinh" typeface="Iskoola Pota"/>
-        <a:font script="Mong" typeface="Mongolian Baiti"/>
-        <a:font script="Viet" typeface="Arial"/>
-        <a:font script="Uigh" typeface="Microsoft Uighur"/>
-        <a:font script="Geor" typeface="Sylfaen"/>
-      </a:minorFont>
-    </a:fontScheme>
-    <a:fmtScheme name="Office">
-      <a:fillStyleLst>
-        <a:solidFill>
-          <a:schemeClr val="phClr"/>
-        </a:solidFill>
-        <a:gradFill rotWithShape="1">
-          <a:gsLst>
-            <a:gs pos="0">
-              <a:schemeClr val="phClr">
-                <a:tint val="50000"/>
-                <a:satMod val="300000"/>
-              </a:schemeClr>
-            </a:gs>
-            <a:gs pos="35000">
-              <a:schemeClr val="phClr">
-                <a:tint val="37000"/>
-                <a:satMod val="300000"/>
-              </a:schemeClr>
-            </a:gs>
-            <a:gs pos="100000">
-              <a:schemeClr val="phClr">
-                <a:tint val="15000"/>
-                <a:satMod val="350000"/>
-              </a:schemeClr>
-            </a:gs>
-          </a:gsLst>
-          <a:lin ang="16200000" scaled="1"/>
-        </a:gradFill>
-        <a:gradFill rotWithShape="1">
-          <a:gsLst>
-            <a:gs pos="0">
-              <a:schemeClr val="phClr">
-                <a:tint val="100000"/>
-                <a:shade val="100000"/>
-                <a:satMod val="130000"/>
-              </a:schemeClr>
-            </a:gs>
-            <a:gs pos="100000">
-              <a:schemeClr val="phClr">
-                <a:tint val="50000"/>
-                <a:shade val="100000"/>
-                <a:satMod val="350000"/>
-              </a:schemeClr>
-            </a:gs>
-          </a:gsLst>
-          <a:lin ang="16200000" scaled="0"/>
-        </a:gradFill>
-      </a:fillStyleLst>
-      <a:lnStyleLst>
-        <a:ln w="9525" cap="flat" cmpd="sng" algn="ctr">
-          <a:solidFill>
-            <a:schemeClr val="phClr">
-              <a:shade val="95000"/>
-              <a:satMod val="105000"/>
-            </a:schemeClr>
-          </a:solidFill>
-          <a:prstDash val="solid"/>
-        </a:ln>
-        <a:ln w="25400" cap="flat" cmpd="sng" algn="ctr">
-          <a:solidFill>
-            <a:schemeClr val="phClr"/>
-          </a:solidFill>
-          <a:prstDash val="solid"/>
-        </a:ln>
-        <a:ln w="38100" cap="flat" cmpd="sng" algn="ctr">
-          <a:solidFill>
-            <a:schemeClr val="phClr"/>
-          </a:solidFill>
-          <a:prstDash val="solid"/>
-        </a:ln>
-      </a:lnStyleLst>
-      <a:effectStyleLst>
-        <a:effectStyle>
-          <a:effectLst>
-            <a:outerShdw blurRad="40000" dist="20000" dir="5400000" rotWithShape="0">
-              <a:srgbClr val="000000">
-                <a:alpha val="38000"/>
-              </a:srgbClr>
-            </a:outerShdw>
-          </a:effectLst>
-        </a:effectStyle>
-        <a:effectStyle>
-          <a:effectLst>
-            <a:outerShdw blurRad="40000" dist="23000" dir="5400000" rotWithShape="0">
-              <a:srgbClr val="000000">
-                <a:alpha val="35000"/>
-              </a:srgbClr>
-            </a:outerShdw>
-          </a:effectLst>
-        </a:effectStyle>
-        <a:effectStyle>
-          <a:effectLst>
-            <a:outerShdw blurRad="40000" dist="23000" dir="5400000" rotWithShape="0">
-              <a:srgbClr val="000000">
-                <a:alpha val="35000"/>
-              </a:srgbClr>
-            </a:outerShdw>
-          </a:effectLst>
-          <a:scene3d>
-            <a:camera prst="orthographicFront">
-              <a:rot lat="0" lon="0" rev="0"/>
-            </a:camera>
-            <a:lightRig rig="threePt" dir="t">
-              <a:rot lat="0" lon="0" rev="1200000"/>
-            </a:lightRig>
-          </a:scene3d>
-          <a:sp3d>
-            <a:bevelT w="63500" h="25400"/>
-          </a:sp3d>
-        </a:effectStyle>
-      </a:effectStyleLst>
-      <a:bgFillStyleLst>
-        <a:solidFill>
-          <a:schemeClr val="phClr"/>
-        </a:solidFill>
-        <a:gradFill rotWithShape="1">
-          <a:gsLst>
-            <a:gs pos="0">
-              <a:schemeClr val="phClr">
-                <a:tint val="40000"/>
-                <a:satMod val="350000"/>
-              </a:schemeClr>
-            </a:gs>
-            <a:gs pos="40000">
-              <a:schemeClr val="phClr">
-                <a:tint val="45000"/>
-                <a:shade val="99000"/>
-                <a:satMod val="350000"/>
-              </a:schemeClr>
-            </a:gs>
-            <a:gs pos="100000">
-              <a:schemeClr val="phClr">
-                <a:shade val="20000"/>
-                <a:satMod val="255000"/>
-              </a:schemeClr>
-            </a:gs>
-          </a:gsLst>
-          <a:path path="circle">
-            <a:fillToRect l="50000" t="-80000" r="50000" b="180000"/>
-          </a:path>
-        </a:gradFill>
-        <a:gradFill rotWithShape="1">
-          <a:gsLst>
-            <a:gs pos="0">
-              <a:schemeClr val="phClr">
-                <a:tint val="80000"/>
-                <a:satMod val="300000"/>
-              </a:schemeClr>
-            </a:gs>
-            <a:gs pos="100000">
-              <a:schemeClr val="phClr">
-                <a:shade val="30000"/>
-                <a:satMod val="200000"/>
-              </a:schemeClr>
-            </a:gs>
-          </a:gsLst>
-          <a:path path="circle">
-            <a:fillToRect l="50000" t="50000" r="50000" b="50000"/>
-          </a:path>
-        </a:gradFill>
-      </a:bgFillStyleLst>
-    </a:fmtScheme>
-  </a:themeElements>
+  <a:objectDefaults/>
+  <a:extraClrSchemeLst/>
 </a:theme>
 </file>